--- a/slides/session1-tools/aid-session1-all.pptx
+++ b/slides/session1-tools/aid-session1-all.pptx
@@ -4,37 +4,48 @@
   <p:sldMasterIdLst>
     <p:sldMasterId id="2147483648" r:id="rId1"/>
     <p:sldMasterId id="2147483660" r:id="rId2"/>
+    <p:sldMasterId id="2147483679" r:id="rId3"/>
   </p:sldMasterIdLst>
   <p:notesMasterIdLst>
-    <p:notesMasterId r:id="rId29"/>
+    <p:notesMasterId r:id="rId40"/>
   </p:notesMasterIdLst>
   <p:sldIdLst>
-    <p:sldId id="256" r:id="rId3"/>
-    <p:sldId id="265" r:id="rId4"/>
-    <p:sldId id="257" r:id="rId5"/>
-    <p:sldId id="258" r:id="rId6"/>
-    <p:sldId id="259" r:id="rId7"/>
-    <p:sldId id="260" r:id="rId8"/>
-    <p:sldId id="261" r:id="rId9"/>
-    <p:sldId id="262" r:id="rId10"/>
-    <p:sldId id="266" r:id="rId11"/>
-    <p:sldId id="263" r:id="rId12"/>
-    <p:sldId id="264" r:id="rId13"/>
-    <p:sldId id="267" r:id="rId14"/>
-    <p:sldId id="268" r:id="rId15"/>
-    <p:sldId id="269" r:id="rId16"/>
-    <p:sldId id="270" r:id="rId17"/>
-    <p:sldId id="271" r:id="rId18"/>
-    <p:sldId id="272" r:id="rId19"/>
-    <p:sldId id="273" r:id="rId20"/>
-    <p:sldId id="274" r:id="rId21"/>
-    <p:sldId id="275" r:id="rId22"/>
-    <p:sldId id="276" r:id="rId23"/>
-    <p:sldId id="277" r:id="rId24"/>
-    <p:sldId id="278" r:id="rId25"/>
-    <p:sldId id="279" r:id="rId26"/>
-    <p:sldId id="280" r:id="rId27"/>
-    <p:sldId id="281" r:id="rId28"/>
+    <p:sldId id="256" r:id="rId4"/>
+    <p:sldId id="265" r:id="rId5"/>
+    <p:sldId id="257" r:id="rId6"/>
+    <p:sldId id="258" r:id="rId7"/>
+    <p:sldId id="259" r:id="rId8"/>
+    <p:sldId id="260" r:id="rId9"/>
+    <p:sldId id="261" r:id="rId10"/>
+    <p:sldId id="262" r:id="rId11"/>
+    <p:sldId id="266" r:id="rId12"/>
+    <p:sldId id="263" r:id="rId13"/>
+    <p:sldId id="264" r:id="rId14"/>
+    <p:sldId id="282" r:id="rId15"/>
+    <p:sldId id="283" r:id="rId16"/>
+    <p:sldId id="284" r:id="rId17"/>
+    <p:sldId id="285" r:id="rId18"/>
+    <p:sldId id="286" r:id="rId19"/>
+    <p:sldId id="287" r:id="rId20"/>
+    <p:sldId id="288" r:id="rId21"/>
+    <p:sldId id="289" r:id="rId22"/>
+    <p:sldId id="290" r:id="rId23"/>
+    <p:sldId id="291" r:id="rId24"/>
+    <p:sldId id="267" r:id="rId25"/>
+    <p:sldId id="268" r:id="rId26"/>
+    <p:sldId id="269" r:id="rId27"/>
+    <p:sldId id="270" r:id="rId28"/>
+    <p:sldId id="271" r:id="rId29"/>
+    <p:sldId id="272" r:id="rId30"/>
+    <p:sldId id="273" r:id="rId31"/>
+    <p:sldId id="274" r:id="rId32"/>
+    <p:sldId id="275" r:id="rId33"/>
+    <p:sldId id="276" r:id="rId34"/>
+    <p:sldId id="277" r:id="rId35"/>
+    <p:sldId id="278" r:id="rId36"/>
+    <p:sldId id="279" r:id="rId37"/>
+    <p:sldId id="280" r:id="rId38"/>
+    <p:sldId id="281" r:id="rId39"/>
   </p:sldIdLst>
   <p:sldSz cx="12192000" cy="6858000"/>
   <p:notesSz cx="6858000" cy="9144000"/>
@@ -574,6 +585,526 @@
 </p:notes>
 </file>
 
+<file path=ppt/notesSlides/notesSlide10.xml><?xml version="1.0" encoding="utf-8"?>
+<p:notes xmlns:a="http://schemas.openxmlformats.org/drawingml/2006/main" xmlns:r="http://schemas.openxmlformats.org/officeDocument/2006/relationships" xmlns:p="http://schemas.openxmlformats.org/presentationml/2006/main" showMasterSp="0" showMasterPhAnim="0">
+  <p:cSld>
+    <p:spTree>
+      <p:nvGrpSpPr>
+        <p:cNvPr id="1" name="Shape 84"/>
+        <p:cNvGrpSpPr/>
+        <p:nvPr/>
+      </p:nvGrpSpPr>
+      <p:grpSpPr>
+        <a:xfrm>
+          <a:off x="0" y="0"/>
+          <a:ext cx="0" cy="0"/>
+          <a:chOff x="0" y="0"/>
+          <a:chExt cx="0" cy="0"/>
+        </a:xfrm>
+      </p:grpSpPr>
+      <p:sp>
+        <p:nvSpPr>
+          <p:cNvPr id="85" name="Google Shape;85;g104a7554ea8_0_1:notes"/>
+          <p:cNvSpPr>
+            <a:spLocks noGrp="1" noRot="1" noChangeAspect="1"/>
+          </p:cNvSpPr>
+          <p:nvPr>
+            <p:ph type="sldImg" idx="2"/>
+          </p:nvPr>
+        </p:nvSpPr>
+        <p:spPr>
+          <a:xfrm>
+            <a:off x="381000" y="685800"/>
+            <a:ext cx="6096000" cy="3429000"/>
+          </a:xfrm>
+          <a:custGeom>
+            <a:avLst/>
+            <a:gdLst/>
+            <a:ahLst/>
+            <a:cxnLst/>
+            <a:rect l="l" t="t" r="r" b="b"/>
+            <a:pathLst>
+              <a:path w="120000" h="120000" extrusionOk="0">
+                <a:moveTo>
+                  <a:pt x="0" y="0"/>
+                </a:moveTo>
+                <a:lnTo>
+                  <a:pt x="120000" y="0"/>
+                </a:lnTo>
+                <a:lnTo>
+                  <a:pt x="120000" y="120000"/>
+                </a:lnTo>
+                <a:lnTo>
+                  <a:pt x="0" y="120000"/>
+                </a:lnTo>
+                <a:close/>
+              </a:path>
+            </a:pathLst>
+          </a:custGeom>
+        </p:spPr>
+      </p:sp>
+      <p:sp>
+        <p:nvSpPr>
+          <p:cNvPr id="86" name="Google Shape;86;g104a7554ea8_0_1:notes"/>
+          <p:cNvSpPr txBox="1">
+            <a:spLocks noGrp="1"/>
+          </p:cNvSpPr>
+          <p:nvPr>
+            <p:ph type="body" idx="1"/>
+          </p:nvPr>
+        </p:nvSpPr>
+        <p:spPr>
+          <a:xfrm>
+            <a:off x="685800" y="4343400"/>
+            <a:ext cx="5486400" cy="4114800"/>
+          </a:xfrm>
+          <a:prstGeom prst="rect">
+            <a:avLst/>
+          </a:prstGeom>
+        </p:spPr>
+        <p:txBody>
+          <a:bodyPr spcFirstLastPara="1" wrap="square" lIns="91425" tIns="91425" rIns="91425" bIns="91425" anchor="t" anchorCtr="0">
+            <a:noAutofit/>
+          </a:bodyPr>
+          <a:lstStyle/>
+          <a:p>
+            <a:pPr marL="0" lvl="0" indent="0" algn="l" rtl="0">
+              <a:spcBef>
+                <a:spcPts val="0"/>
+              </a:spcBef>
+              <a:spcAft>
+                <a:spcPts val="0"/>
+              </a:spcAft>
+              <a:buNone/>
+            </a:pPr>
+            <a:endParaRPr/>
+          </a:p>
+        </p:txBody>
+      </p:sp>
+    </p:spTree>
+  </p:cSld>
+  <p:clrMapOvr>
+    <a:masterClrMapping/>
+  </p:clrMapOvr>
+</p:notes>
+</file>
+
+<file path=ppt/notesSlides/notesSlide11.xml><?xml version="1.0" encoding="utf-8"?>
+<p:notes xmlns:a="http://schemas.openxmlformats.org/drawingml/2006/main" xmlns:r="http://schemas.openxmlformats.org/officeDocument/2006/relationships" xmlns:p="http://schemas.openxmlformats.org/presentationml/2006/main" showMasterSp="0" showMasterPhAnim="0">
+  <p:cSld>
+    <p:spTree>
+      <p:nvGrpSpPr>
+        <p:cNvPr id="1" name="Shape 90"/>
+        <p:cNvGrpSpPr/>
+        <p:nvPr/>
+      </p:nvGrpSpPr>
+      <p:grpSpPr>
+        <a:xfrm>
+          <a:off x="0" y="0"/>
+          <a:ext cx="0" cy="0"/>
+          <a:chOff x="0" y="0"/>
+          <a:chExt cx="0" cy="0"/>
+        </a:xfrm>
+      </p:grpSpPr>
+      <p:sp>
+        <p:nvSpPr>
+          <p:cNvPr id="91" name="Google Shape;91;g104a7554ea8_0_7:notes"/>
+          <p:cNvSpPr>
+            <a:spLocks noGrp="1" noRot="1" noChangeAspect="1"/>
+          </p:cNvSpPr>
+          <p:nvPr>
+            <p:ph type="sldImg" idx="2"/>
+          </p:nvPr>
+        </p:nvSpPr>
+        <p:spPr>
+          <a:xfrm>
+            <a:off x="381000" y="685800"/>
+            <a:ext cx="6096000" cy="3429000"/>
+          </a:xfrm>
+          <a:custGeom>
+            <a:avLst/>
+            <a:gdLst/>
+            <a:ahLst/>
+            <a:cxnLst/>
+            <a:rect l="l" t="t" r="r" b="b"/>
+            <a:pathLst>
+              <a:path w="120000" h="120000" extrusionOk="0">
+                <a:moveTo>
+                  <a:pt x="0" y="0"/>
+                </a:moveTo>
+                <a:lnTo>
+                  <a:pt x="120000" y="0"/>
+                </a:lnTo>
+                <a:lnTo>
+                  <a:pt x="120000" y="120000"/>
+                </a:lnTo>
+                <a:lnTo>
+                  <a:pt x="0" y="120000"/>
+                </a:lnTo>
+                <a:close/>
+              </a:path>
+            </a:pathLst>
+          </a:custGeom>
+        </p:spPr>
+      </p:sp>
+      <p:sp>
+        <p:nvSpPr>
+          <p:cNvPr id="92" name="Google Shape;92;g104a7554ea8_0_7:notes"/>
+          <p:cNvSpPr txBox="1">
+            <a:spLocks noGrp="1"/>
+          </p:cNvSpPr>
+          <p:nvPr>
+            <p:ph type="body" idx="1"/>
+          </p:nvPr>
+        </p:nvSpPr>
+        <p:spPr>
+          <a:xfrm>
+            <a:off x="685800" y="4343400"/>
+            <a:ext cx="5486400" cy="4114800"/>
+          </a:xfrm>
+          <a:prstGeom prst="rect">
+            <a:avLst/>
+          </a:prstGeom>
+        </p:spPr>
+        <p:txBody>
+          <a:bodyPr spcFirstLastPara="1" wrap="square" lIns="91425" tIns="91425" rIns="91425" bIns="91425" anchor="t" anchorCtr="0">
+            <a:noAutofit/>
+          </a:bodyPr>
+          <a:lstStyle/>
+          <a:p>
+            <a:pPr marL="0" lvl="0" indent="0" algn="l" rtl="0">
+              <a:spcBef>
+                <a:spcPts val="0"/>
+              </a:spcBef>
+              <a:spcAft>
+                <a:spcPts val="0"/>
+              </a:spcAft>
+              <a:buNone/>
+            </a:pPr>
+            <a:endParaRPr/>
+          </a:p>
+        </p:txBody>
+      </p:sp>
+    </p:spTree>
+  </p:cSld>
+  <p:clrMapOvr>
+    <a:masterClrMapping/>
+  </p:clrMapOvr>
+</p:notes>
+</file>
+
+<file path=ppt/notesSlides/notesSlide12.xml><?xml version="1.0" encoding="utf-8"?>
+<p:notes xmlns:a="http://schemas.openxmlformats.org/drawingml/2006/main" xmlns:r="http://schemas.openxmlformats.org/officeDocument/2006/relationships" xmlns:p="http://schemas.openxmlformats.org/presentationml/2006/main" showMasterSp="0" showMasterPhAnim="0">
+  <p:cSld>
+    <p:spTree>
+      <p:nvGrpSpPr>
+        <p:cNvPr id="1" name="Shape 97"/>
+        <p:cNvGrpSpPr/>
+        <p:nvPr/>
+      </p:nvGrpSpPr>
+      <p:grpSpPr>
+        <a:xfrm>
+          <a:off x="0" y="0"/>
+          <a:ext cx="0" cy="0"/>
+          <a:chOff x="0" y="0"/>
+          <a:chExt cx="0" cy="0"/>
+        </a:xfrm>
+      </p:grpSpPr>
+      <p:sp>
+        <p:nvSpPr>
+          <p:cNvPr id="98" name="Google Shape;98;g104a7554ea8_0_14:notes"/>
+          <p:cNvSpPr>
+            <a:spLocks noGrp="1" noRot="1" noChangeAspect="1"/>
+          </p:cNvSpPr>
+          <p:nvPr>
+            <p:ph type="sldImg" idx="2"/>
+          </p:nvPr>
+        </p:nvSpPr>
+        <p:spPr>
+          <a:xfrm>
+            <a:off x="381300" y="685800"/>
+            <a:ext cx="6096000" cy="3429000"/>
+          </a:xfrm>
+          <a:custGeom>
+            <a:avLst/>
+            <a:gdLst/>
+            <a:ahLst/>
+            <a:cxnLst/>
+            <a:rect l="l" t="t" r="r" b="b"/>
+            <a:pathLst>
+              <a:path w="120000" h="120000" extrusionOk="0">
+                <a:moveTo>
+                  <a:pt x="0" y="0"/>
+                </a:moveTo>
+                <a:lnTo>
+                  <a:pt x="120000" y="0"/>
+                </a:lnTo>
+                <a:lnTo>
+                  <a:pt x="120000" y="120000"/>
+                </a:lnTo>
+                <a:lnTo>
+                  <a:pt x="0" y="120000"/>
+                </a:lnTo>
+                <a:close/>
+              </a:path>
+            </a:pathLst>
+          </a:custGeom>
+        </p:spPr>
+      </p:sp>
+      <p:sp>
+        <p:nvSpPr>
+          <p:cNvPr id="99" name="Google Shape;99;g104a7554ea8_0_14:notes"/>
+          <p:cNvSpPr txBox="1">
+            <a:spLocks noGrp="1"/>
+          </p:cNvSpPr>
+          <p:nvPr>
+            <p:ph type="body" idx="1"/>
+          </p:nvPr>
+        </p:nvSpPr>
+        <p:spPr>
+          <a:xfrm>
+            <a:off x="685800" y="4343400"/>
+            <a:ext cx="5486400" cy="4114800"/>
+          </a:xfrm>
+          <a:prstGeom prst="rect">
+            <a:avLst/>
+          </a:prstGeom>
+        </p:spPr>
+        <p:txBody>
+          <a:bodyPr spcFirstLastPara="1" wrap="square" lIns="91425" tIns="91425" rIns="91425" bIns="91425" anchor="t" anchorCtr="0">
+            <a:noAutofit/>
+          </a:bodyPr>
+          <a:lstStyle/>
+          <a:p>
+            <a:pPr marL="0" lvl="0" indent="0" algn="l" rtl="0">
+              <a:spcBef>
+                <a:spcPts val="0"/>
+              </a:spcBef>
+              <a:spcAft>
+                <a:spcPts val="0"/>
+              </a:spcAft>
+              <a:buNone/>
+            </a:pPr>
+            <a:endParaRPr/>
+          </a:p>
+        </p:txBody>
+      </p:sp>
+    </p:spTree>
+  </p:cSld>
+  <p:clrMapOvr>
+    <a:masterClrMapping/>
+  </p:clrMapOvr>
+</p:notes>
+</file>
+
+<file path=ppt/notesSlides/notesSlide13.xml><?xml version="1.0" encoding="utf-8"?>
+<p:notes xmlns:a="http://schemas.openxmlformats.org/drawingml/2006/main" xmlns:r="http://schemas.openxmlformats.org/officeDocument/2006/relationships" xmlns:p="http://schemas.openxmlformats.org/presentationml/2006/main" showMasterSp="0" showMasterPhAnim="0">
+  <p:cSld>
+    <p:spTree>
+      <p:nvGrpSpPr>
+        <p:cNvPr id="1" name="Shape 104"/>
+        <p:cNvGrpSpPr/>
+        <p:nvPr/>
+      </p:nvGrpSpPr>
+      <p:grpSpPr>
+        <a:xfrm>
+          <a:off x="0" y="0"/>
+          <a:ext cx="0" cy="0"/>
+          <a:chOff x="0" y="0"/>
+          <a:chExt cx="0" cy="0"/>
+        </a:xfrm>
+      </p:grpSpPr>
+      <p:sp>
+        <p:nvSpPr>
+          <p:cNvPr id="105" name="Google Shape;105;g104a7554ea8_0_22:notes"/>
+          <p:cNvSpPr>
+            <a:spLocks noGrp="1" noRot="1" noChangeAspect="1"/>
+          </p:cNvSpPr>
+          <p:nvPr>
+            <p:ph type="sldImg" idx="2"/>
+          </p:nvPr>
+        </p:nvSpPr>
+        <p:spPr>
+          <a:xfrm>
+            <a:off x="381000" y="685800"/>
+            <a:ext cx="6096000" cy="3429000"/>
+          </a:xfrm>
+          <a:custGeom>
+            <a:avLst/>
+            <a:gdLst/>
+            <a:ahLst/>
+            <a:cxnLst/>
+            <a:rect l="l" t="t" r="r" b="b"/>
+            <a:pathLst>
+              <a:path w="120000" h="120000" extrusionOk="0">
+                <a:moveTo>
+                  <a:pt x="0" y="0"/>
+                </a:moveTo>
+                <a:lnTo>
+                  <a:pt x="120000" y="0"/>
+                </a:lnTo>
+                <a:lnTo>
+                  <a:pt x="120000" y="120000"/>
+                </a:lnTo>
+                <a:lnTo>
+                  <a:pt x="0" y="120000"/>
+                </a:lnTo>
+                <a:close/>
+              </a:path>
+            </a:pathLst>
+          </a:custGeom>
+        </p:spPr>
+      </p:sp>
+      <p:sp>
+        <p:nvSpPr>
+          <p:cNvPr id="106" name="Google Shape;106;g104a7554ea8_0_22:notes"/>
+          <p:cNvSpPr txBox="1">
+            <a:spLocks noGrp="1"/>
+          </p:cNvSpPr>
+          <p:nvPr>
+            <p:ph type="body" idx="1"/>
+          </p:nvPr>
+        </p:nvSpPr>
+        <p:spPr>
+          <a:xfrm>
+            <a:off x="685800" y="4343400"/>
+            <a:ext cx="5486400" cy="4114800"/>
+          </a:xfrm>
+          <a:prstGeom prst="rect">
+            <a:avLst/>
+          </a:prstGeom>
+        </p:spPr>
+        <p:txBody>
+          <a:bodyPr spcFirstLastPara="1" wrap="square" lIns="91425" tIns="91425" rIns="91425" bIns="91425" anchor="t" anchorCtr="0">
+            <a:noAutofit/>
+          </a:bodyPr>
+          <a:lstStyle/>
+          <a:p>
+            <a:pPr marL="0" lvl="0" indent="0" algn="l" rtl="0">
+              <a:spcBef>
+                <a:spcPts val="0"/>
+              </a:spcBef>
+              <a:spcAft>
+                <a:spcPts val="0"/>
+              </a:spcAft>
+              <a:buNone/>
+            </a:pPr>
+            <a:endParaRPr/>
+          </a:p>
+        </p:txBody>
+      </p:sp>
+    </p:spTree>
+  </p:cSld>
+  <p:clrMapOvr>
+    <a:masterClrMapping/>
+  </p:clrMapOvr>
+</p:notes>
+</file>
+
+<file path=ppt/notesSlides/notesSlide14.xml><?xml version="1.0" encoding="utf-8"?>
+<p:notes xmlns:a="http://schemas.openxmlformats.org/drawingml/2006/main" xmlns:r="http://schemas.openxmlformats.org/officeDocument/2006/relationships" xmlns:p="http://schemas.openxmlformats.org/presentationml/2006/main" showMasterSp="0" showMasterPhAnim="0">
+  <p:cSld>
+    <p:spTree>
+      <p:nvGrpSpPr>
+        <p:cNvPr id="1" name="Shape 110"/>
+        <p:cNvGrpSpPr/>
+        <p:nvPr/>
+      </p:nvGrpSpPr>
+      <p:grpSpPr>
+        <a:xfrm>
+          <a:off x="0" y="0"/>
+          <a:ext cx="0" cy="0"/>
+          <a:chOff x="0" y="0"/>
+          <a:chExt cx="0" cy="0"/>
+        </a:xfrm>
+      </p:grpSpPr>
+      <p:sp>
+        <p:nvSpPr>
+          <p:cNvPr id="111" name="Google Shape;111;g104a7554ea8_0_27:notes"/>
+          <p:cNvSpPr>
+            <a:spLocks noGrp="1" noRot="1" noChangeAspect="1"/>
+          </p:cNvSpPr>
+          <p:nvPr>
+            <p:ph type="sldImg" idx="2"/>
+          </p:nvPr>
+        </p:nvSpPr>
+        <p:spPr>
+          <a:xfrm>
+            <a:off x="381000" y="685800"/>
+            <a:ext cx="6096000" cy="3429000"/>
+          </a:xfrm>
+          <a:custGeom>
+            <a:avLst/>
+            <a:gdLst/>
+            <a:ahLst/>
+            <a:cxnLst/>
+            <a:rect l="l" t="t" r="r" b="b"/>
+            <a:pathLst>
+              <a:path w="120000" h="120000" extrusionOk="0">
+                <a:moveTo>
+                  <a:pt x="0" y="0"/>
+                </a:moveTo>
+                <a:lnTo>
+                  <a:pt x="120000" y="0"/>
+                </a:lnTo>
+                <a:lnTo>
+                  <a:pt x="120000" y="120000"/>
+                </a:lnTo>
+                <a:lnTo>
+                  <a:pt x="0" y="120000"/>
+                </a:lnTo>
+                <a:close/>
+              </a:path>
+            </a:pathLst>
+          </a:custGeom>
+        </p:spPr>
+      </p:sp>
+      <p:sp>
+        <p:nvSpPr>
+          <p:cNvPr id="112" name="Google Shape;112;g104a7554ea8_0_27:notes"/>
+          <p:cNvSpPr txBox="1">
+            <a:spLocks noGrp="1"/>
+          </p:cNvSpPr>
+          <p:nvPr>
+            <p:ph type="body" idx="1"/>
+          </p:nvPr>
+        </p:nvSpPr>
+        <p:spPr>
+          <a:xfrm>
+            <a:off x="685800" y="4343400"/>
+            <a:ext cx="5486400" cy="4114800"/>
+          </a:xfrm>
+          <a:prstGeom prst="rect">
+            <a:avLst/>
+          </a:prstGeom>
+        </p:spPr>
+        <p:txBody>
+          <a:bodyPr spcFirstLastPara="1" wrap="square" lIns="91425" tIns="91425" rIns="91425" bIns="91425" anchor="t" anchorCtr="0">
+            <a:noAutofit/>
+          </a:bodyPr>
+          <a:lstStyle/>
+          <a:p>
+            <a:pPr marL="0" lvl="0" indent="0" algn="l" rtl="0">
+              <a:spcBef>
+                <a:spcPts val="0"/>
+              </a:spcBef>
+              <a:spcAft>
+                <a:spcPts val="0"/>
+              </a:spcAft>
+              <a:buNone/>
+            </a:pPr>
+            <a:endParaRPr/>
+          </a:p>
+        </p:txBody>
+      </p:sp>
+    </p:spTree>
+  </p:cSld>
+  <p:clrMapOvr>
+    <a:masterClrMapping/>
+  </p:clrMapOvr>
+</p:notes>
+</file>
+
 <file path=ppt/notesSlides/notesSlide2.xml><?xml version="1.0" encoding="utf-8"?>
 <p:notes xmlns:a="http://schemas.openxmlformats.org/drawingml/2006/main" xmlns:r="http://schemas.openxmlformats.org/officeDocument/2006/relationships" xmlns:p="http://schemas.openxmlformats.org/presentationml/2006/main">
   <p:cSld>
@@ -825,6 +1356,526 @@
         <p14:creationId xmlns:p14="http://schemas.microsoft.com/office/powerpoint/2010/main" val="2990976549"/>
       </p:ext>
     </p:extLst>
+  </p:cSld>
+  <p:clrMapOvr>
+    <a:masterClrMapping/>
+  </p:clrMapOvr>
+</p:notes>
+</file>
+
+<file path=ppt/notesSlides/notesSlide5.xml><?xml version="1.0" encoding="utf-8"?>
+<p:notes xmlns:a="http://schemas.openxmlformats.org/drawingml/2006/main" xmlns:r="http://schemas.openxmlformats.org/officeDocument/2006/relationships" xmlns:p="http://schemas.openxmlformats.org/presentationml/2006/main" showMasterSp="0" showMasterPhAnim="0">
+  <p:cSld>
+    <p:spTree>
+      <p:nvGrpSpPr>
+        <p:cNvPr id="1" name="Shape 50"/>
+        <p:cNvGrpSpPr/>
+        <p:nvPr/>
+      </p:nvGrpSpPr>
+      <p:grpSpPr>
+        <a:xfrm>
+          <a:off x="0" y="0"/>
+          <a:ext cx="0" cy="0"/>
+          <a:chOff x="0" y="0"/>
+          <a:chExt cx="0" cy="0"/>
+        </a:xfrm>
+      </p:grpSpPr>
+      <p:sp>
+        <p:nvSpPr>
+          <p:cNvPr id="51" name="Google Shape;51;p:notes"/>
+          <p:cNvSpPr>
+            <a:spLocks noGrp="1" noRot="1" noChangeAspect="1"/>
+          </p:cNvSpPr>
+          <p:nvPr>
+            <p:ph type="sldImg" idx="2"/>
+          </p:nvPr>
+        </p:nvSpPr>
+        <p:spPr>
+          <a:xfrm>
+            <a:off x="381300" y="685800"/>
+            <a:ext cx="6096075" cy="3429000"/>
+          </a:xfrm>
+          <a:custGeom>
+            <a:avLst/>
+            <a:gdLst/>
+            <a:ahLst/>
+            <a:cxnLst/>
+            <a:rect l="l" t="t" r="r" b="b"/>
+            <a:pathLst>
+              <a:path w="120000" h="120000" extrusionOk="0">
+                <a:moveTo>
+                  <a:pt x="0" y="0"/>
+                </a:moveTo>
+                <a:lnTo>
+                  <a:pt x="120000" y="0"/>
+                </a:lnTo>
+                <a:lnTo>
+                  <a:pt x="120000" y="120000"/>
+                </a:lnTo>
+                <a:lnTo>
+                  <a:pt x="0" y="120000"/>
+                </a:lnTo>
+                <a:close/>
+              </a:path>
+            </a:pathLst>
+          </a:custGeom>
+        </p:spPr>
+      </p:sp>
+      <p:sp>
+        <p:nvSpPr>
+          <p:cNvPr id="52" name="Google Shape;52;p:notes"/>
+          <p:cNvSpPr txBox="1">
+            <a:spLocks noGrp="1"/>
+          </p:cNvSpPr>
+          <p:nvPr>
+            <p:ph type="body" idx="1"/>
+          </p:nvPr>
+        </p:nvSpPr>
+        <p:spPr>
+          <a:xfrm>
+            <a:off x="685800" y="4343400"/>
+            <a:ext cx="5486400" cy="4114800"/>
+          </a:xfrm>
+          <a:prstGeom prst="rect">
+            <a:avLst/>
+          </a:prstGeom>
+        </p:spPr>
+        <p:txBody>
+          <a:bodyPr spcFirstLastPara="1" wrap="square" lIns="91425" tIns="91425" rIns="91425" bIns="91425" anchor="t" anchorCtr="0">
+            <a:noAutofit/>
+          </a:bodyPr>
+          <a:lstStyle/>
+          <a:p>
+            <a:pPr marL="0" lvl="0" indent="0" algn="l" rtl="0">
+              <a:spcBef>
+                <a:spcPts val="0"/>
+              </a:spcBef>
+              <a:spcAft>
+                <a:spcPts val="0"/>
+              </a:spcAft>
+              <a:buNone/>
+            </a:pPr>
+            <a:endParaRPr/>
+          </a:p>
+        </p:txBody>
+      </p:sp>
+    </p:spTree>
+  </p:cSld>
+  <p:clrMapOvr>
+    <a:masterClrMapping/>
+  </p:clrMapOvr>
+</p:notes>
+</file>
+
+<file path=ppt/notesSlides/notesSlide6.xml><?xml version="1.0" encoding="utf-8"?>
+<p:notes xmlns:a="http://schemas.openxmlformats.org/drawingml/2006/main" xmlns:r="http://schemas.openxmlformats.org/officeDocument/2006/relationships" xmlns:p="http://schemas.openxmlformats.org/presentationml/2006/main" showMasterSp="0" showMasterPhAnim="0">
+  <p:cSld>
+    <p:spTree>
+      <p:nvGrpSpPr>
+        <p:cNvPr id="1" name="Shape 56"/>
+        <p:cNvGrpSpPr/>
+        <p:nvPr/>
+      </p:nvGrpSpPr>
+      <p:grpSpPr>
+        <a:xfrm>
+          <a:off x="0" y="0"/>
+          <a:ext cx="0" cy="0"/>
+          <a:chOff x="0" y="0"/>
+          <a:chExt cx="0" cy="0"/>
+        </a:xfrm>
+      </p:grpSpPr>
+      <p:sp>
+        <p:nvSpPr>
+          <p:cNvPr id="57" name="Google Shape;57;g104c6c7633f_0_0:notes"/>
+          <p:cNvSpPr>
+            <a:spLocks noGrp="1" noRot="1" noChangeAspect="1"/>
+          </p:cNvSpPr>
+          <p:nvPr>
+            <p:ph type="sldImg" idx="2"/>
+          </p:nvPr>
+        </p:nvSpPr>
+        <p:spPr>
+          <a:xfrm>
+            <a:off x="381000" y="685800"/>
+            <a:ext cx="6096000" cy="3429000"/>
+          </a:xfrm>
+          <a:custGeom>
+            <a:avLst/>
+            <a:gdLst/>
+            <a:ahLst/>
+            <a:cxnLst/>
+            <a:rect l="l" t="t" r="r" b="b"/>
+            <a:pathLst>
+              <a:path w="120000" h="120000" extrusionOk="0">
+                <a:moveTo>
+                  <a:pt x="0" y="0"/>
+                </a:moveTo>
+                <a:lnTo>
+                  <a:pt x="120000" y="0"/>
+                </a:lnTo>
+                <a:lnTo>
+                  <a:pt x="120000" y="120000"/>
+                </a:lnTo>
+                <a:lnTo>
+                  <a:pt x="0" y="120000"/>
+                </a:lnTo>
+                <a:close/>
+              </a:path>
+            </a:pathLst>
+          </a:custGeom>
+        </p:spPr>
+      </p:sp>
+      <p:sp>
+        <p:nvSpPr>
+          <p:cNvPr id="58" name="Google Shape;58;g104c6c7633f_0_0:notes"/>
+          <p:cNvSpPr txBox="1">
+            <a:spLocks noGrp="1"/>
+          </p:cNvSpPr>
+          <p:nvPr>
+            <p:ph type="body" idx="1"/>
+          </p:nvPr>
+        </p:nvSpPr>
+        <p:spPr>
+          <a:xfrm>
+            <a:off x="685800" y="4343400"/>
+            <a:ext cx="5486400" cy="4114800"/>
+          </a:xfrm>
+          <a:prstGeom prst="rect">
+            <a:avLst/>
+          </a:prstGeom>
+        </p:spPr>
+        <p:txBody>
+          <a:bodyPr spcFirstLastPara="1" wrap="square" lIns="91425" tIns="91425" rIns="91425" bIns="91425" anchor="t" anchorCtr="0">
+            <a:noAutofit/>
+          </a:bodyPr>
+          <a:lstStyle/>
+          <a:p>
+            <a:pPr marL="0" lvl="0" indent="0" algn="l" rtl="0">
+              <a:spcBef>
+                <a:spcPts val="0"/>
+              </a:spcBef>
+              <a:spcAft>
+                <a:spcPts val="0"/>
+              </a:spcAft>
+              <a:buNone/>
+            </a:pPr>
+            <a:endParaRPr/>
+          </a:p>
+        </p:txBody>
+      </p:sp>
+    </p:spTree>
+  </p:cSld>
+  <p:clrMapOvr>
+    <a:masterClrMapping/>
+  </p:clrMapOvr>
+</p:notes>
+</file>
+
+<file path=ppt/notesSlides/notesSlide7.xml><?xml version="1.0" encoding="utf-8"?>
+<p:notes xmlns:a="http://schemas.openxmlformats.org/drawingml/2006/main" xmlns:r="http://schemas.openxmlformats.org/officeDocument/2006/relationships" xmlns:p="http://schemas.openxmlformats.org/presentationml/2006/main" showMasterSp="0" showMasterPhAnim="0">
+  <p:cSld>
+    <p:spTree>
+      <p:nvGrpSpPr>
+        <p:cNvPr id="1" name="Shape 63"/>
+        <p:cNvGrpSpPr/>
+        <p:nvPr/>
+      </p:nvGrpSpPr>
+      <p:grpSpPr>
+        <a:xfrm>
+          <a:off x="0" y="0"/>
+          <a:ext cx="0" cy="0"/>
+          <a:chOff x="0" y="0"/>
+          <a:chExt cx="0" cy="0"/>
+        </a:xfrm>
+      </p:grpSpPr>
+      <p:sp>
+        <p:nvSpPr>
+          <p:cNvPr id="64" name="Google Shape;64;g104c6c7633f_0_5:notes"/>
+          <p:cNvSpPr>
+            <a:spLocks noGrp="1" noRot="1" noChangeAspect="1"/>
+          </p:cNvSpPr>
+          <p:nvPr>
+            <p:ph type="sldImg" idx="2"/>
+          </p:nvPr>
+        </p:nvSpPr>
+        <p:spPr>
+          <a:xfrm>
+            <a:off x="381300" y="685800"/>
+            <a:ext cx="6096000" cy="3429000"/>
+          </a:xfrm>
+          <a:custGeom>
+            <a:avLst/>
+            <a:gdLst/>
+            <a:ahLst/>
+            <a:cxnLst/>
+            <a:rect l="l" t="t" r="r" b="b"/>
+            <a:pathLst>
+              <a:path w="120000" h="120000" extrusionOk="0">
+                <a:moveTo>
+                  <a:pt x="0" y="0"/>
+                </a:moveTo>
+                <a:lnTo>
+                  <a:pt x="120000" y="0"/>
+                </a:lnTo>
+                <a:lnTo>
+                  <a:pt x="120000" y="120000"/>
+                </a:lnTo>
+                <a:lnTo>
+                  <a:pt x="0" y="120000"/>
+                </a:lnTo>
+                <a:close/>
+              </a:path>
+            </a:pathLst>
+          </a:custGeom>
+        </p:spPr>
+      </p:sp>
+      <p:sp>
+        <p:nvSpPr>
+          <p:cNvPr id="65" name="Google Shape;65;g104c6c7633f_0_5:notes"/>
+          <p:cNvSpPr txBox="1">
+            <a:spLocks noGrp="1"/>
+          </p:cNvSpPr>
+          <p:nvPr>
+            <p:ph type="body" idx="1"/>
+          </p:nvPr>
+        </p:nvSpPr>
+        <p:spPr>
+          <a:xfrm>
+            <a:off x="685800" y="4343400"/>
+            <a:ext cx="5486400" cy="4114800"/>
+          </a:xfrm>
+          <a:prstGeom prst="rect">
+            <a:avLst/>
+          </a:prstGeom>
+        </p:spPr>
+        <p:txBody>
+          <a:bodyPr spcFirstLastPara="1" wrap="square" lIns="91425" tIns="91425" rIns="91425" bIns="91425" anchor="t" anchorCtr="0">
+            <a:noAutofit/>
+          </a:bodyPr>
+          <a:lstStyle/>
+          <a:p>
+            <a:pPr marL="0" lvl="0" indent="0" algn="l" rtl="0">
+              <a:spcBef>
+                <a:spcPts val="0"/>
+              </a:spcBef>
+              <a:spcAft>
+                <a:spcPts val="0"/>
+              </a:spcAft>
+              <a:buNone/>
+            </a:pPr>
+            <a:endParaRPr/>
+          </a:p>
+        </p:txBody>
+      </p:sp>
+    </p:spTree>
+  </p:cSld>
+  <p:clrMapOvr>
+    <a:masterClrMapping/>
+  </p:clrMapOvr>
+</p:notes>
+</file>
+
+<file path=ppt/notesSlides/notesSlide8.xml><?xml version="1.0" encoding="utf-8"?>
+<p:notes xmlns:a="http://schemas.openxmlformats.org/drawingml/2006/main" xmlns:r="http://schemas.openxmlformats.org/officeDocument/2006/relationships" xmlns:p="http://schemas.openxmlformats.org/presentationml/2006/main" showMasterSp="0" showMasterPhAnim="0">
+  <p:cSld>
+    <p:spTree>
+      <p:nvGrpSpPr>
+        <p:cNvPr id="1" name="Shape 69"/>
+        <p:cNvGrpSpPr/>
+        <p:nvPr/>
+      </p:nvGrpSpPr>
+      <p:grpSpPr>
+        <a:xfrm>
+          <a:off x="0" y="0"/>
+          <a:ext cx="0" cy="0"/>
+          <a:chOff x="0" y="0"/>
+          <a:chExt cx="0" cy="0"/>
+        </a:xfrm>
+      </p:grpSpPr>
+      <p:sp>
+        <p:nvSpPr>
+          <p:cNvPr id="70" name="Google Shape;70;g104c6c7633f_0_10:notes"/>
+          <p:cNvSpPr>
+            <a:spLocks noGrp="1" noRot="1" noChangeAspect="1"/>
+          </p:cNvSpPr>
+          <p:nvPr>
+            <p:ph type="sldImg" idx="2"/>
+          </p:nvPr>
+        </p:nvSpPr>
+        <p:spPr>
+          <a:xfrm>
+            <a:off x="381000" y="685800"/>
+            <a:ext cx="6096000" cy="3429000"/>
+          </a:xfrm>
+          <a:custGeom>
+            <a:avLst/>
+            <a:gdLst/>
+            <a:ahLst/>
+            <a:cxnLst/>
+            <a:rect l="l" t="t" r="r" b="b"/>
+            <a:pathLst>
+              <a:path w="120000" h="120000" extrusionOk="0">
+                <a:moveTo>
+                  <a:pt x="0" y="0"/>
+                </a:moveTo>
+                <a:lnTo>
+                  <a:pt x="120000" y="0"/>
+                </a:lnTo>
+                <a:lnTo>
+                  <a:pt x="120000" y="120000"/>
+                </a:lnTo>
+                <a:lnTo>
+                  <a:pt x="0" y="120000"/>
+                </a:lnTo>
+                <a:close/>
+              </a:path>
+            </a:pathLst>
+          </a:custGeom>
+        </p:spPr>
+      </p:sp>
+      <p:sp>
+        <p:nvSpPr>
+          <p:cNvPr id="71" name="Google Shape;71;g104c6c7633f_0_10:notes"/>
+          <p:cNvSpPr txBox="1">
+            <a:spLocks noGrp="1"/>
+          </p:cNvSpPr>
+          <p:nvPr>
+            <p:ph type="body" idx="1"/>
+          </p:nvPr>
+        </p:nvSpPr>
+        <p:spPr>
+          <a:xfrm>
+            <a:off x="685800" y="4343400"/>
+            <a:ext cx="5486400" cy="4114800"/>
+          </a:xfrm>
+          <a:prstGeom prst="rect">
+            <a:avLst/>
+          </a:prstGeom>
+        </p:spPr>
+        <p:txBody>
+          <a:bodyPr spcFirstLastPara="1" wrap="square" lIns="91425" tIns="91425" rIns="91425" bIns="91425" anchor="t" anchorCtr="0">
+            <a:noAutofit/>
+          </a:bodyPr>
+          <a:lstStyle/>
+          <a:p>
+            <a:pPr marL="0" lvl="0" indent="0" algn="l" rtl="0">
+              <a:spcBef>
+                <a:spcPts val="0"/>
+              </a:spcBef>
+              <a:spcAft>
+                <a:spcPts val="0"/>
+              </a:spcAft>
+              <a:buNone/>
+            </a:pPr>
+            <a:endParaRPr/>
+          </a:p>
+        </p:txBody>
+      </p:sp>
+    </p:spTree>
+  </p:cSld>
+  <p:clrMapOvr>
+    <a:masterClrMapping/>
+  </p:clrMapOvr>
+</p:notes>
+</file>
+
+<file path=ppt/notesSlides/notesSlide9.xml><?xml version="1.0" encoding="utf-8"?>
+<p:notes xmlns:a="http://schemas.openxmlformats.org/drawingml/2006/main" xmlns:r="http://schemas.openxmlformats.org/officeDocument/2006/relationships" xmlns:p="http://schemas.openxmlformats.org/presentationml/2006/main" showMasterSp="0" showMasterPhAnim="0">
+  <p:cSld>
+    <p:spTree>
+      <p:nvGrpSpPr>
+        <p:cNvPr id="1" name="Shape 76"/>
+        <p:cNvGrpSpPr/>
+        <p:nvPr/>
+      </p:nvGrpSpPr>
+      <p:grpSpPr>
+        <a:xfrm>
+          <a:off x="0" y="0"/>
+          <a:ext cx="0" cy="0"/>
+          <a:chOff x="0" y="0"/>
+          <a:chExt cx="0" cy="0"/>
+        </a:xfrm>
+      </p:grpSpPr>
+      <p:sp>
+        <p:nvSpPr>
+          <p:cNvPr id="77" name="Google Shape;77;g104c6c7633f_0_16:notes"/>
+          <p:cNvSpPr>
+            <a:spLocks noGrp="1" noRot="1" noChangeAspect="1"/>
+          </p:cNvSpPr>
+          <p:nvPr>
+            <p:ph type="sldImg" idx="2"/>
+          </p:nvPr>
+        </p:nvSpPr>
+        <p:spPr>
+          <a:xfrm>
+            <a:off x="381300" y="685800"/>
+            <a:ext cx="6096000" cy="3429000"/>
+          </a:xfrm>
+          <a:custGeom>
+            <a:avLst/>
+            <a:gdLst/>
+            <a:ahLst/>
+            <a:cxnLst/>
+            <a:rect l="l" t="t" r="r" b="b"/>
+            <a:pathLst>
+              <a:path w="120000" h="120000" extrusionOk="0">
+                <a:moveTo>
+                  <a:pt x="0" y="0"/>
+                </a:moveTo>
+                <a:lnTo>
+                  <a:pt x="120000" y="0"/>
+                </a:lnTo>
+                <a:lnTo>
+                  <a:pt x="120000" y="120000"/>
+                </a:lnTo>
+                <a:lnTo>
+                  <a:pt x="0" y="120000"/>
+                </a:lnTo>
+                <a:close/>
+              </a:path>
+            </a:pathLst>
+          </a:custGeom>
+        </p:spPr>
+      </p:sp>
+      <p:sp>
+        <p:nvSpPr>
+          <p:cNvPr id="78" name="Google Shape;78;g104c6c7633f_0_16:notes"/>
+          <p:cNvSpPr txBox="1">
+            <a:spLocks noGrp="1"/>
+          </p:cNvSpPr>
+          <p:nvPr>
+            <p:ph type="body" idx="1"/>
+          </p:nvPr>
+        </p:nvSpPr>
+        <p:spPr>
+          <a:xfrm>
+            <a:off x="685800" y="4343400"/>
+            <a:ext cx="5486400" cy="4114800"/>
+          </a:xfrm>
+          <a:prstGeom prst="rect">
+            <a:avLst/>
+          </a:prstGeom>
+        </p:spPr>
+        <p:txBody>
+          <a:bodyPr spcFirstLastPara="1" wrap="square" lIns="91425" tIns="91425" rIns="91425" bIns="91425" anchor="t" anchorCtr="0">
+            <a:noAutofit/>
+          </a:bodyPr>
+          <a:lstStyle/>
+          <a:p>
+            <a:pPr marL="0" lvl="0" indent="0" algn="l" rtl="0">
+              <a:spcBef>
+                <a:spcPts val="0"/>
+              </a:spcBef>
+              <a:spcAft>
+                <a:spcPts val="0"/>
+              </a:spcAft>
+              <a:buNone/>
+            </a:pPr>
+            <a:endParaRPr/>
+          </a:p>
+        </p:txBody>
+      </p:sp>
+    </p:spTree>
   </p:cSld>
   <p:clrMapOvr>
     <a:masterClrMapping/>
@@ -5174,6 +6225,3349 @@
 </p:sldLayout>
 </file>
 
+<file path=ppt/slideLayouts/slideLayout30.xml><?xml version="1.0" encoding="utf-8"?>
+<p:sldLayout xmlns:a="http://schemas.openxmlformats.org/drawingml/2006/main" xmlns:r="http://schemas.openxmlformats.org/officeDocument/2006/relationships" xmlns:p="http://schemas.openxmlformats.org/presentationml/2006/main" matchingName="Title slide" type="title">
+  <p:cSld name="Title slide">
+    <p:spTree>
+      <p:nvGrpSpPr>
+        <p:cNvPr id="1" name="Shape 9"/>
+        <p:cNvGrpSpPr/>
+        <p:nvPr/>
+      </p:nvGrpSpPr>
+      <p:grpSpPr>
+        <a:xfrm>
+          <a:off x="0" y="0"/>
+          <a:ext cx="0" cy="0"/>
+          <a:chOff x="0" y="0"/>
+          <a:chExt cx="0" cy="0"/>
+        </a:xfrm>
+      </p:grpSpPr>
+      <p:sp>
+        <p:nvSpPr>
+          <p:cNvPr id="10" name="Google Shape;10;p2"/>
+          <p:cNvSpPr txBox="1">
+            <a:spLocks noGrp="1"/>
+          </p:cNvSpPr>
+          <p:nvPr>
+            <p:ph type="ctrTitle"/>
+          </p:nvPr>
+        </p:nvSpPr>
+        <p:spPr>
+          <a:xfrm>
+            <a:off x="415611" y="992767"/>
+            <a:ext cx="11360800" cy="2736800"/>
+          </a:xfrm>
+          <a:prstGeom prst="rect">
+            <a:avLst/>
+          </a:prstGeom>
+        </p:spPr>
+        <p:txBody>
+          <a:bodyPr spcFirstLastPara="1" wrap="square" lIns="91425" tIns="91425" rIns="91425" bIns="91425" anchor="b" anchorCtr="0">
+            <a:normAutofit/>
+          </a:bodyPr>
+          <a:lstStyle>
+            <a:lvl1pPr lvl="0" algn="ctr">
+              <a:spcBef>
+                <a:spcPts val="0"/>
+              </a:spcBef>
+              <a:spcAft>
+                <a:spcPts val="0"/>
+              </a:spcAft>
+              <a:buSzPts val="5200"/>
+              <a:buNone/>
+              <a:defRPr sz="6933"/>
+            </a:lvl1pPr>
+            <a:lvl2pPr lvl="1" algn="ctr">
+              <a:spcBef>
+                <a:spcPts val="0"/>
+              </a:spcBef>
+              <a:spcAft>
+                <a:spcPts val="0"/>
+              </a:spcAft>
+              <a:buSzPts val="5200"/>
+              <a:buNone/>
+              <a:defRPr sz="6933"/>
+            </a:lvl2pPr>
+            <a:lvl3pPr lvl="2" algn="ctr">
+              <a:spcBef>
+                <a:spcPts val="0"/>
+              </a:spcBef>
+              <a:spcAft>
+                <a:spcPts val="0"/>
+              </a:spcAft>
+              <a:buSzPts val="5200"/>
+              <a:buNone/>
+              <a:defRPr sz="6933"/>
+            </a:lvl3pPr>
+            <a:lvl4pPr lvl="3" algn="ctr">
+              <a:spcBef>
+                <a:spcPts val="0"/>
+              </a:spcBef>
+              <a:spcAft>
+                <a:spcPts val="0"/>
+              </a:spcAft>
+              <a:buSzPts val="5200"/>
+              <a:buNone/>
+              <a:defRPr sz="6933"/>
+            </a:lvl4pPr>
+            <a:lvl5pPr lvl="4" algn="ctr">
+              <a:spcBef>
+                <a:spcPts val="0"/>
+              </a:spcBef>
+              <a:spcAft>
+                <a:spcPts val="0"/>
+              </a:spcAft>
+              <a:buSzPts val="5200"/>
+              <a:buNone/>
+              <a:defRPr sz="6933"/>
+            </a:lvl5pPr>
+            <a:lvl6pPr lvl="5" algn="ctr">
+              <a:spcBef>
+                <a:spcPts val="0"/>
+              </a:spcBef>
+              <a:spcAft>
+                <a:spcPts val="0"/>
+              </a:spcAft>
+              <a:buSzPts val="5200"/>
+              <a:buNone/>
+              <a:defRPr sz="6933"/>
+            </a:lvl6pPr>
+            <a:lvl7pPr lvl="6" algn="ctr">
+              <a:spcBef>
+                <a:spcPts val="0"/>
+              </a:spcBef>
+              <a:spcAft>
+                <a:spcPts val="0"/>
+              </a:spcAft>
+              <a:buSzPts val="5200"/>
+              <a:buNone/>
+              <a:defRPr sz="6933"/>
+            </a:lvl7pPr>
+            <a:lvl8pPr lvl="7" algn="ctr">
+              <a:spcBef>
+                <a:spcPts val="0"/>
+              </a:spcBef>
+              <a:spcAft>
+                <a:spcPts val="0"/>
+              </a:spcAft>
+              <a:buSzPts val="5200"/>
+              <a:buNone/>
+              <a:defRPr sz="6933"/>
+            </a:lvl8pPr>
+            <a:lvl9pPr lvl="8" algn="ctr">
+              <a:spcBef>
+                <a:spcPts val="0"/>
+              </a:spcBef>
+              <a:spcAft>
+                <a:spcPts val="0"/>
+              </a:spcAft>
+              <a:buSzPts val="5200"/>
+              <a:buNone/>
+              <a:defRPr sz="6933"/>
+            </a:lvl9pPr>
+          </a:lstStyle>
+          <a:p>
+            <a:endParaRPr/>
+          </a:p>
+        </p:txBody>
+      </p:sp>
+      <p:sp>
+        <p:nvSpPr>
+          <p:cNvPr id="11" name="Google Shape;11;p2"/>
+          <p:cNvSpPr txBox="1">
+            <a:spLocks noGrp="1"/>
+          </p:cNvSpPr>
+          <p:nvPr>
+            <p:ph type="subTitle" idx="1"/>
+          </p:nvPr>
+        </p:nvSpPr>
+        <p:spPr>
+          <a:xfrm>
+            <a:off x="415600" y="3778833"/>
+            <a:ext cx="11360800" cy="1056800"/>
+          </a:xfrm>
+          <a:prstGeom prst="rect">
+            <a:avLst/>
+          </a:prstGeom>
+        </p:spPr>
+        <p:txBody>
+          <a:bodyPr spcFirstLastPara="1" wrap="square" lIns="91425" tIns="91425" rIns="91425" bIns="91425" anchor="t" anchorCtr="0">
+            <a:normAutofit/>
+          </a:bodyPr>
+          <a:lstStyle>
+            <a:lvl1pPr lvl="0" algn="ctr">
+              <a:lnSpc>
+                <a:spcPct val="100000"/>
+              </a:lnSpc>
+              <a:spcBef>
+                <a:spcPts val="0"/>
+              </a:spcBef>
+              <a:spcAft>
+                <a:spcPts val="0"/>
+              </a:spcAft>
+              <a:buSzPts val="2800"/>
+              <a:buNone/>
+              <a:defRPr sz="3733"/>
+            </a:lvl1pPr>
+            <a:lvl2pPr lvl="1" algn="ctr">
+              <a:lnSpc>
+                <a:spcPct val="100000"/>
+              </a:lnSpc>
+              <a:spcBef>
+                <a:spcPts val="0"/>
+              </a:spcBef>
+              <a:spcAft>
+                <a:spcPts val="0"/>
+              </a:spcAft>
+              <a:buSzPts val="2800"/>
+              <a:buNone/>
+              <a:defRPr sz="3733"/>
+            </a:lvl2pPr>
+            <a:lvl3pPr lvl="2" algn="ctr">
+              <a:lnSpc>
+                <a:spcPct val="100000"/>
+              </a:lnSpc>
+              <a:spcBef>
+                <a:spcPts val="0"/>
+              </a:spcBef>
+              <a:spcAft>
+                <a:spcPts val="0"/>
+              </a:spcAft>
+              <a:buSzPts val="2800"/>
+              <a:buNone/>
+              <a:defRPr sz="3733"/>
+            </a:lvl3pPr>
+            <a:lvl4pPr lvl="3" algn="ctr">
+              <a:lnSpc>
+                <a:spcPct val="100000"/>
+              </a:lnSpc>
+              <a:spcBef>
+                <a:spcPts val="0"/>
+              </a:spcBef>
+              <a:spcAft>
+                <a:spcPts val="0"/>
+              </a:spcAft>
+              <a:buSzPts val="2800"/>
+              <a:buNone/>
+              <a:defRPr sz="3733"/>
+            </a:lvl4pPr>
+            <a:lvl5pPr lvl="4" algn="ctr">
+              <a:lnSpc>
+                <a:spcPct val="100000"/>
+              </a:lnSpc>
+              <a:spcBef>
+                <a:spcPts val="0"/>
+              </a:spcBef>
+              <a:spcAft>
+                <a:spcPts val="0"/>
+              </a:spcAft>
+              <a:buSzPts val="2800"/>
+              <a:buNone/>
+              <a:defRPr sz="3733"/>
+            </a:lvl5pPr>
+            <a:lvl6pPr lvl="5" algn="ctr">
+              <a:lnSpc>
+                <a:spcPct val="100000"/>
+              </a:lnSpc>
+              <a:spcBef>
+                <a:spcPts val="0"/>
+              </a:spcBef>
+              <a:spcAft>
+                <a:spcPts val="0"/>
+              </a:spcAft>
+              <a:buSzPts val="2800"/>
+              <a:buNone/>
+              <a:defRPr sz="3733"/>
+            </a:lvl6pPr>
+            <a:lvl7pPr lvl="6" algn="ctr">
+              <a:lnSpc>
+                <a:spcPct val="100000"/>
+              </a:lnSpc>
+              <a:spcBef>
+                <a:spcPts val="0"/>
+              </a:spcBef>
+              <a:spcAft>
+                <a:spcPts val="0"/>
+              </a:spcAft>
+              <a:buSzPts val="2800"/>
+              <a:buNone/>
+              <a:defRPr sz="3733"/>
+            </a:lvl7pPr>
+            <a:lvl8pPr lvl="7" algn="ctr">
+              <a:lnSpc>
+                <a:spcPct val="100000"/>
+              </a:lnSpc>
+              <a:spcBef>
+                <a:spcPts val="0"/>
+              </a:spcBef>
+              <a:spcAft>
+                <a:spcPts val="0"/>
+              </a:spcAft>
+              <a:buSzPts val="2800"/>
+              <a:buNone/>
+              <a:defRPr sz="3733"/>
+            </a:lvl8pPr>
+            <a:lvl9pPr lvl="8" algn="ctr">
+              <a:lnSpc>
+                <a:spcPct val="100000"/>
+              </a:lnSpc>
+              <a:spcBef>
+                <a:spcPts val="0"/>
+              </a:spcBef>
+              <a:spcAft>
+                <a:spcPts val="0"/>
+              </a:spcAft>
+              <a:buSzPts val="2800"/>
+              <a:buNone/>
+              <a:defRPr sz="3733"/>
+            </a:lvl9pPr>
+          </a:lstStyle>
+          <a:p>
+            <a:endParaRPr/>
+          </a:p>
+        </p:txBody>
+      </p:sp>
+      <p:sp>
+        <p:nvSpPr>
+          <p:cNvPr id="12" name="Google Shape;12;p2"/>
+          <p:cNvSpPr txBox="1">
+            <a:spLocks noGrp="1"/>
+          </p:cNvSpPr>
+          <p:nvPr>
+            <p:ph type="sldNum" idx="12"/>
+          </p:nvPr>
+        </p:nvSpPr>
+        <p:spPr>
+          <a:xfrm>
+            <a:off x="11296611" y="6217623"/>
+            <a:ext cx="731600" cy="524800"/>
+          </a:xfrm>
+          <a:prstGeom prst="rect">
+            <a:avLst/>
+          </a:prstGeom>
+        </p:spPr>
+        <p:txBody>
+          <a:bodyPr spcFirstLastPara="1" wrap="square" lIns="91425" tIns="91425" rIns="91425" bIns="91425" anchor="ctr" anchorCtr="0">
+            <a:normAutofit/>
+          </a:bodyPr>
+          <a:lstStyle>
+            <a:lvl1pPr lvl="0">
+              <a:buNone/>
+              <a:defRPr/>
+            </a:lvl1pPr>
+            <a:lvl2pPr lvl="1">
+              <a:buNone/>
+              <a:defRPr/>
+            </a:lvl2pPr>
+            <a:lvl3pPr lvl="2">
+              <a:buNone/>
+              <a:defRPr/>
+            </a:lvl3pPr>
+            <a:lvl4pPr lvl="3">
+              <a:buNone/>
+              <a:defRPr/>
+            </a:lvl4pPr>
+            <a:lvl5pPr lvl="4">
+              <a:buNone/>
+              <a:defRPr/>
+            </a:lvl5pPr>
+            <a:lvl6pPr lvl="5">
+              <a:buNone/>
+              <a:defRPr/>
+            </a:lvl6pPr>
+            <a:lvl7pPr lvl="6">
+              <a:buNone/>
+              <a:defRPr/>
+            </a:lvl7pPr>
+            <a:lvl8pPr lvl="7">
+              <a:buNone/>
+              <a:defRPr/>
+            </a:lvl8pPr>
+            <a:lvl9pPr lvl="8">
+              <a:buNone/>
+              <a:defRPr/>
+            </a:lvl9pPr>
+          </a:lstStyle>
+          <a:p>
+            <a:fld id="{00000000-1234-1234-1234-123412341234}" type="slidenum">
+              <a:rPr lang="en" smtClean="0"/>
+              <a:pPr/>
+              <a:t>‹#›</a:t>
+            </a:fld>
+            <a:endParaRPr lang="en"/>
+          </a:p>
+        </p:txBody>
+      </p:sp>
+    </p:spTree>
+    <p:extLst>
+      <p:ext uri="{BB962C8B-B14F-4D97-AF65-F5344CB8AC3E}">
+        <p14:creationId xmlns:p14="http://schemas.microsoft.com/office/powerpoint/2010/main" val="1200397338"/>
+      </p:ext>
+    </p:extLst>
+  </p:cSld>
+  <p:clrMapOvr>
+    <a:masterClrMapping/>
+  </p:clrMapOvr>
+</p:sldLayout>
+</file>
+
+<file path=ppt/slideLayouts/slideLayout31.xml><?xml version="1.0" encoding="utf-8"?>
+<p:sldLayout xmlns:a="http://schemas.openxmlformats.org/drawingml/2006/main" xmlns:r="http://schemas.openxmlformats.org/officeDocument/2006/relationships" xmlns:p="http://schemas.openxmlformats.org/presentationml/2006/main" matchingName="Section header" type="secHead">
+  <p:cSld name="Section header">
+    <p:spTree>
+      <p:nvGrpSpPr>
+        <p:cNvPr id="1" name="Shape 13"/>
+        <p:cNvGrpSpPr/>
+        <p:nvPr/>
+      </p:nvGrpSpPr>
+      <p:grpSpPr>
+        <a:xfrm>
+          <a:off x="0" y="0"/>
+          <a:ext cx="0" cy="0"/>
+          <a:chOff x="0" y="0"/>
+          <a:chExt cx="0" cy="0"/>
+        </a:xfrm>
+      </p:grpSpPr>
+      <p:sp>
+        <p:nvSpPr>
+          <p:cNvPr id="14" name="Google Shape;14;p3"/>
+          <p:cNvSpPr txBox="1">
+            <a:spLocks noGrp="1"/>
+          </p:cNvSpPr>
+          <p:nvPr>
+            <p:ph type="title"/>
+          </p:nvPr>
+        </p:nvSpPr>
+        <p:spPr>
+          <a:xfrm>
+            <a:off x="415600" y="2867800"/>
+            <a:ext cx="11360800" cy="1122400"/>
+          </a:xfrm>
+          <a:prstGeom prst="rect">
+            <a:avLst/>
+          </a:prstGeom>
+        </p:spPr>
+        <p:txBody>
+          <a:bodyPr spcFirstLastPara="1" wrap="square" lIns="91425" tIns="91425" rIns="91425" bIns="91425" anchor="ctr" anchorCtr="0">
+            <a:normAutofit/>
+          </a:bodyPr>
+          <a:lstStyle>
+            <a:lvl1pPr lvl="0" algn="ctr">
+              <a:spcBef>
+                <a:spcPts val="0"/>
+              </a:spcBef>
+              <a:spcAft>
+                <a:spcPts val="0"/>
+              </a:spcAft>
+              <a:buSzPts val="3600"/>
+              <a:buNone/>
+              <a:defRPr sz="4800"/>
+            </a:lvl1pPr>
+            <a:lvl2pPr lvl="1" algn="ctr">
+              <a:spcBef>
+                <a:spcPts val="0"/>
+              </a:spcBef>
+              <a:spcAft>
+                <a:spcPts val="0"/>
+              </a:spcAft>
+              <a:buSzPts val="3600"/>
+              <a:buNone/>
+              <a:defRPr sz="4800"/>
+            </a:lvl2pPr>
+            <a:lvl3pPr lvl="2" algn="ctr">
+              <a:spcBef>
+                <a:spcPts val="0"/>
+              </a:spcBef>
+              <a:spcAft>
+                <a:spcPts val="0"/>
+              </a:spcAft>
+              <a:buSzPts val="3600"/>
+              <a:buNone/>
+              <a:defRPr sz="4800"/>
+            </a:lvl3pPr>
+            <a:lvl4pPr lvl="3" algn="ctr">
+              <a:spcBef>
+                <a:spcPts val="0"/>
+              </a:spcBef>
+              <a:spcAft>
+                <a:spcPts val="0"/>
+              </a:spcAft>
+              <a:buSzPts val="3600"/>
+              <a:buNone/>
+              <a:defRPr sz="4800"/>
+            </a:lvl4pPr>
+            <a:lvl5pPr lvl="4" algn="ctr">
+              <a:spcBef>
+                <a:spcPts val="0"/>
+              </a:spcBef>
+              <a:spcAft>
+                <a:spcPts val="0"/>
+              </a:spcAft>
+              <a:buSzPts val="3600"/>
+              <a:buNone/>
+              <a:defRPr sz="4800"/>
+            </a:lvl5pPr>
+            <a:lvl6pPr lvl="5" algn="ctr">
+              <a:spcBef>
+                <a:spcPts val="0"/>
+              </a:spcBef>
+              <a:spcAft>
+                <a:spcPts val="0"/>
+              </a:spcAft>
+              <a:buSzPts val="3600"/>
+              <a:buNone/>
+              <a:defRPr sz="4800"/>
+            </a:lvl6pPr>
+            <a:lvl7pPr lvl="6" algn="ctr">
+              <a:spcBef>
+                <a:spcPts val="0"/>
+              </a:spcBef>
+              <a:spcAft>
+                <a:spcPts val="0"/>
+              </a:spcAft>
+              <a:buSzPts val="3600"/>
+              <a:buNone/>
+              <a:defRPr sz="4800"/>
+            </a:lvl7pPr>
+            <a:lvl8pPr lvl="7" algn="ctr">
+              <a:spcBef>
+                <a:spcPts val="0"/>
+              </a:spcBef>
+              <a:spcAft>
+                <a:spcPts val="0"/>
+              </a:spcAft>
+              <a:buSzPts val="3600"/>
+              <a:buNone/>
+              <a:defRPr sz="4800"/>
+            </a:lvl8pPr>
+            <a:lvl9pPr lvl="8" algn="ctr">
+              <a:spcBef>
+                <a:spcPts val="0"/>
+              </a:spcBef>
+              <a:spcAft>
+                <a:spcPts val="0"/>
+              </a:spcAft>
+              <a:buSzPts val="3600"/>
+              <a:buNone/>
+              <a:defRPr sz="4800"/>
+            </a:lvl9pPr>
+          </a:lstStyle>
+          <a:p>
+            <a:endParaRPr/>
+          </a:p>
+        </p:txBody>
+      </p:sp>
+      <p:sp>
+        <p:nvSpPr>
+          <p:cNvPr id="15" name="Google Shape;15;p3"/>
+          <p:cNvSpPr txBox="1">
+            <a:spLocks noGrp="1"/>
+          </p:cNvSpPr>
+          <p:nvPr>
+            <p:ph type="sldNum" idx="12"/>
+          </p:nvPr>
+        </p:nvSpPr>
+        <p:spPr>
+          <a:xfrm>
+            <a:off x="11296611" y="6217623"/>
+            <a:ext cx="731600" cy="524800"/>
+          </a:xfrm>
+          <a:prstGeom prst="rect">
+            <a:avLst/>
+          </a:prstGeom>
+        </p:spPr>
+        <p:txBody>
+          <a:bodyPr spcFirstLastPara="1" wrap="square" lIns="91425" tIns="91425" rIns="91425" bIns="91425" anchor="ctr" anchorCtr="0">
+            <a:normAutofit/>
+          </a:bodyPr>
+          <a:lstStyle>
+            <a:lvl1pPr lvl="0">
+              <a:buNone/>
+              <a:defRPr/>
+            </a:lvl1pPr>
+            <a:lvl2pPr lvl="1">
+              <a:buNone/>
+              <a:defRPr/>
+            </a:lvl2pPr>
+            <a:lvl3pPr lvl="2">
+              <a:buNone/>
+              <a:defRPr/>
+            </a:lvl3pPr>
+            <a:lvl4pPr lvl="3">
+              <a:buNone/>
+              <a:defRPr/>
+            </a:lvl4pPr>
+            <a:lvl5pPr lvl="4">
+              <a:buNone/>
+              <a:defRPr/>
+            </a:lvl5pPr>
+            <a:lvl6pPr lvl="5">
+              <a:buNone/>
+              <a:defRPr/>
+            </a:lvl6pPr>
+            <a:lvl7pPr lvl="6">
+              <a:buNone/>
+              <a:defRPr/>
+            </a:lvl7pPr>
+            <a:lvl8pPr lvl="7">
+              <a:buNone/>
+              <a:defRPr/>
+            </a:lvl8pPr>
+            <a:lvl9pPr lvl="8">
+              <a:buNone/>
+              <a:defRPr/>
+            </a:lvl9pPr>
+          </a:lstStyle>
+          <a:p>
+            <a:fld id="{00000000-1234-1234-1234-123412341234}" type="slidenum">
+              <a:rPr lang="en" smtClean="0"/>
+              <a:pPr/>
+              <a:t>‹#›</a:t>
+            </a:fld>
+            <a:endParaRPr lang="en"/>
+          </a:p>
+        </p:txBody>
+      </p:sp>
+    </p:spTree>
+    <p:extLst>
+      <p:ext uri="{BB962C8B-B14F-4D97-AF65-F5344CB8AC3E}">
+        <p14:creationId xmlns:p14="http://schemas.microsoft.com/office/powerpoint/2010/main" val="2318383537"/>
+      </p:ext>
+    </p:extLst>
+  </p:cSld>
+  <p:clrMapOvr>
+    <a:masterClrMapping/>
+  </p:clrMapOvr>
+</p:sldLayout>
+</file>
+
+<file path=ppt/slideLayouts/slideLayout32.xml><?xml version="1.0" encoding="utf-8"?>
+<p:sldLayout xmlns:a="http://schemas.openxmlformats.org/drawingml/2006/main" xmlns:r="http://schemas.openxmlformats.org/officeDocument/2006/relationships" xmlns:p="http://schemas.openxmlformats.org/presentationml/2006/main" matchingName="Title and body" type="tx">
+  <p:cSld name="Title and body">
+    <p:spTree>
+      <p:nvGrpSpPr>
+        <p:cNvPr id="1" name="Shape 16"/>
+        <p:cNvGrpSpPr/>
+        <p:nvPr/>
+      </p:nvGrpSpPr>
+      <p:grpSpPr>
+        <a:xfrm>
+          <a:off x="0" y="0"/>
+          <a:ext cx="0" cy="0"/>
+          <a:chOff x="0" y="0"/>
+          <a:chExt cx="0" cy="0"/>
+        </a:xfrm>
+      </p:grpSpPr>
+      <p:sp>
+        <p:nvSpPr>
+          <p:cNvPr id="17" name="Google Shape;17;p4"/>
+          <p:cNvSpPr txBox="1">
+            <a:spLocks noGrp="1"/>
+          </p:cNvSpPr>
+          <p:nvPr>
+            <p:ph type="title"/>
+          </p:nvPr>
+        </p:nvSpPr>
+        <p:spPr>
+          <a:xfrm>
+            <a:off x="415600" y="593367"/>
+            <a:ext cx="11360800" cy="763600"/>
+          </a:xfrm>
+          <a:prstGeom prst="rect">
+            <a:avLst/>
+          </a:prstGeom>
+        </p:spPr>
+        <p:txBody>
+          <a:bodyPr spcFirstLastPara="1" wrap="square" lIns="91425" tIns="91425" rIns="91425" bIns="91425" anchor="t" anchorCtr="0">
+            <a:normAutofit/>
+          </a:bodyPr>
+          <a:lstStyle>
+            <a:lvl1pPr lvl="0">
+              <a:spcBef>
+                <a:spcPts val="0"/>
+              </a:spcBef>
+              <a:spcAft>
+                <a:spcPts val="0"/>
+              </a:spcAft>
+              <a:buSzPts val="2800"/>
+              <a:buNone/>
+              <a:defRPr/>
+            </a:lvl1pPr>
+            <a:lvl2pPr lvl="1">
+              <a:spcBef>
+                <a:spcPts val="0"/>
+              </a:spcBef>
+              <a:spcAft>
+                <a:spcPts val="0"/>
+              </a:spcAft>
+              <a:buSzPts val="2800"/>
+              <a:buNone/>
+              <a:defRPr/>
+            </a:lvl2pPr>
+            <a:lvl3pPr lvl="2">
+              <a:spcBef>
+                <a:spcPts val="0"/>
+              </a:spcBef>
+              <a:spcAft>
+                <a:spcPts val="0"/>
+              </a:spcAft>
+              <a:buSzPts val="2800"/>
+              <a:buNone/>
+              <a:defRPr/>
+            </a:lvl3pPr>
+            <a:lvl4pPr lvl="3">
+              <a:spcBef>
+                <a:spcPts val="0"/>
+              </a:spcBef>
+              <a:spcAft>
+                <a:spcPts val="0"/>
+              </a:spcAft>
+              <a:buSzPts val="2800"/>
+              <a:buNone/>
+              <a:defRPr/>
+            </a:lvl4pPr>
+            <a:lvl5pPr lvl="4">
+              <a:spcBef>
+                <a:spcPts val="0"/>
+              </a:spcBef>
+              <a:spcAft>
+                <a:spcPts val="0"/>
+              </a:spcAft>
+              <a:buSzPts val="2800"/>
+              <a:buNone/>
+              <a:defRPr/>
+            </a:lvl5pPr>
+            <a:lvl6pPr lvl="5">
+              <a:spcBef>
+                <a:spcPts val="0"/>
+              </a:spcBef>
+              <a:spcAft>
+                <a:spcPts val="0"/>
+              </a:spcAft>
+              <a:buSzPts val="2800"/>
+              <a:buNone/>
+              <a:defRPr/>
+            </a:lvl6pPr>
+            <a:lvl7pPr lvl="6">
+              <a:spcBef>
+                <a:spcPts val="0"/>
+              </a:spcBef>
+              <a:spcAft>
+                <a:spcPts val="0"/>
+              </a:spcAft>
+              <a:buSzPts val="2800"/>
+              <a:buNone/>
+              <a:defRPr/>
+            </a:lvl7pPr>
+            <a:lvl8pPr lvl="7">
+              <a:spcBef>
+                <a:spcPts val="0"/>
+              </a:spcBef>
+              <a:spcAft>
+                <a:spcPts val="0"/>
+              </a:spcAft>
+              <a:buSzPts val="2800"/>
+              <a:buNone/>
+              <a:defRPr/>
+            </a:lvl8pPr>
+            <a:lvl9pPr lvl="8">
+              <a:spcBef>
+                <a:spcPts val="0"/>
+              </a:spcBef>
+              <a:spcAft>
+                <a:spcPts val="0"/>
+              </a:spcAft>
+              <a:buSzPts val="2800"/>
+              <a:buNone/>
+              <a:defRPr/>
+            </a:lvl9pPr>
+          </a:lstStyle>
+          <a:p>
+            <a:endParaRPr/>
+          </a:p>
+        </p:txBody>
+      </p:sp>
+      <p:sp>
+        <p:nvSpPr>
+          <p:cNvPr id="18" name="Google Shape;18;p4"/>
+          <p:cNvSpPr txBox="1">
+            <a:spLocks noGrp="1"/>
+          </p:cNvSpPr>
+          <p:nvPr>
+            <p:ph type="body" idx="1"/>
+          </p:nvPr>
+        </p:nvSpPr>
+        <p:spPr>
+          <a:xfrm>
+            <a:off x="415600" y="1536633"/>
+            <a:ext cx="11360800" cy="4555200"/>
+          </a:xfrm>
+          <a:prstGeom prst="rect">
+            <a:avLst/>
+          </a:prstGeom>
+        </p:spPr>
+        <p:txBody>
+          <a:bodyPr spcFirstLastPara="1" wrap="square" lIns="91425" tIns="91425" rIns="91425" bIns="91425" anchor="t" anchorCtr="0">
+            <a:normAutofit/>
+          </a:bodyPr>
+          <a:lstStyle>
+            <a:lvl1pPr marL="609585" lvl="0" indent="-457189">
+              <a:spcBef>
+                <a:spcPts val="0"/>
+              </a:spcBef>
+              <a:spcAft>
+                <a:spcPts val="0"/>
+              </a:spcAft>
+              <a:buSzPts val="1800"/>
+              <a:buChar char="●"/>
+              <a:defRPr/>
+            </a:lvl1pPr>
+            <a:lvl2pPr marL="1219170" lvl="1" indent="-423323">
+              <a:spcBef>
+                <a:spcPts val="0"/>
+              </a:spcBef>
+              <a:spcAft>
+                <a:spcPts val="0"/>
+              </a:spcAft>
+              <a:buSzPts val="1400"/>
+              <a:buChar char="○"/>
+              <a:defRPr/>
+            </a:lvl2pPr>
+            <a:lvl3pPr marL="1828754" lvl="2" indent="-423323">
+              <a:spcBef>
+                <a:spcPts val="0"/>
+              </a:spcBef>
+              <a:spcAft>
+                <a:spcPts val="0"/>
+              </a:spcAft>
+              <a:buSzPts val="1400"/>
+              <a:buChar char="■"/>
+              <a:defRPr/>
+            </a:lvl3pPr>
+            <a:lvl4pPr marL="2438339" lvl="3" indent="-423323">
+              <a:spcBef>
+                <a:spcPts val="0"/>
+              </a:spcBef>
+              <a:spcAft>
+                <a:spcPts val="0"/>
+              </a:spcAft>
+              <a:buSzPts val="1400"/>
+              <a:buChar char="●"/>
+              <a:defRPr/>
+            </a:lvl4pPr>
+            <a:lvl5pPr marL="3047924" lvl="4" indent="-423323">
+              <a:spcBef>
+                <a:spcPts val="0"/>
+              </a:spcBef>
+              <a:spcAft>
+                <a:spcPts val="0"/>
+              </a:spcAft>
+              <a:buSzPts val="1400"/>
+              <a:buChar char="○"/>
+              <a:defRPr/>
+            </a:lvl5pPr>
+            <a:lvl6pPr marL="3657509" lvl="5" indent="-423323">
+              <a:spcBef>
+                <a:spcPts val="0"/>
+              </a:spcBef>
+              <a:spcAft>
+                <a:spcPts val="0"/>
+              </a:spcAft>
+              <a:buSzPts val="1400"/>
+              <a:buChar char="■"/>
+              <a:defRPr/>
+            </a:lvl6pPr>
+            <a:lvl7pPr marL="4267093" lvl="6" indent="-423323">
+              <a:spcBef>
+                <a:spcPts val="0"/>
+              </a:spcBef>
+              <a:spcAft>
+                <a:spcPts val="0"/>
+              </a:spcAft>
+              <a:buSzPts val="1400"/>
+              <a:buChar char="●"/>
+              <a:defRPr/>
+            </a:lvl7pPr>
+            <a:lvl8pPr marL="4876678" lvl="7" indent="-423323">
+              <a:spcBef>
+                <a:spcPts val="0"/>
+              </a:spcBef>
+              <a:spcAft>
+                <a:spcPts val="0"/>
+              </a:spcAft>
+              <a:buSzPts val="1400"/>
+              <a:buChar char="○"/>
+              <a:defRPr/>
+            </a:lvl8pPr>
+            <a:lvl9pPr marL="5486263" lvl="8" indent="-423323">
+              <a:spcBef>
+                <a:spcPts val="0"/>
+              </a:spcBef>
+              <a:spcAft>
+                <a:spcPts val="0"/>
+              </a:spcAft>
+              <a:buSzPts val="1400"/>
+              <a:buChar char="■"/>
+              <a:defRPr/>
+            </a:lvl9pPr>
+          </a:lstStyle>
+          <a:p>
+            <a:endParaRPr/>
+          </a:p>
+        </p:txBody>
+      </p:sp>
+      <p:sp>
+        <p:nvSpPr>
+          <p:cNvPr id="19" name="Google Shape;19;p4"/>
+          <p:cNvSpPr txBox="1">
+            <a:spLocks noGrp="1"/>
+          </p:cNvSpPr>
+          <p:nvPr>
+            <p:ph type="sldNum" idx="12"/>
+          </p:nvPr>
+        </p:nvSpPr>
+        <p:spPr>
+          <a:xfrm>
+            <a:off x="11296611" y="6217623"/>
+            <a:ext cx="731600" cy="524800"/>
+          </a:xfrm>
+          <a:prstGeom prst="rect">
+            <a:avLst/>
+          </a:prstGeom>
+        </p:spPr>
+        <p:txBody>
+          <a:bodyPr spcFirstLastPara="1" wrap="square" lIns="91425" tIns="91425" rIns="91425" bIns="91425" anchor="ctr" anchorCtr="0">
+            <a:normAutofit/>
+          </a:bodyPr>
+          <a:lstStyle>
+            <a:lvl1pPr lvl="0">
+              <a:buNone/>
+              <a:defRPr/>
+            </a:lvl1pPr>
+            <a:lvl2pPr lvl="1">
+              <a:buNone/>
+              <a:defRPr/>
+            </a:lvl2pPr>
+            <a:lvl3pPr lvl="2">
+              <a:buNone/>
+              <a:defRPr/>
+            </a:lvl3pPr>
+            <a:lvl4pPr lvl="3">
+              <a:buNone/>
+              <a:defRPr/>
+            </a:lvl4pPr>
+            <a:lvl5pPr lvl="4">
+              <a:buNone/>
+              <a:defRPr/>
+            </a:lvl5pPr>
+            <a:lvl6pPr lvl="5">
+              <a:buNone/>
+              <a:defRPr/>
+            </a:lvl6pPr>
+            <a:lvl7pPr lvl="6">
+              <a:buNone/>
+              <a:defRPr/>
+            </a:lvl7pPr>
+            <a:lvl8pPr lvl="7">
+              <a:buNone/>
+              <a:defRPr/>
+            </a:lvl8pPr>
+            <a:lvl9pPr lvl="8">
+              <a:buNone/>
+              <a:defRPr/>
+            </a:lvl9pPr>
+          </a:lstStyle>
+          <a:p>
+            <a:fld id="{00000000-1234-1234-1234-123412341234}" type="slidenum">
+              <a:rPr lang="en" smtClean="0"/>
+              <a:pPr/>
+              <a:t>‹#›</a:t>
+            </a:fld>
+            <a:endParaRPr lang="en"/>
+          </a:p>
+        </p:txBody>
+      </p:sp>
+    </p:spTree>
+    <p:extLst>
+      <p:ext uri="{BB962C8B-B14F-4D97-AF65-F5344CB8AC3E}">
+        <p14:creationId xmlns:p14="http://schemas.microsoft.com/office/powerpoint/2010/main" val="1337615028"/>
+      </p:ext>
+    </p:extLst>
+  </p:cSld>
+  <p:clrMapOvr>
+    <a:masterClrMapping/>
+  </p:clrMapOvr>
+</p:sldLayout>
+</file>
+
+<file path=ppt/slideLayouts/slideLayout33.xml><?xml version="1.0" encoding="utf-8"?>
+<p:sldLayout xmlns:a="http://schemas.openxmlformats.org/drawingml/2006/main" xmlns:r="http://schemas.openxmlformats.org/officeDocument/2006/relationships" xmlns:p="http://schemas.openxmlformats.org/presentationml/2006/main" matchingName="Title and two columns" type="twoColTx">
+  <p:cSld name="Title and two columns">
+    <p:spTree>
+      <p:nvGrpSpPr>
+        <p:cNvPr id="1" name="Shape 20"/>
+        <p:cNvGrpSpPr/>
+        <p:nvPr/>
+      </p:nvGrpSpPr>
+      <p:grpSpPr>
+        <a:xfrm>
+          <a:off x="0" y="0"/>
+          <a:ext cx="0" cy="0"/>
+          <a:chOff x="0" y="0"/>
+          <a:chExt cx="0" cy="0"/>
+        </a:xfrm>
+      </p:grpSpPr>
+      <p:sp>
+        <p:nvSpPr>
+          <p:cNvPr id="21" name="Google Shape;21;p5"/>
+          <p:cNvSpPr txBox="1">
+            <a:spLocks noGrp="1"/>
+          </p:cNvSpPr>
+          <p:nvPr>
+            <p:ph type="title"/>
+          </p:nvPr>
+        </p:nvSpPr>
+        <p:spPr>
+          <a:xfrm>
+            <a:off x="415600" y="593367"/>
+            <a:ext cx="11360800" cy="763600"/>
+          </a:xfrm>
+          <a:prstGeom prst="rect">
+            <a:avLst/>
+          </a:prstGeom>
+        </p:spPr>
+        <p:txBody>
+          <a:bodyPr spcFirstLastPara="1" wrap="square" lIns="91425" tIns="91425" rIns="91425" bIns="91425" anchor="t" anchorCtr="0">
+            <a:normAutofit/>
+          </a:bodyPr>
+          <a:lstStyle>
+            <a:lvl1pPr lvl="0">
+              <a:spcBef>
+                <a:spcPts val="0"/>
+              </a:spcBef>
+              <a:spcAft>
+                <a:spcPts val="0"/>
+              </a:spcAft>
+              <a:buSzPts val="2800"/>
+              <a:buNone/>
+              <a:defRPr/>
+            </a:lvl1pPr>
+            <a:lvl2pPr lvl="1">
+              <a:spcBef>
+                <a:spcPts val="0"/>
+              </a:spcBef>
+              <a:spcAft>
+                <a:spcPts val="0"/>
+              </a:spcAft>
+              <a:buSzPts val="2800"/>
+              <a:buNone/>
+              <a:defRPr/>
+            </a:lvl2pPr>
+            <a:lvl3pPr lvl="2">
+              <a:spcBef>
+                <a:spcPts val="0"/>
+              </a:spcBef>
+              <a:spcAft>
+                <a:spcPts val="0"/>
+              </a:spcAft>
+              <a:buSzPts val="2800"/>
+              <a:buNone/>
+              <a:defRPr/>
+            </a:lvl3pPr>
+            <a:lvl4pPr lvl="3">
+              <a:spcBef>
+                <a:spcPts val="0"/>
+              </a:spcBef>
+              <a:spcAft>
+                <a:spcPts val="0"/>
+              </a:spcAft>
+              <a:buSzPts val="2800"/>
+              <a:buNone/>
+              <a:defRPr/>
+            </a:lvl4pPr>
+            <a:lvl5pPr lvl="4">
+              <a:spcBef>
+                <a:spcPts val="0"/>
+              </a:spcBef>
+              <a:spcAft>
+                <a:spcPts val="0"/>
+              </a:spcAft>
+              <a:buSzPts val="2800"/>
+              <a:buNone/>
+              <a:defRPr/>
+            </a:lvl5pPr>
+            <a:lvl6pPr lvl="5">
+              <a:spcBef>
+                <a:spcPts val="0"/>
+              </a:spcBef>
+              <a:spcAft>
+                <a:spcPts val="0"/>
+              </a:spcAft>
+              <a:buSzPts val="2800"/>
+              <a:buNone/>
+              <a:defRPr/>
+            </a:lvl6pPr>
+            <a:lvl7pPr lvl="6">
+              <a:spcBef>
+                <a:spcPts val="0"/>
+              </a:spcBef>
+              <a:spcAft>
+                <a:spcPts val="0"/>
+              </a:spcAft>
+              <a:buSzPts val="2800"/>
+              <a:buNone/>
+              <a:defRPr/>
+            </a:lvl7pPr>
+            <a:lvl8pPr lvl="7">
+              <a:spcBef>
+                <a:spcPts val="0"/>
+              </a:spcBef>
+              <a:spcAft>
+                <a:spcPts val="0"/>
+              </a:spcAft>
+              <a:buSzPts val="2800"/>
+              <a:buNone/>
+              <a:defRPr/>
+            </a:lvl8pPr>
+            <a:lvl9pPr lvl="8">
+              <a:spcBef>
+                <a:spcPts val="0"/>
+              </a:spcBef>
+              <a:spcAft>
+                <a:spcPts val="0"/>
+              </a:spcAft>
+              <a:buSzPts val="2800"/>
+              <a:buNone/>
+              <a:defRPr/>
+            </a:lvl9pPr>
+          </a:lstStyle>
+          <a:p>
+            <a:endParaRPr/>
+          </a:p>
+        </p:txBody>
+      </p:sp>
+      <p:sp>
+        <p:nvSpPr>
+          <p:cNvPr id="22" name="Google Shape;22;p5"/>
+          <p:cNvSpPr txBox="1">
+            <a:spLocks noGrp="1"/>
+          </p:cNvSpPr>
+          <p:nvPr>
+            <p:ph type="body" idx="1"/>
+          </p:nvPr>
+        </p:nvSpPr>
+        <p:spPr>
+          <a:xfrm>
+            <a:off x="415600" y="1536633"/>
+            <a:ext cx="5333200" cy="4555200"/>
+          </a:xfrm>
+          <a:prstGeom prst="rect">
+            <a:avLst/>
+          </a:prstGeom>
+        </p:spPr>
+        <p:txBody>
+          <a:bodyPr spcFirstLastPara="1" wrap="square" lIns="91425" tIns="91425" rIns="91425" bIns="91425" anchor="t" anchorCtr="0">
+            <a:normAutofit/>
+          </a:bodyPr>
+          <a:lstStyle>
+            <a:lvl1pPr marL="609585" lvl="0" indent="-423323">
+              <a:spcBef>
+                <a:spcPts val="0"/>
+              </a:spcBef>
+              <a:spcAft>
+                <a:spcPts val="0"/>
+              </a:spcAft>
+              <a:buSzPts val="1400"/>
+              <a:buChar char="●"/>
+              <a:defRPr sz="1867"/>
+            </a:lvl1pPr>
+            <a:lvl2pPr marL="1219170" lvl="1" indent="-406390">
+              <a:spcBef>
+                <a:spcPts val="0"/>
+              </a:spcBef>
+              <a:spcAft>
+                <a:spcPts val="0"/>
+              </a:spcAft>
+              <a:buSzPts val="1200"/>
+              <a:buChar char="○"/>
+              <a:defRPr sz="1600"/>
+            </a:lvl2pPr>
+            <a:lvl3pPr marL="1828754" lvl="2" indent="-406390">
+              <a:spcBef>
+                <a:spcPts val="0"/>
+              </a:spcBef>
+              <a:spcAft>
+                <a:spcPts val="0"/>
+              </a:spcAft>
+              <a:buSzPts val="1200"/>
+              <a:buChar char="■"/>
+              <a:defRPr sz="1600"/>
+            </a:lvl3pPr>
+            <a:lvl4pPr marL="2438339" lvl="3" indent="-406390">
+              <a:spcBef>
+                <a:spcPts val="0"/>
+              </a:spcBef>
+              <a:spcAft>
+                <a:spcPts val="0"/>
+              </a:spcAft>
+              <a:buSzPts val="1200"/>
+              <a:buChar char="●"/>
+              <a:defRPr sz="1600"/>
+            </a:lvl4pPr>
+            <a:lvl5pPr marL="3047924" lvl="4" indent="-406390">
+              <a:spcBef>
+                <a:spcPts val="0"/>
+              </a:spcBef>
+              <a:spcAft>
+                <a:spcPts val="0"/>
+              </a:spcAft>
+              <a:buSzPts val="1200"/>
+              <a:buChar char="○"/>
+              <a:defRPr sz="1600"/>
+            </a:lvl5pPr>
+            <a:lvl6pPr marL="3657509" lvl="5" indent="-406390">
+              <a:spcBef>
+                <a:spcPts val="0"/>
+              </a:spcBef>
+              <a:spcAft>
+                <a:spcPts val="0"/>
+              </a:spcAft>
+              <a:buSzPts val="1200"/>
+              <a:buChar char="■"/>
+              <a:defRPr sz="1600"/>
+            </a:lvl6pPr>
+            <a:lvl7pPr marL="4267093" lvl="6" indent="-406390">
+              <a:spcBef>
+                <a:spcPts val="0"/>
+              </a:spcBef>
+              <a:spcAft>
+                <a:spcPts val="0"/>
+              </a:spcAft>
+              <a:buSzPts val="1200"/>
+              <a:buChar char="●"/>
+              <a:defRPr sz="1600"/>
+            </a:lvl7pPr>
+            <a:lvl8pPr marL="4876678" lvl="7" indent="-406390">
+              <a:spcBef>
+                <a:spcPts val="0"/>
+              </a:spcBef>
+              <a:spcAft>
+                <a:spcPts val="0"/>
+              </a:spcAft>
+              <a:buSzPts val="1200"/>
+              <a:buChar char="○"/>
+              <a:defRPr sz="1600"/>
+            </a:lvl8pPr>
+            <a:lvl9pPr marL="5486263" lvl="8" indent="-406390">
+              <a:spcBef>
+                <a:spcPts val="0"/>
+              </a:spcBef>
+              <a:spcAft>
+                <a:spcPts val="0"/>
+              </a:spcAft>
+              <a:buSzPts val="1200"/>
+              <a:buChar char="■"/>
+              <a:defRPr sz="1600"/>
+            </a:lvl9pPr>
+          </a:lstStyle>
+          <a:p>
+            <a:endParaRPr/>
+          </a:p>
+        </p:txBody>
+      </p:sp>
+      <p:sp>
+        <p:nvSpPr>
+          <p:cNvPr id="23" name="Google Shape;23;p5"/>
+          <p:cNvSpPr txBox="1">
+            <a:spLocks noGrp="1"/>
+          </p:cNvSpPr>
+          <p:nvPr>
+            <p:ph type="body" idx="2"/>
+          </p:nvPr>
+        </p:nvSpPr>
+        <p:spPr>
+          <a:xfrm>
+            <a:off x="6443200" y="1536633"/>
+            <a:ext cx="5333200" cy="4555200"/>
+          </a:xfrm>
+          <a:prstGeom prst="rect">
+            <a:avLst/>
+          </a:prstGeom>
+        </p:spPr>
+        <p:txBody>
+          <a:bodyPr spcFirstLastPara="1" wrap="square" lIns="91425" tIns="91425" rIns="91425" bIns="91425" anchor="t" anchorCtr="0">
+            <a:normAutofit/>
+          </a:bodyPr>
+          <a:lstStyle>
+            <a:lvl1pPr marL="609585" lvl="0" indent="-423323">
+              <a:spcBef>
+                <a:spcPts val="0"/>
+              </a:spcBef>
+              <a:spcAft>
+                <a:spcPts val="0"/>
+              </a:spcAft>
+              <a:buSzPts val="1400"/>
+              <a:buChar char="●"/>
+              <a:defRPr sz="1867"/>
+            </a:lvl1pPr>
+            <a:lvl2pPr marL="1219170" lvl="1" indent="-406390">
+              <a:spcBef>
+                <a:spcPts val="0"/>
+              </a:spcBef>
+              <a:spcAft>
+                <a:spcPts val="0"/>
+              </a:spcAft>
+              <a:buSzPts val="1200"/>
+              <a:buChar char="○"/>
+              <a:defRPr sz="1600"/>
+            </a:lvl2pPr>
+            <a:lvl3pPr marL="1828754" lvl="2" indent="-406390">
+              <a:spcBef>
+                <a:spcPts val="0"/>
+              </a:spcBef>
+              <a:spcAft>
+                <a:spcPts val="0"/>
+              </a:spcAft>
+              <a:buSzPts val="1200"/>
+              <a:buChar char="■"/>
+              <a:defRPr sz="1600"/>
+            </a:lvl3pPr>
+            <a:lvl4pPr marL="2438339" lvl="3" indent="-406390">
+              <a:spcBef>
+                <a:spcPts val="0"/>
+              </a:spcBef>
+              <a:spcAft>
+                <a:spcPts val="0"/>
+              </a:spcAft>
+              <a:buSzPts val="1200"/>
+              <a:buChar char="●"/>
+              <a:defRPr sz="1600"/>
+            </a:lvl4pPr>
+            <a:lvl5pPr marL="3047924" lvl="4" indent="-406390">
+              <a:spcBef>
+                <a:spcPts val="0"/>
+              </a:spcBef>
+              <a:spcAft>
+                <a:spcPts val="0"/>
+              </a:spcAft>
+              <a:buSzPts val="1200"/>
+              <a:buChar char="○"/>
+              <a:defRPr sz="1600"/>
+            </a:lvl5pPr>
+            <a:lvl6pPr marL="3657509" lvl="5" indent="-406390">
+              <a:spcBef>
+                <a:spcPts val="0"/>
+              </a:spcBef>
+              <a:spcAft>
+                <a:spcPts val="0"/>
+              </a:spcAft>
+              <a:buSzPts val="1200"/>
+              <a:buChar char="■"/>
+              <a:defRPr sz="1600"/>
+            </a:lvl6pPr>
+            <a:lvl7pPr marL="4267093" lvl="6" indent="-406390">
+              <a:spcBef>
+                <a:spcPts val="0"/>
+              </a:spcBef>
+              <a:spcAft>
+                <a:spcPts val="0"/>
+              </a:spcAft>
+              <a:buSzPts val="1200"/>
+              <a:buChar char="●"/>
+              <a:defRPr sz="1600"/>
+            </a:lvl7pPr>
+            <a:lvl8pPr marL="4876678" lvl="7" indent="-406390">
+              <a:spcBef>
+                <a:spcPts val="0"/>
+              </a:spcBef>
+              <a:spcAft>
+                <a:spcPts val="0"/>
+              </a:spcAft>
+              <a:buSzPts val="1200"/>
+              <a:buChar char="○"/>
+              <a:defRPr sz="1600"/>
+            </a:lvl8pPr>
+            <a:lvl9pPr marL="5486263" lvl="8" indent="-406390">
+              <a:spcBef>
+                <a:spcPts val="0"/>
+              </a:spcBef>
+              <a:spcAft>
+                <a:spcPts val="0"/>
+              </a:spcAft>
+              <a:buSzPts val="1200"/>
+              <a:buChar char="■"/>
+              <a:defRPr sz="1600"/>
+            </a:lvl9pPr>
+          </a:lstStyle>
+          <a:p>
+            <a:endParaRPr/>
+          </a:p>
+        </p:txBody>
+      </p:sp>
+      <p:sp>
+        <p:nvSpPr>
+          <p:cNvPr id="24" name="Google Shape;24;p5"/>
+          <p:cNvSpPr txBox="1">
+            <a:spLocks noGrp="1"/>
+          </p:cNvSpPr>
+          <p:nvPr>
+            <p:ph type="sldNum" idx="12"/>
+          </p:nvPr>
+        </p:nvSpPr>
+        <p:spPr>
+          <a:xfrm>
+            <a:off x="11296611" y="6217623"/>
+            <a:ext cx="731600" cy="524800"/>
+          </a:xfrm>
+          <a:prstGeom prst="rect">
+            <a:avLst/>
+          </a:prstGeom>
+        </p:spPr>
+        <p:txBody>
+          <a:bodyPr spcFirstLastPara="1" wrap="square" lIns="91425" tIns="91425" rIns="91425" bIns="91425" anchor="ctr" anchorCtr="0">
+            <a:normAutofit/>
+          </a:bodyPr>
+          <a:lstStyle>
+            <a:lvl1pPr lvl="0">
+              <a:buNone/>
+              <a:defRPr/>
+            </a:lvl1pPr>
+            <a:lvl2pPr lvl="1">
+              <a:buNone/>
+              <a:defRPr/>
+            </a:lvl2pPr>
+            <a:lvl3pPr lvl="2">
+              <a:buNone/>
+              <a:defRPr/>
+            </a:lvl3pPr>
+            <a:lvl4pPr lvl="3">
+              <a:buNone/>
+              <a:defRPr/>
+            </a:lvl4pPr>
+            <a:lvl5pPr lvl="4">
+              <a:buNone/>
+              <a:defRPr/>
+            </a:lvl5pPr>
+            <a:lvl6pPr lvl="5">
+              <a:buNone/>
+              <a:defRPr/>
+            </a:lvl6pPr>
+            <a:lvl7pPr lvl="6">
+              <a:buNone/>
+              <a:defRPr/>
+            </a:lvl7pPr>
+            <a:lvl8pPr lvl="7">
+              <a:buNone/>
+              <a:defRPr/>
+            </a:lvl8pPr>
+            <a:lvl9pPr lvl="8">
+              <a:buNone/>
+              <a:defRPr/>
+            </a:lvl9pPr>
+          </a:lstStyle>
+          <a:p>
+            <a:fld id="{00000000-1234-1234-1234-123412341234}" type="slidenum">
+              <a:rPr lang="en" smtClean="0"/>
+              <a:pPr/>
+              <a:t>‹#›</a:t>
+            </a:fld>
+            <a:endParaRPr lang="en"/>
+          </a:p>
+        </p:txBody>
+      </p:sp>
+    </p:spTree>
+    <p:extLst>
+      <p:ext uri="{BB962C8B-B14F-4D97-AF65-F5344CB8AC3E}">
+        <p14:creationId xmlns:p14="http://schemas.microsoft.com/office/powerpoint/2010/main" val="1883302726"/>
+      </p:ext>
+    </p:extLst>
+  </p:cSld>
+  <p:clrMapOvr>
+    <a:masterClrMapping/>
+  </p:clrMapOvr>
+</p:sldLayout>
+</file>
+
+<file path=ppt/slideLayouts/slideLayout34.xml><?xml version="1.0" encoding="utf-8"?>
+<p:sldLayout xmlns:a="http://schemas.openxmlformats.org/drawingml/2006/main" xmlns:r="http://schemas.openxmlformats.org/officeDocument/2006/relationships" xmlns:p="http://schemas.openxmlformats.org/presentationml/2006/main" matchingName="Title only" type="titleOnly">
+  <p:cSld name="Title only">
+    <p:spTree>
+      <p:nvGrpSpPr>
+        <p:cNvPr id="1" name="Shape 25"/>
+        <p:cNvGrpSpPr/>
+        <p:nvPr/>
+      </p:nvGrpSpPr>
+      <p:grpSpPr>
+        <a:xfrm>
+          <a:off x="0" y="0"/>
+          <a:ext cx="0" cy="0"/>
+          <a:chOff x="0" y="0"/>
+          <a:chExt cx="0" cy="0"/>
+        </a:xfrm>
+      </p:grpSpPr>
+      <p:sp>
+        <p:nvSpPr>
+          <p:cNvPr id="26" name="Google Shape;26;p6"/>
+          <p:cNvSpPr txBox="1">
+            <a:spLocks noGrp="1"/>
+          </p:cNvSpPr>
+          <p:nvPr>
+            <p:ph type="title"/>
+          </p:nvPr>
+        </p:nvSpPr>
+        <p:spPr>
+          <a:xfrm>
+            <a:off x="415600" y="593367"/>
+            <a:ext cx="11360800" cy="763600"/>
+          </a:xfrm>
+          <a:prstGeom prst="rect">
+            <a:avLst/>
+          </a:prstGeom>
+        </p:spPr>
+        <p:txBody>
+          <a:bodyPr spcFirstLastPara="1" wrap="square" lIns="91425" tIns="91425" rIns="91425" bIns="91425" anchor="t" anchorCtr="0">
+            <a:normAutofit/>
+          </a:bodyPr>
+          <a:lstStyle>
+            <a:lvl1pPr lvl="0">
+              <a:spcBef>
+                <a:spcPts val="0"/>
+              </a:spcBef>
+              <a:spcAft>
+                <a:spcPts val="0"/>
+              </a:spcAft>
+              <a:buSzPts val="2800"/>
+              <a:buNone/>
+              <a:defRPr/>
+            </a:lvl1pPr>
+            <a:lvl2pPr lvl="1">
+              <a:spcBef>
+                <a:spcPts val="0"/>
+              </a:spcBef>
+              <a:spcAft>
+                <a:spcPts val="0"/>
+              </a:spcAft>
+              <a:buSzPts val="2800"/>
+              <a:buNone/>
+              <a:defRPr/>
+            </a:lvl2pPr>
+            <a:lvl3pPr lvl="2">
+              <a:spcBef>
+                <a:spcPts val="0"/>
+              </a:spcBef>
+              <a:spcAft>
+                <a:spcPts val="0"/>
+              </a:spcAft>
+              <a:buSzPts val="2800"/>
+              <a:buNone/>
+              <a:defRPr/>
+            </a:lvl3pPr>
+            <a:lvl4pPr lvl="3">
+              <a:spcBef>
+                <a:spcPts val="0"/>
+              </a:spcBef>
+              <a:spcAft>
+                <a:spcPts val="0"/>
+              </a:spcAft>
+              <a:buSzPts val="2800"/>
+              <a:buNone/>
+              <a:defRPr/>
+            </a:lvl4pPr>
+            <a:lvl5pPr lvl="4">
+              <a:spcBef>
+                <a:spcPts val="0"/>
+              </a:spcBef>
+              <a:spcAft>
+                <a:spcPts val="0"/>
+              </a:spcAft>
+              <a:buSzPts val="2800"/>
+              <a:buNone/>
+              <a:defRPr/>
+            </a:lvl5pPr>
+            <a:lvl6pPr lvl="5">
+              <a:spcBef>
+                <a:spcPts val="0"/>
+              </a:spcBef>
+              <a:spcAft>
+                <a:spcPts val="0"/>
+              </a:spcAft>
+              <a:buSzPts val="2800"/>
+              <a:buNone/>
+              <a:defRPr/>
+            </a:lvl6pPr>
+            <a:lvl7pPr lvl="6">
+              <a:spcBef>
+                <a:spcPts val="0"/>
+              </a:spcBef>
+              <a:spcAft>
+                <a:spcPts val="0"/>
+              </a:spcAft>
+              <a:buSzPts val="2800"/>
+              <a:buNone/>
+              <a:defRPr/>
+            </a:lvl7pPr>
+            <a:lvl8pPr lvl="7">
+              <a:spcBef>
+                <a:spcPts val="0"/>
+              </a:spcBef>
+              <a:spcAft>
+                <a:spcPts val="0"/>
+              </a:spcAft>
+              <a:buSzPts val="2800"/>
+              <a:buNone/>
+              <a:defRPr/>
+            </a:lvl8pPr>
+            <a:lvl9pPr lvl="8">
+              <a:spcBef>
+                <a:spcPts val="0"/>
+              </a:spcBef>
+              <a:spcAft>
+                <a:spcPts val="0"/>
+              </a:spcAft>
+              <a:buSzPts val="2800"/>
+              <a:buNone/>
+              <a:defRPr/>
+            </a:lvl9pPr>
+          </a:lstStyle>
+          <a:p>
+            <a:endParaRPr/>
+          </a:p>
+        </p:txBody>
+      </p:sp>
+      <p:sp>
+        <p:nvSpPr>
+          <p:cNvPr id="27" name="Google Shape;27;p6"/>
+          <p:cNvSpPr txBox="1">
+            <a:spLocks noGrp="1"/>
+          </p:cNvSpPr>
+          <p:nvPr>
+            <p:ph type="sldNum" idx="12"/>
+          </p:nvPr>
+        </p:nvSpPr>
+        <p:spPr>
+          <a:xfrm>
+            <a:off x="11296611" y="6217623"/>
+            <a:ext cx="731600" cy="524800"/>
+          </a:xfrm>
+          <a:prstGeom prst="rect">
+            <a:avLst/>
+          </a:prstGeom>
+        </p:spPr>
+        <p:txBody>
+          <a:bodyPr spcFirstLastPara="1" wrap="square" lIns="91425" tIns="91425" rIns="91425" bIns="91425" anchor="ctr" anchorCtr="0">
+            <a:normAutofit/>
+          </a:bodyPr>
+          <a:lstStyle>
+            <a:lvl1pPr lvl="0">
+              <a:buNone/>
+              <a:defRPr/>
+            </a:lvl1pPr>
+            <a:lvl2pPr lvl="1">
+              <a:buNone/>
+              <a:defRPr/>
+            </a:lvl2pPr>
+            <a:lvl3pPr lvl="2">
+              <a:buNone/>
+              <a:defRPr/>
+            </a:lvl3pPr>
+            <a:lvl4pPr lvl="3">
+              <a:buNone/>
+              <a:defRPr/>
+            </a:lvl4pPr>
+            <a:lvl5pPr lvl="4">
+              <a:buNone/>
+              <a:defRPr/>
+            </a:lvl5pPr>
+            <a:lvl6pPr lvl="5">
+              <a:buNone/>
+              <a:defRPr/>
+            </a:lvl6pPr>
+            <a:lvl7pPr lvl="6">
+              <a:buNone/>
+              <a:defRPr/>
+            </a:lvl7pPr>
+            <a:lvl8pPr lvl="7">
+              <a:buNone/>
+              <a:defRPr/>
+            </a:lvl8pPr>
+            <a:lvl9pPr lvl="8">
+              <a:buNone/>
+              <a:defRPr/>
+            </a:lvl9pPr>
+          </a:lstStyle>
+          <a:p>
+            <a:fld id="{00000000-1234-1234-1234-123412341234}" type="slidenum">
+              <a:rPr lang="en" smtClean="0"/>
+              <a:pPr/>
+              <a:t>‹#›</a:t>
+            </a:fld>
+            <a:endParaRPr lang="en"/>
+          </a:p>
+        </p:txBody>
+      </p:sp>
+    </p:spTree>
+    <p:extLst>
+      <p:ext uri="{BB962C8B-B14F-4D97-AF65-F5344CB8AC3E}">
+        <p14:creationId xmlns:p14="http://schemas.microsoft.com/office/powerpoint/2010/main" val="2008877227"/>
+      </p:ext>
+    </p:extLst>
+  </p:cSld>
+  <p:clrMapOvr>
+    <a:masterClrMapping/>
+  </p:clrMapOvr>
+</p:sldLayout>
+</file>
+
+<file path=ppt/slideLayouts/slideLayout35.xml><?xml version="1.0" encoding="utf-8"?>
+<p:sldLayout xmlns:a="http://schemas.openxmlformats.org/drawingml/2006/main" xmlns:r="http://schemas.openxmlformats.org/officeDocument/2006/relationships" xmlns:p="http://schemas.openxmlformats.org/presentationml/2006/main" matchingName="One column text">
+  <p:cSld name="One column text">
+    <p:spTree>
+      <p:nvGrpSpPr>
+        <p:cNvPr id="1" name="Shape 28"/>
+        <p:cNvGrpSpPr/>
+        <p:nvPr/>
+      </p:nvGrpSpPr>
+      <p:grpSpPr>
+        <a:xfrm>
+          <a:off x="0" y="0"/>
+          <a:ext cx="0" cy="0"/>
+          <a:chOff x="0" y="0"/>
+          <a:chExt cx="0" cy="0"/>
+        </a:xfrm>
+      </p:grpSpPr>
+      <p:sp>
+        <p:nvSpPr>
+          <p:cNvPr id="29" name="Google Shape;29;p7"/>
+          <p:cNvSpPr txBox="1">
+            <a:spLocks noGrp="1"/>
+          </p:cNvSpPr>
+          <p:nvPr>
+            <p:ph type="title"/>
+          </p:nvPr>
+        </p:nvSpPr>
+        <p:spPr>
+          <a:xfrm>
+            <a:off x="415600" y="740800"/>
+            <a:ext cx="3744000" cy="1007600"/>
+          </a:xfrm>
+          <a:prstGeom prst="rect">
+            <a:avLst/>
+          </a:prstGeom>
+        </p:spPr>
+        <p:txBody>
+          <a:bodyPr spcFirstLastPara="1" wrap="square" lIns="91425" tIns="91425" rIns="91425" bIns="91425" anchor="b" anchorCtr="0">
+            <a:normAutofit/>
+          </a:bodyPr>
+          <a:lstStyle>
+            <a:lvl1pPr lvl="0">
+              <a:spcBef>
+                <a:spcPts val="0"/>
+              </a:spcBef>
+              <a:spcAft>
+                <a:spcPts val="0"/>
+              </a:spcAft>
+              <a:buSzPts val="2400"/>
+              <a:buNone/>
+              <a:defRPr sz="3200"/>
+            </a:lvl1pPr>
+            <a:lvl2pPr lvl="1">
+              <a:spcBef>
+                <a:spcPts val="0"/>
+              </a:spcBef>
+              <a:spcAft>
+                <a:spcPts val="0"/>
+              </a:spcAft>
+              <a:buSzPts val="2400"/>
+              <a:buNone/>
+              <a:defRPr sz="3200"/>
+            </a:lvl2pPr>
+            <a:lvl3pPr lvl="2">
+              <a:spcBef>
+                <a:spcPts val="0"/>
+              </a:spcBef>
+              <a:spcAft>
+                <a:spcPts val="0"/>
+              </a:spcAft>
+              <a:buSzPts val="2400"/>
+              <a:buNone/>
+              <a:defRPr sz="3200"/>
+            </a:lvl3pPr>
+            <a:lvl4pPr lvl="3">
+              <a:spcBef>
+                <a:spcPts val="0"/>
+              </a:spcBef>
+              <a:spcAft>
+                <a:spcPts val="0"/>
+              </a:spcAft>
+              <a:buSzPts val="2400"/>
+              <a:buNone/>
+              <a:defRPr sz="3200"/>
+            </a:lvl4pPr>
+            <a:lvl5pPr lvl="4">
+              <a:spcBef>
+                <a:spcPts val="0"/>
+              </a:spcBef>
+              <a:spcAft>
+                <a:spcPts val="0"/>
+              </a:spcAft>
+              <a:buSzPts val="2400"/>
+              <a:buNone/>
+              <a:defRPr sz="3200"/>
+            </a:lvl5pPr>
+            <a:lvl6pPr lvl="5">
+              <a:spcBef>
+                <a:spcPts val="0"/>
+              </a:spcBef>
+              <a:spcAft>
+                <a:spcPts val="0"/>
+              </a:spcAft>
+              <a:buSzPts val="2400"/>
+              <a:buNone/>
+              <a:defRPr sz="3200"/>
+            </a:lvl6pPr>
+            <a:lvl7pPr lvl="6">
+              <a:spcBef>
+                <a:spcPts val="0"/>
+              </a:spcBef>
+              <a:spcAft>
+                <a:spcPts val="0"/>
+              </a:spcAft>
+              <a:buSzPts val="2400"/>
+              <a:buNone/>
+              <a:defRPr sz="3200"/>
+            </a:lvl7pPr>
+            <a:lvl8pPr lvl="7">
+              <a:spcBef>
+                <a:spcPts val="0"/>
+              </a:spcBef>
+              <a:spcAft>
+                <a:spcPts val="0"/>
+              </a:spcAft>
+              <a:buSzPts val="2400"/>
+              <a:buNone/>
+              <a:defRPr sz="3200"/>
+            </a:lvl8pPr>
+            <a:lvl9pPr lvl="8">
+              <a:spcBef>
+                <a:spcPts val="0"/>
+              </a:spcBef>
+              <a:spcAft>
+                <a:spcPts val="0"/>
+              </a:spcAft>
+              <a:buSzPts val="2400"/>
+              <a:buNone/>
+              <a:defRPr sz="3200"/>
+            </a:lvl9pPr>
+          </a:lstStyle>
+          <a:p>
+            <a:endParaRPr/>
+          </a:p>
+        </p:txBody>
+      </p:sp>
+      <p:sp>
+        <p:nvSpPr>
+          <p:cNvPr id="30" name="Google Shape;30;p7"/>
+          <p:cNvSpPr txBox="1">
+            <a:spLocks noGrp="1"/>
+          </p:cNvSpPr>
+          <p:nvPr>
+            <p:ph type="body" idx="1"/>
+          </p:nvPr>
+        </p:nvSpPr>
+        <p:spPr>
+          <a:xfrm>
+            <a:off x="415600" y="1852800"/>
+            <a:ext cx="3744000" cy="4239200"/>
+          </a:xfrm>
+          <a:prstGeom prst="rect">
+            <a:avLst/>
+          </a:prstGeom>
+        </p:spPr>
+        <p:txBody>
+          <a:bodyPr spcFirstLastPara="1" wrap="square" lIns="91425" tIns="91425" rIns="91425" bIns="91425" anchor="t" anchorCtr="0">
+            <a:normAutofit/>
+          </a:bodyPr>
+          <a:lstStyle>
+            <a:lvl1pPr marL="609585" lvl="0" indent="-406390">
+              <a:spcBef>
+                <a:spcPts val="0"/>
+              </a:spcBef>
+              <a:spcAft>
+                <a:spcPts val="0"/>
+              </a:spcAft>
+              <a:buSzPts val="1200"/>
+              <a:buChar char="●"/>
+              <a:defRPr sz="1600"/>
+            </a:lvl1pPr>
+            <a:lvl2pPr marL="1219170" lvl="1" indent="-406390">
+              <a:spcBef>
+                <a:spcPts val="0"/>
+              </a:spcBef>
+              <a:spcAft>
+                <a:spcPts val="0"/>
+              </a:spcAft>
+              <a:buSzPts val="1200"/>
+              <a:buChar char="○"/>
+              <a:defRPr sz="1600"/>
+            </a:lvl2pPr>
+            <a:lvl3pPr marL="1828754" lvl="2" indent="-406390">
+              <a:spcBef>
+                <a:spcPts val="0"/>
+              </a:spcBef>
+              <a:spcAft>
+                <a:spcPts val="0"/>
+              </a:spcAft>
+              <a:buSzPts val="1200"/>
+              <a:buChar char="■"/>
+              <a:defRPr sz="1600"/>
+            </a:lvl3pPr>
+            <a:lvl4pPr marL="2438339" lvl="3" indent="-406390">
+              <a:spcBef>
+                <a:spcPts val="0"/>
+              </a:spcBef>
+              <a:spcAft>
+                <a:spcPts val="0"/>
+              </a:spcAft>
+              <a:buSzPts val="1200"/>
+              <a:buChar char="●"/>
+              <a:defRPr sz="1600"/>
+            </a:lvl4pPr>
+            <a:lvl5pPr marL="3047924" lvl="4" indent="-406390">
+              <a:spcBef>
+                <a:spcPts val="0"/>
+              </a:spcBef>
+              <a:spcAft>
+                <a:spcPts val="0"/>
+              </a:spcAft>
+              <a:buSzPts val="1200"/>
+              <a:buChar char="○"/>
+              <a:defRPr sz="1600"/>
+            </a:lvl5pPr>
+            <a:lvl6pPr marL="3657509" lvl="5" indent="-406390">
+              <a:spcBef>
+                <a:spcPts val="0"/>
+              </a:spcBef>
+              <a:spcAft>
+                <a:spcPts val="0"/>
+              </a:spcAft>
+              <a:buSzPts val="1200"/>
+              <a:buChar char="■"/>
+              <a:defRPr sz="1600"/>
+            </a:lvl6pPr>
+            <a:lvl7pPr marL="4267093" lvl="6" indent="-406390">
+              <a:spcBef>
+                <a:spcPts val="0"/>
+              </a:spcBef>
+              <a:spcAft>
+                <a:spcPts val="0"/>
+              </a:spcAft>
+              <a:buSzPts val="1200"/>
+              <a:buChar char="●"/>
+              <a:defRPr sz="1600"/>
+            </a:lvl7pPr>
+            <a:lvl8pPr marL="4876678" lvl="7" indent="-406390">
+              <a:spcBef>
+                <a:spcPts val="0"/>
+              </a:spcBef>
+              <a:spcAft>
+                <a:spcPts val="0"/>
+              </a:spcAft>
+              <a:buSzPts val="1200"/>
+              <a:buChar char="○"/>
+              <a:defRPr sz="1600"/>
+            </a:lvl8pPr>
+            <a:lvl9pPr marL="5486263" lvl="8" indent="-406390">
+              <a:spcBef>
+                <a:spcPts val="0"/>
+              </a:spcBef>
+              <a:spcAft>
+                <a:spcPts val="0"/>
+              </a:spcAft>
+              <a:buSzPts val="1200"/>
+              <a:buChar char="■"/>
+              <a:defRPr sz="1600"/>
+            </a:lvl9pPr>
+          </a:lstStyle>
+          <a:p>
+            <a:endParaRPr/>
+          </a:p>
+        </p:txBody>
+      </p:sp>
+      <p:sp>
+        <p:nvSpPr>
+          <p:cNvPr id="31" name="Google Shape;31;p7"/>
+          <p:cNvSpPr txBox="1">
+            <a:spLocks noGrp="1"/>
+          </p:cNvSpPr>
+          <p:nvPr>
+            <p:ph type="sldNum" idx="12"/>
+          </p:nvPr>
+        </p:nvSpPr>
+        <p:spPr>
+          <a:xfrm>
+            <a:off x="11296611" y="6217623"/>
+            <a:ext cx="731600" cy="524800"/>
+          </a:xfrm>
+          <a:prstGeom prst="rect">
+            <a:avLst/>
+          </a:prstGeom>
+        </p:spPr>
+        <p:txBody>
+          <a:bodyPr spcFirstLastPara="1" wrap="square" lIns="91425" tIns="91425" rIns="91425" bIns="91425" anchor="ctr" anchorCtr="0">
+            <a:normAutofit/>
+          </a:bodyPr>
+          <a:lstStyle>
+            <a:lvl1pPr lvl="0">
+              <a:buNone/>
+              <a:defRPr/>
+            </a:lvl1pPr>
+            <a:lvl2pPr lvl="1">
+              <a:buNone/>
+              <a:defRPr/>
+            </a:lvl2pPr>
+            <a:lvl3pPr lvl="2">
+              <a:buNone/>
+              <a:defRPr/>
+            </a:lvl3pPr>
+            <a:lvl4pPr lvl="3">
+              <a:buNone/>
+              <a:defRPr/>
+            </a:lvl4pPr>
+            <a:lvl5pPr lvl="4">
+              <a:buNone/>
+              <a:defRPr/>
+            </a:lvl5pPr>
+            <a:lvl6pPr lvl="5">
+              <a:buNone/>
+              <a:defRPr/>
+            </a:lvl6pPr>
+            <a:lvl7pPr lvl="6">
+              <a:buNone/>
+              <a:defRPr/>
+            </a:lvl7pPr>
+            <a:lvl8pPr lvl="7">
+              <a:buNone/>
+              <a:defRPr/>
+            </a:lvl8pPr>
+            <a:lvl9pPr lvl="8">
+              <a:buNone/>
+              <a:defRPr/>
+            </a:lvl9pPr>
+          </a:lstStyle>
+          <a:p>
+            <a:fld id="{00000000-1234-1234-1234-123412341234}" type="slidenum">
+              <a:rPr lang="en" smtClean="0"/>
+              <a:pPr/>
+              <a:t>‹#›</a:t>
+            </a:fld>
+            <a:endParaRPr lang="en"/>
+          </a:p>
+        </p:txBody>
+      </p:sp>
+    </p:spTree>
+    <p:extLst>
+      <p:ext uri="{BB962C8B-B14F-4D97-AF65-F5344CB8AC3E}">
+        <p14:creationId xmlns:p14="http://schemas.microsoft.com/office/powerpoint/2010/main" val="2999441748"/>
+      </p:ext>
+    </p:extLst>
+  </p:cSld>
+  <p:clrMapOvr>
+    <a:masterClrMapping/>
+  </p:clrMapOvr>
+</p:sldLayout>
+</file>
+
+<file path=ppt/slideLayouts/slideLayout36.xml><?xml version="1.0" encoding="utf-8"?>
+<p:sldLayout xmlns:a="http://schemas.openxmlformats.org/drawingml/2006/main" xmlns:r="http://schemas.openxmlformats.org/officeDocument/2006/relationships" xmlns:p="http://schemas.openxmlformats.org/presentationml/2006/main" matchingName="Main point">
+  <p:cSld name="Main point">
+    <p:spTree>
+      <p:nvGrpSpPr>
+        <p:cNvPr id="1" name="Shape 32"/>
+        <p:cNvGrpSpPr/>
+        <p:nvPr/>
+      </p:nvGrpSpPr>
+      <p:grpSpPr>
+        <a:xfrm>
+          <a:off x="0" y="0"/>
+          <a:ext cx="0" cy="0"/>
+          <a:chOff x="0" y="0"/>
+          <a:chExt cx="0" cy="0"/>
+        </a:xfrm>
+      </p:grpSpPr>
+      <p:sp>
+        <p:nvSpPr>
+          <p:cNvPr id="33" name="Google Shape;33;p8"/>
+          <p:cNvSpPr txBox="1">
+            <a:spLocks noGrp="1"/>
+          </p:cNvSpPr>
+          <p:nvPr>
+            <p:ph type="title"/>
+          </p:nvPr>
+        </p:nvSpPr>
+        <p:spPr>
+          <a:xfrm>
+            <a:off x="653667" y="600200"/>
+            <a:ext cx="8490400" cy="5454400"/>
+          </a:xfrm>
+          <a:prstGeom prst="rect">
+            <a:avLst/>
+          </a:prstGeom>
+        </p:spPr>
+        <p:txBody>
+          <a:bodyPr spcFirstLastPara="1" wrap="square" lIns="91425" tIns="91425" rIns="91425" bIns="91425" anchor="ctr" anchorCtr="0">
+            <a:normAutofit/>
+          </a:bodyPr>
+          <a:lstStyle>
+            <a:lvl1pPr lvl="0">
+              <a:spcBef>
+                <a:spcPts val="0"/>
+              </a:spcBef>
+              <a:spcAft>
+                <a:spcPts val="0"/>
+              </a:spcAft>
+              <a:buSzPts val="4800"/>
+              <a:buNone/>
+              <a:defRPr sz="6400"/>
+            </a:lvl1pPr>
+            <a:lvl2pPr lvl="1">
+              <a:spcBef>
+                <a:spcPts val="0"/>
+              </a:spcBef>
+              <a:spcAft>
+                <a:spcPts val="0"/>
+              </a:spcAft>
+              <a:buSzPts val="4800"/>
+              <a:buNone/>
+              <a:defRPr sz="6400"/>
+            </a:lvl2pPr>
+            <a:lvl3pPr lvl="2">
+              <a:spcBef>
+                <a:spcPts val="0"/>
+              </a:spcBef>
+              <a:spcAft>
+                <a:spcPts val="0"/>
+              </a:spcAft>
+              <a:buSzPts val="4800"/>
+              <a:buNone/>
+              <a:defRPr sz="6400"/>
+            </a:lvl3pPr>
+            <a:lvl4pPr lvl="3">
+              <a:spcBef>
+                <a:spcPts val="0"/>
+              </a:spcBef>
+              <a:spcAft>
+                <a:spcPts val="0"/>
+              </a:spcAft>
+              <a:buSzPts val="4800"/>
+              <a:buNone/>
+              <a:defRPr sz="6400"/>
+            </a:lvl4pPr>
+            <a:lvl5pPr lvl="4">
+              <a:spcBef>
+                <a:spcPts val="0"/>
+              </a:spcBef>
+              <a:spcAft>
+                <a:spcPts val="0"/>
+              </a:spcAft>
+              <a:buSzPts val="4800"/>
+              <a:buNone/>
+              <a:defRPr sz="6400"/>
+            </a:lvl5pPr>
+            <a:lvl6pPr lvl="5">
+              <a:spcBef>
+                <a:spcPts val="0"/>
+              </a:spcBef>
+              <a:spcAft>
+                <a:spcPts val="0"/>
+              </a:spcAft>
+              <a:buSzPts val="4800"/>
+              <a:buNone/>
+              <a:defRPr sz="6400"/>
+            </a:lvl6pPr>
+            <a:lvl7pPr lvl="6">
+              <a:spcBef>
+                <a:spcPts val="0"/>
+              </a:spcBef>
+              <a:spcAft>
+                <a:spcPts val="0"/>
+              </a:spcAft>
+              <a:buSzPts val="4800"/>
+              <a:buNone/>
+              <a:defRPr sz="6400"/>
+            </a:lvl7pPr>
+            <a:lvl8pPr lvl="7">
+              <a:spcBef>
+                <a:spcPts val="0"/>
+              </a:spcBef>
+              <a:spcAft>
+                <a:spcPts val="0"/>
+              </a:spcAft>
+              <a:buSzPts val="4800"/>
+              <a:buNone/>
+              <a:defRPr sz="6400"/>
+            </a:lvl8pPr>
+            <a:lvl9pPr lvl="8">
+              <a:spcBef>
+                <a:spcPts val="0"/>
+              </a:spcBef>
+              <a:spcAft>
+                <a:spcPts val="0"/>
+              </a:spcAft>
+              <a:buSzPts val="4800"/>
+              <a:buNone/>
+              <a:defRPr sz="6400"/>
+            </a:lvl9pPr>
+          </a:lstStyle>
+          <a:p>
+            <a:endParaRPr/>
+          </a:p>
+        </p:txBody>
+      </p:sp>
+      <p:sp>
+        <p:nvSpPr>
+          <p:cNvPr id="34" name="Google Shape;34;p8"/>
+          <p:cNvSpPr txBox="1">
+            <a:spLocks noGrp="1"/>
+          </p:cNvSpPr>
+          <p:nvPr>
+            <p:ph type="sldNum" idx="12"/>
+          </p:nvPr>
+        </p:nvSpPr>
+        <p:spPr>
+          <a:xfrm>
+            <a:off x="11296611" y="6217623"/>
+            <a:ext cx="731600" cy="524800"/>
+          </a:xfrm>
+          <a:prstGeom prst="rect">
+            <a:avLst/>
+          </a:prstGeom>
+        </p:spPr>
+        <p:txBody>
+          <a:bodyPr spcFirstLastPara="1" wrap="square" lIns="91425" tIns="91425" rIns="91425" bIns="91425" anchor="ctr" anchorCtr="0">
+            <a:normAutofit/>
+          </a:bodyPr>
+          <a:lstStyle>
+            <a:lvl1pPr lvl="0">
+              <a:buNone/>
+              <a:defRPr/>
+            </a:lvl1pPr>
+            <a:lvl2pPr lvl="1">
+              <a:buNone/>
+              <a:defRPr/>
+            </a:lvl2pPr>
+            <a:lvl3pPr lvl="2">
+              <a:buNone/>
+              <a:defRPr/>
+            </a:lvl3pPr>
+            <a:lvl4pPr lvl="3">
+              <a:buNone/>
+              <a:defRPr/>
+            </a:lvl4pPr>
+            <a:lvl5pPr lvl="4">
+              <a:buNone/>
+              <a:defRPr/>
+            </a:lvl5pPr>
+            <a:lvl6pPr lvl="5">
+              <a:buNone/>
+              <a:defRPr/>
+            </a:lvl6pPr>
+            <a:lvl7pPr lvl="6">
+              <a:buNone/>
+              <a:defRPr/>
+            </a:lvl7pPr>
+            <a:lvl8pPr lvl="7">
+              <a:buNone/>
+              <a:defRPr/>
+            </a:lvl8pPr>
+            <a:lvl9pPr lvl="8">
+              <a:buNone/>
+              <a:defRPr/>
+            </a:lvl9pPr>
+          </a:lstStyle>
+          <a:p>
+            <a:fld id="{00000000-1234-1234-1234-123412341234}" type="slidenum">
+              <a:rPr lang="en" smtClean="0"/>
+              <a:pPr/>
+              <a:t>‹#›</a:t>
+            </a:fld>
+            <a:endParaRPr lang="en"/>
+          </a:p>
+        </p:txBody>
+      </p:sp>
+    </p:spTree>
+    <p:extLst>
+      <p:ext uri="{BB962C8B-B14F-4D97-AF65-F5344CB8AC3E}">
+        <p14:creationId xmlns:p14="http://schemas.microsoft.com/office/powerpoint/2010/main" val="288039657"/>
+      </p:ext>
+    </p:extLst>
+  </p:cSld>
+  <p:clrMapOvr>
+    <a:masterClrMapping/>
+  </p:clrMapOvr>
+</p:sldLayout>
+</file>
+
+<file path=ppt/slideLayouts/slideLayout37.xml><?xml version="1.0" encoding="utf-8"?>
+<p:sldLayout xmlns:a="http://schemas.openxmlformats.org/drawingml/2006/main" xmlns:r="http://schemas.openxmlformats.org/officeDocument/2006/relationships" xmlns:p="http://schemas.openxmlformats.org/presentationml/2006/main" matchingName="Section title and description">
+  <p:cSld name="Section title and description">
+    <p:spTree>
+      <p:nvGrpSpPr>
+        <p:cNvPr id="1" name="Shape 35"/>
+        <p:cNvGrpSpPr/>
+        <p:nvPr/>
+      </p:nvGrpSpPr>
+      <p:grpSpPr>
+        <a:xfrm>
+          <a:off x="0" y="0"/>
+          <a:ext cx="0" cy="0"/>
+          <a:chOff x="0" y="0"/>
+          <a:chExt cx="0" cy="0"/>
+        </a:xfrm>
+      </p:grpSpPr>
+      <p:sp>
+        <p:nvSpPr>
+          <p:cNvPr id="36" name="Google Shape;36;p9"/>
+          <p:cNvSpPr/>
+          <p:nvPr/>
+        </p:nvSpPr>
+        <p:spPr>
+          <a:xfrm>
+            <a:off x="6096000" y="-167"/>
+            <a:ext cx="6096000" cy="6858000"/>
+          </a:xfrm>
+          <a:prstGeom prst="rect">
+            <a:avLst/>
+          </a:prstGeom>
+          <a:solidFill>
+            <a:schemeClr val="lt2"/>
+          </a:solidFill>
+          <a:ln>
+            <a:noFill/>
+          </a:ln>
+        </p:spPr>
+        <p:txBody>
+          <a:bodyPr spcFirstLastPara="1" wrap="square" lIns="121900" tIns="121900" rIns="121900" bIns="121900" anchor="ctr" anchorCtr="0">
+            <a:noAutofit/>
+          </a:bodyPr>
+          <a:lstStyle/>
+          <a:p>
+            <a:pPr marL="0" lvl="0" indent="0" algn="l" rtl="0">
+              <a:spcBef>
+                <a:spcPts val="0"/>
+              </a:spcBef>
+              <a:spcAft>
+                <a:spcPts val="0"/>
+              </a:spcAft>
+              <a:buNone/>
+            </a:pPr>
+            <a:endParaRPr sz="2400"/>
+          </a:p>
+        </p:txBody>
+      </p:sp>
+      <p:sp>
+        <p:nvSpPr>
+          <p:cNvPr id="37" name="Google Shape;37;p9"/>
+          <p:cNvSpPr txBox="1">
+            <a:spLocks noGrp="1"/>
+          </p:cNvSpPr>
+          <p:nvPr>
+            <p:ph type="title"/>
+          </p:nvPr>
+        </p:nvSpPr>
+        <p:spPr>
+          <a:xfrm>
+            <a:off x="354000" y="1644233"/>
+            <a:ext cx="5393600" cy="1976400"/>
+          </a:xfrm>
+          <a:prstGeom prst="rect">
+            <a:avLst/>
+          </a:prstGeom>
+        </p:spPr>
+        <p:txBody>
+          <a:bodyPr spcFirstLastPara="1" wrap="square" lIns="91425" tIns="91425" rIns="91425" bIns="91425" anchor="b" anchorCtr="0">
+            <a:normAutofit/>
+          </a:bodyPr>
+          <a:lstStyle>
+            <a:lvl1pPr lvl="0" algn="ctr">
+              <a:spcBef>
+                <a:spcPts val="0"/>
+              </a:spcBef>
+              <a:spcAft>
+                <a:spcPts val="0"/>
+              </a:spcAft>
+              <a:buSzPts val="4200"/>
+              <a:buNone/>
+              <a:defRPr sz="5600"/>
+            </a:lvl1pPr>
+            <a:lvl2pPr lvl="1" algn="ctr">
+              <a:spcBef>
+                <a:spcPts val="0"/>
+              </a:spcBef>
+              <a:spcAft>
+                <a:spcPts val="0"/>
+              </a:spcAft>
+              <a:buSzPts val="4200"/>
+              <a:buNone/>
+              <a:defRPr sz="5600"/>
+            </a:lvl2pPr>
+            <a:lvl3pPr lvl="2" algn="ctr">
+              <a:spcBef>
+                <a:spcPts val="0"/>
+              </a:spcBef>
+              <a:spcAft>
+                <a:spcPts val="0"/>
+              </a:spcAft>
+              <a:buSzPts val="4200"/>
+              <a:buNone/>
+              <a:defRPr sz="5600"/>
+            </a:lvl3pPr>
+            <a:lvl4pPr lvl="3" algn="ctr">
+              <a:spcBef>
+                <a:spcPts val="0"/>
+              </a:spcBef>
+              <a:spcAft>
+                <a:spcPts val="0"/>
+              </a:spcAft>
+              <a:buSzPts val="4200"/>
+              <a:buNone/>
+              <a:defRPr sz="5600"/>
+            </a:lvl4pPr>
+            <a:lvl5pPr lvl="4" algn="ctr">
+              <a:spcBef>
+                <a:spcPts val="0"/>
+              </a:spcBef>
+              <a:spcAft>
+                <a:spcPts val="0"/>
+              </a:spcAft>
+              <a:buSzPts val="4200"/>
+              <a:buNone/>
+              <a:defRPr sz="5600"/>
+            </a:lvl5pPr>
+            <a:lvl6pPr lvl="5" algn="ctr">
+              <a:spcBef>
+                <a:spcPts val="0"/>
+              </a:spcBef>
+              <a:spcAft>
+                <a:spcPts val="0"/>
+              </a:spcAft>
+              <a:buSzPts val="4200"/>
+              <a:buNone/>
+              <a:defRPr sz="5600"/>
+            </a:lvl6pPr>
+            <a:lvl7pPr lvl="6" algn="ctr">
+              <a:spcBef>
+                <a:spcPts val="0"/>
+              </a:spcBef>
+              <a:spcAft>
+                <a:spcPts val="0"/>
+              </a:spcAft>
+              <a:buSzPts val="4200"/>
+              <a:buNone/>
+              <a:defRPr sz="5600"/>
+            </a:lvl7pPr>
+            <a:lvl8pPr lvl="7" algn="ctr">
+              <a:spcBef>
+                <a:spcPts val="0"/>
+              </a:spcBef>
+              <a:spcAft>
+                <a:spcPts val="0"/>
+              </a:spcAft>
+              <a:buSzPts val="4200"/>
+              <a:buNone/>
+              <a:defRPr sz="5600"/>
+            </a:lvl8pPr>
+            <a:lvl9pPr lvl="8" algn="ctr">
+              <a:spcBef>
+                <a:spcPts val="0"/>
+              </a:spcBef>
+              <a:spcAft>
+                <a:spcPts val="0"/>
+              </a:spcAft>
+              <a:buSzPts val="4200"/>
+              <a:buNone/>
+              <a:defRPr sz="5600"/>
+            </a:lvl9pPr>
+          </a:lstStyle>
+          <a:p>
+            <a:endParaRPr/>
+          </a:p>
+        </p:txBody>
+      </p:sp>
+      <p:sp>
+        <p:nvSpPr>
+          <p:cNvPr id="38" name="Google Shape;38;p9"/>
+          <p:cNvSpPr txBox="1">
+            <a:spLocks noGrp="1"/>
+          </p:cNvSpPr>
+          <p:nvPr>
+            <p:ph type="subTitle" idx="1"/>
+          </p:nvPr>
+        </p:nvSpPr>
+        <p:spPr>
+          <a:xfrm>
+            <a:off x="354000" y="3737433"/>
+            <a:ext cx="5393600" cy="1646800"/>
+          </a:xfrm>
+          <a:prstGeom prst="rect">
+            <a:avLst/>
+          </a:prstGeom>
+        </p:spPr>
+        <p:txBody>
+          <a:bodyPr spcFirstLastPara="1" wrap="square" lIns="91425" tIns="91425" rIns="91425" bIns="91425" anchor="t" anchorCtr="0">
+            <a:normAutofit/>
+          </a:bodyPr>
+          <a:lstStyle>
+            <a:lvl1pPr lvl="0" algn="ctr">
+              <a:lnSpc>
+                <a:spcPct val="100000"/>
+              </a:lnSpc>
+              <a:spcBef>
+                <a:spcPts val="0"/>
+              </a:spcBef>
+              <a:spcAft>
+                <a:spcPts val="0"/>
+              </a:spcAft>
+              <a:buSzPts val="2100"/>
+              <a:buNone/>
+              <a:defRPr sz="2800"/>
+            </a:lvl1pPr>
+            <a:lvl2pPr lvl="1" algn="ctr">
+              <a:lnSpc>
+                <a:spcPct val="100000"/>
+              </a:lnSpc>
+              <a:spcBef>
+                <a:spcPts val="0"/>
+              </a:spcBef>
+              <a:spcAft>
+                <a:spcPts val="0"/>
+              </a:spcAft>
+              <a:buSzPts val="2100"/>
+              <a:buNone/>
+              <a:defRPr sz="2800"/>
+            </a:lvl2pPr>
+            <a:lvl3pPr lvl="2" algn="ctr">
+              <a:lnSpc>
+                <a:spcPct val="100000"/>
+              </a:lnSpc>
+              <a:spcBef>
+                <a:spcPts val="0"/>
+              </a:spcBef>
+              <a:spcAft>
+                <a:spcPts val="0"/>
+              </a:spcAft>
+              <a:buSzPts val="2100"/>
+              <a:buNone/>
+              <a:defRPr sz="2800"/>
+            </a:lvl3pPr>
+            <a:lvl4pPr lvl="3" algn="ctr">
+              <a:lnSpc>
+                <a:spcPct val="100000"/>
+              </a:lnSpc>
+              <a:spcBef>
+                <a:spcPts val="0"/>
+              </a:spcBef>
+              <a:spcAft>
+                <a:spcPts val="0"/>
+              </a:spcAft>
+              <a:buSzPts val="2100"/>
+              <a:buNone/>
+              <a:defRPr sz="2800"/>
+            </a:lvl4pPr>
+            <a:lvl5pPr lvl="4" algn="ctr">
+              <a:lnSpc>
+                <a:spcPct val="100000"/>
+              </a:lnSpc>
+              <a:spcBef>
+                <a:spcPts val="0"/>
+              </a:spcBef>
+              <a:spcAft>
+                <a:spcPts val="0"/>
+              </a:spcAft>
+              <a:buSzPts val="2100"/>
+              <a:buNone/>
+              <a:defRPr sz="2800"/>
+            </a:lvl5pPr>
+            <a:lvl6pPr lvl="5" algn="ctr">
+              <a:lnSpc>
+                <a:spcPct val="100000"/>
+              </a:lnSpc>
+              <a:spcBef>
+                <a:spcPts val="0"/>
+              </a:spcBef>
+              <a:spcAft>
+                <a:spcPts val="0"/>
+              </a:spcAft>
+              <a:buSzPts val="2100"/>
+              <a:buNone/>
+              <a:defRPr sz="2800"/>
+            </a:lvl6pPr>
+            <a:lvl7pPr lvl="6" algn="ctr">
+              <a:lnSpc>
+                <a:spcPct val="100000"/>
+              </a:lnSpc>
+              <a:spcBef>
+                <a:spcPts val="0"/>
+              </a:spcBef>
+              <a:spcAft>
+                <a:spcPts val="0"/>
+              </a:spcAft>
+              <a:buSzPts val="2100"/>
+              <a:buNone/>
+              <a:defRPr sz="2800"/>
+            </a:lvl7pPr>
+            <a:lvl8pPr lvl="7" algn="ctr">
+              <a:lnSpc>
+                <a:spcPct val="100000"/>
+              </a:lnSpc>
+              <a:spcBef>
+                <a:spcPts val="0"/>
+              </a:spcBef>
+              <a:spcAft>
+                <a:spcPts val="0"/>
+              </a:spcAft>
+              <a:buSzPts val="2100"/>
+              <a:buNone/>
+              <a:defRPr sz="2800"/>
+            </a:lvl8pPr>
+            <a:lvl9pPr lvl="8" algn="ctr">
+              <a:lnSpc>
+                <a:spcPct val="100000"/>
+              </a:lnSpc>
+              <a:spcBef>
+                <a:spcPts val="0"/>
+              </a:spcBef>
+              <a:spcAft>
+                <a:spcPts val="0"/>
+              </a:spcAft>
+              <a:buSzPts val="2100"/>
+              <a:buNone/>
+              <a:defRPr sz="2800"/>
+            </a:lvl9pPr>
+          </a:lstStyle>
+          <a:p>
+            <a:endParaRPr/>
+          </a:p>
+        </p:txBody>
+      </p:sp>
+      <p:sp>
+        <p:nvSpPr>
+          <p:cNvPr id="39" name="Google Shape;39;p9"/>
+          <p:cNvSpPr txBox="1">
+            <a:spLocks noGrp="1"/>
+          </p:cNvSpPr>
+          <p:nvPr>
+            <p:ph type="body" idx="2"/>
+          </p:nvPr>
+        </p:nvSpPr>
+        <p:spPr>
+          <a:xfrm>
+            <a:off x="6586000" y="965433"/>
+            <a:ext cx="5116000" cy="4926800"/>
+          </a:xfrm>
+          <a:prstGeom prst="rect">
+            <a:avLst/>
+          </a:prstGeom>
+        </p:spPr>
+        <p:txBody>
+          <a:bodyPr spcFirstLastPara="1" wrap="square" lIns="91425" tIns="91425" rIns="91425" bIns="91425" anchor="ctr" anchorCtr="0">
+            <a:normAutofit/>
+          </a:bodyPr>
+          <a:lstStyle>
+            <a:lvl1pPr marL="609585" lvl="0" indent="-457189">
+              <a:spcBef>
+                <a:spcPts val="0"/>
+              </a:spcBef>
+              <a:spcAft>
+                <a:spcPts val="0"/>
+              </a:spcAft>
+              <a:buSzPts val="1800"/>
+              <a:buChar char="●"/>
+              <a:defRPr/>
+            </a:lvl1pPr>
+            <a:lvl2pPr marL="1219170" lvl="1" indent="-423323">
+              <a:spcBef>
+                <a:spcPts val="0"/>
+              </a:spcBef>
+              <a:spcAft>
+                <a:spcPts val="0"/>
+              </a:spcAft>
+              <a:buSzPts val="1400"/>
+              <a:buChar char="○"/>
+              <a:defRPr/>
+            </a:lvl2pPr>
+            <a:lvl3pPr marL="1828754" lvl="2" indent="-423323">
+              <a:spcBef>
+                <a:spcPts val="0"/>
+              </a:spcBef>
+              <a:spcAft>
+                <a:spcPts val="0"/>
+              </a:spcAft>
+              <a:buSzPts val="1400"/>
+              <a:buChar char="■"/>
+              <a:defRPr/>
+            </a:lvl3pPr>
+            <a:lvl4pPr marL="2438339" lvl="3" indent="-423323">
+              <a:spcBef>
+                <a:spcPts val="0"/>
+              </a:spcBef>
+              <a:spcAft>
+                <a:spcPts val="0"/>
+              </a:spcAft>
+              <a:buSzPts val="1400"/>
+              <a:buChar char="●"/>
+              <a:defRPr/>
+            </a:lvl4pPr>
+            <a:lvl5pPr marL="3047924" lvl="4" indent="-423323">
+              <a:spcBef>
+                <a:spcPts val="0"/>
+              </a:spcBef>
+              <a:spcAft>
+                <a:spcPts val="0"/>
+              </a:spcAft>
+              <a:buSzPts val="1400"/>
+              <a:buChar char="○"/>
+              <a:defRPr/>
+            </a:lvl5pPr>
+            <a:lvl6pPr marL="3657509" lvl="5" indent="-423323">
+              <a:spcBef>
+                <a:spcPts val="0"/>
+              </a:spcBef>
+              <a:spcAft>
+                <a:spcPts val="0"/>
+              </a:spcAft>
+              <a:buSzPts val="1400"/>
+              <a:buChar char="■"/>
+              <a:defRPr/>
+            </a:lvl6pPr>
+            <a:lvl7pPr marL="4267093" lvl="6" indent="-423323">
+              <a:spcBef>
+                <a:spcPts val="0"/>
+              </a:spcBef>
+              <a:spcAft>
+                <a:spcPts val="0"/>
+              </a:spcAft>
+              <a:buSzPts val="1400"/>
+              <a:buChar char="●"/>
+              <a:defRPr/>
+            </a:lvl7pPr>
+            <a:lvl8pPr marL="4876678" lvl="7" indent="-423323">
+              <a:spcBef>
+                <a:spcPts val="0"/>
+              </a:spcBef>
+              <a:spcAft>
+                <a:spcPts val="0"/>
+              </a:spcAft>
+              <a:buSzPts val="1400"/>
+              <a:buChar char="○"/>
+              <a:defRPr/>
+            </a:lvl8pPr>
+            <a:lvl9pPr marL="5486263" lvl="8" indent="-423323">
+              <a:spcBef>
+                <a:spcPts val="0"/>
+              </a:spcBef>
+              <a:spcAft>
+                <a:spcPts val="0"/>
+              </a:spcAft>
+              <a:buSzPts val="1400"/>
+              <a:buChar char="■"/>
+              <a:defRPr/>
+            </a:lvl9pPr>
+          </a:lstStyle>
+          <a:p>
+            <a:endParaRPr/>
+          </a:p>
+        </p:txBody>
+      </p:sp>
+      <p:sp>
+        <p:nvSpPr>
+          <p:cNvPr id="40" name="Google Shape;40;p9"/>
+          <p:cNvSpPr txBox="1">
+            <a:spLocks noGrp="1"/>
+          </p:cNvSpPr>
+          <p:nvPr>
+            <p:ph type="sldNum" idx="12"/>
+          </p:nvPr>
+        </p:nvSpPr>
+        <p:spPr>
+          <a:xfrm>
+            <a:off x="11296611" y="6217623"/>
+            <a:ext cx="731600" cy="524800"/>
+          </a:xfrm>
+          <a:prstGeom prst="rect">
+            <a:avLst/>
+          </a:prstGeom>
+        </p:spPr>
+        <p:txBody>
+          <a:bodyPr spcFirstLastPara="1" wrap="square" lIns="91425" tIns="91425" rIns="91425" bIns="91425" anchor="ctr" anchorCtr="0">
+            <a:normAutofit/>
+          </a:bodyPr>
+          <a:lstStyle>
+            <a:lvl1pPr lvl="0">
+              <a:buNone/>
+              <a:defRPr/>
+            </a:lvl1pPr>
+            <a:lvl2pPr lvl="1">
+              <a:buNone/>
+              <a:defRPr/>
+            </a:lvl2pPr>
+            <a:lvl3pPr lvl="2">
+              <a:buNone/>
+              <a:defRPr/>
+            </a:lvl3pPr>
+            <a:lvl4pPr lvl="3">
+              <a:buNone/>
+              <a:defRPr/>
+            </a:lvl4pPr>
+            <a:lvl5pPr lvl="4">
+              <a:buNone/>
+              <a:defRPr/>
+            </a:lvl5pPr>
+            <a:lvl6pPr lvl="5">
+              <a:buNone/>
+              <a:defRPr/>
+            </a:lvl6pPr>
+            <a:lvl7pPr lvl="6">
+              <a:buNone/>
+              <a:defRPr/>
+            </a:lvl7pPr>
+            <a:lvl8pPr lvl="7">
+              <a:buNone/>
+              <a:defRPr/>
+            </a:lvl8pPr>
+            <a:lvl9pPr lvl="8">
+              <a:buNone/>
+              <a:defRPr/>
+            </a:lvl9pPr>
+          </a:lstStyle>
+          <a:p>
+            <a:fld id="{00000000-1234-1234-1234-123412341234}" type="slidenum">
+              <a:rPr lang="en" smtClean="0"/>
+              <a:pPr/>
+              <a:t>‹#›</a:t>
+            </a:fld>
+            <a:endParaRPr lang="en"/>
+          </a:p>
+        </p:txBody>
+      </p:sp>
+    </p:spTree>
+    <p:extLst>
+      <p:ext uri="{BB962C8B-B14F-4D97-AF65-F5344CB8AC3E}">
+        <p14:creationId xmlns:p14="http://schemas.microsoft.com/office/powerpoint/2010/main" val="3096537945"/>
+      </p:ext>
+    </p:extLst>
+  </p:cSld>
+  <p:clrMapOvr>
+    <a:masterClrMapping/>
+  </p:clrMapOvr>
+</p:sldLayout>
+</file>
+
+<file path=ppt/slideLayouts/slideLayout38.xml><?xml version="1.0" encoding="utf-8"?>
+<p:sldLayout xmlns:a="http://schemas.openxmlformats.org/drawingml/2006/main" xmlns:r="http://schemas.openxmlformats.org/officeDocument/2006/relationships" xmlns:p="http://schemas.openxmlformats.org/presentationml/2006/main" matchingName="Caption">
+  <p:cSld name="Caption">
+    <p:spTree>
+      <p:nvGrpSpPr>
+        <p:cNvPr id="1" name="Shape 41"/>
+        <p:cNvGrpSpPr/>
+        <p:nvPr/>
+      </p:nvGrpSpPr>
+      <p:grpSpPr>
+        <a:xfrm>
+          <a:off x="0" y="0"/>
+          <a:ext cx="0" cy="0"/>
+          <a:chOff x="0" y="0"/>
+          <a:chExt cx="0" cy="0"/>
+        </a:xfrm>
+      </p:grpSpPr>
+      <p:sp>
+        <p:nvSpPr>
+          <p:cNvPr id="42" name="Google Shape;42;p10"/>
+          <p:cNvSpPr txBox="1">
+            <a:spLocks noGrp="1"/>
+          </p:cNvSpPr>
+          <p:nvPr>
+            <p:ph type="body" idx="1"/>
+          </p:nvPr>
+        </p:nvSpPr>
+        <p:spPr>
+          <a:xfrm>
+            <a:off x="415600" y="5640767"/>
+            <a:ext cx="7998400" cy="806800"/>
+          </a:xfrm>
+          <a:prstGeom prst="rect">
+            <a:avLst/>
+          </a:prstGeom>
+        </p:spPr>
+        <p:txBody>
+          <a:bodyPr spcFirstLastPara="1" wrap="square" lIns="91425" tIns="91425" rIns="91425" bIns="91425" anchor="ctr" anchorCtr="0">
+            <a:normAutofit/>
+          </a:bodyPr>
+          <a:lstStyle>
+            <a:lvl1pPr marL="609585" lvl="0" indent="-304792">
+              <a:lnSpc>
+                <a:spcPct val="100000"/>
+              </a:lnSpc>
+              <a:spcBef>
+                <a:spcPts val="0"/>
+              </a:spcBef>
+              <a:spcAft>
+                <a:spcPts val="0"/>
+              </a:spcAft>
+              <a:buSzPts val="1800"/>
+              <a:buNone/>
+              <a:defRPr/>
+            </a:lvl1pPr>
+          </a:lstStyle>
+          <a:p>
+            <a:endParaRPr/>
+          </a:p>
+        </p:txBody>
+      </p:sp>
+      <p:sp>
+        <p:nvSpPr>
+          <p:cNvPr id="43" name="Google Shape;43;p10"/>
+          <p:cNvSpPr txBox="1">
+            <a:spLocks noGrp="1"/>
+          </p:cNvSpPr>
+          <p:nvPr>
+            <p:ph type="sldNum" idx="12"/>
+          </p:nvPr>
+        </p:nvSpPr>
+        <p:spPr>
+          <a:xfrm>
+            <a:off x="11296611" y="6217623"/>
+            <a:ext cx="731600" cy="524800"/>
+          </a:xfrm>
+          <a:prstGeom prst="rect">
+            <a:avLst/>
+          </a:prstGeom>
+        </p:spPr>
+        <p:txBody>
+          <a:bodyPr spcFirstLastPara="1" wrap="square" lIns="91425" tIns="91425" rIns="91425" bIns="91425" anchor="ctr" anchorCtr="0">
+            <a:normAutofit/>
+          </a:bodyPr>
+          <a:lstStyle>
+            <a:lvl1pPr lvl="0">
+              <a:buNone/>
+              <a:defRPr/>
+            </a:lvl1pPr>
+            <a:lvl2pPr lvl="1">
+              <a:buNone/>
+              <a:defRPr/>
+            </a:lvl2pPr>
+            <a:lvl3pPr lvl="2">
+              <a:buNone/>
+              <a:defRPr/>
+            </a:lvl3pPr>
+            <a:lvl4pPr lvl="3">
+              <a:buNone/>
+              <a:defRPr/>
+            </a:lvl4pPr>
+            <a:lvl5pPr lvl="4">
+              <a:buNone/>
+              <a:defRPr/>
+            </a:lvl5pPr>
+            <a:lvl6pPr lvl="5">
+              <a:buNone/>
+              <a:defRPr/>
+            </a:lvl6pPr>
+            <a:lvl7pPr lvl="6">
+              <a:buNone/>
+              <a:defRPr/>
+            </a:lvl7pPr>
+            <a:lvl8pPr lvl="7">
+              <a:buNone/>
+              <a:defRPr/>
+            </a:lvl8pPr>
+            <a:lvl9pPr lvl="8">
+              <a:buNone/>
+              <a:defRPr/>
+            </a:lvl9pPr>
+          </a:lstStyle>
+          <a:p>
+            <a:fld id="{00000000-1234-1234-1234-123412341234}" type="slidenum">
+              <a:rPr lang="en" smtClean="0"/>
+              <a:pPr/>
+              <a:t>‹#›</a:t>
+            </a:fld>
+            <a:endParaRPr lang="en"/>
+          </a:p>
+        </p:txBody>
+      </p:sp>
+    </p:spTree>
+    <p:extLst>
+      <p:ext uri="{BB962C8B-B14F-4D97-AF65-F5344CB8AC3E}">
+        <p14:creationId xmlns:p14="http://schemas.microsoft.com/office/powerpoint/2010/main" val="3230397087"/>
+      </p:ext>
+    </p:extLst>
+  </p:cSld>
+  <p:clrMapOvr>
+    <a:masterClrMapping/>
+  </p:clrMapOvr>
+</p:sldLayout>
+</file>
+
+<file path=ppt/slideLayouts/slideLayout39.xml><?xml version="1.0" encoding="utf-8"?>
+<p:sldLayout xmlns:a="http://schemas.openxmlformats.org/drawingml/2006/main" xmlns:r="http://schemas.openxmlformats.org/officeDocument/2006/relationships" xmlns:p="http://schemas.openxmlformats.org/presentationml/2006/main" matchingName="Big number">
+  <p:cSld name="Big number">
+    <p:spTree>
+      <p:nvGrpSpPr>
+        <p:cNvPr id="1" name="Shape 44"/>
+        <p:cNvGrpSpPr/>
+        <p:nvPr/>
+      </p:nvGrpSpPr>
+      <p:grpSpPr>
+        <a:xfrm>
+          <a:off x="0" y="0"/>
+          <a:ext cx="0" cy="0"/>
+          <a:chOff x="0" y="0"/>
+          <a:chExt cx="0" cy="0"/>
+        </a:xfrm>
+      </p:grpSpPr>
+      <p:sp>
+        <p:nvSpPr>
+          <p:cNvPr id="45" name="Google Shape;45;p11"/>
+          <p:cNvSpPr txBox="1">
+            <a:spLocks noGrp="1"/>
+          </p:cNvSpPr>
+          <p:nvPr>
+            <p:ph type="title" hasCustomPrompt="1"/>
+          </p:nvPr>
+        </p:nvSpPr>
+        <p:spPr>
+          <a:xfrm>
+            <a:off x="415600" y="1474833"/>
+            <a:ext cx="11360800" cy="2618000"/>
+          </a:xfrm>
+          <a:prstGeom prst="rect">
+            <a:avLst/>
+          </a:prstGeom>
+        </p:spPr>
+        <p:txBody>
+          <a:bodyPr spcFirstLastPara="1" wrap="square" lIns="91425" tIns="91425" rIns="91425" bIns="91425" anchor="b" anchorCtr="0">
+            <a:normAutofit/>
+          </a:bodyPr>
+          <a:lstStyle>
+            <a:lvl1pPr lvl="0" algn="ctr">
+              <a:spcBef>
+                <a:spcPts val="0"/>
+              </a:spcBef>
+              <a:spcAft>
+                <a:spcPts val="0"/>
+              </a:spcAft>
+              <a:buSzPts val="12000"/>
+              <a:buNone/>
+              <a:defRPr sz="16000"/>
+            </a:lvl1pPr>
+            <a:lvl2pPr lvl="1" algn="ctr">
+              <a:spcBef>
+                <a:spcPts val="0"/>
+              </a:spcBef>
+              <a:spcAft>
+                <a:spcPts val="0"/>
+              </a:spcAft>
+              <a:buSzPts val="12000"/>
+              <a:buNone/>
+              <a:defRPr sz="16000"/>
+            </a:lvl2pPr>
+            <a:lvl3pPr lvl="2" algn="ctr">
+              <a:spcBef>
+                <a:spcPts val="0"/>
+              </a:spcBef>
+              <a:spcAft>
+                <a:spcPts val="0"/>
+              </a:spcAft>
+              <a:buSzPts val="12000"/>
+              <a:buNone/>
+              <a:defRPr sz="16000"/>
+            </a:lvl3pPr>
+            <a:lvl4pPr lvl="3" algn="ctr">
+              <a:spcBef>
+                <a:spcPts val="0"/>
+              </a:spcBef>
+              <a:spcAft>
+                <a:spcPts val="0"/>
+              </a:spcAft>
+              <a:buSzPts val="12000"/>
+              <a:buNone/>
+              <a:defRPr sz="16000"/>
+            </a:lvl4pPr>
+            <a:lvl5pPr lvl="4" algn="ctr">
+              <a:spcBef>
+                <a:spcPts val="0"/>
+              </a:spcBef>
+              <a:spcAft>
+                <a:spcPts val="0"/>
+              </a:spcAft>
+              <a:buSzPts val="12000"/>
+              <a:buNone/>
+              <a:defRPr sz="16000"/>
+            </a:lvl5pPr>
+            <a:lvl6pPr lvl="5" algn="ctr">
+              <a:spcBef>
+                <a:spcPts val="0"/>
+              </a:spcBef>
+              <a:spcAft>
+                <a:spcPts val="0"/>
+              </a:spcAft>
+              <a:buSzPts val="12000"/>
+              <a:buNone/>
+              <a:defRPr sz="16000"/>
+            </a:lvl6pPr>
+            <a:lvl7pPr lvl="6" algn="ctr">
+              <a:spcBef>
+                <a:spcPts val="0"/>
+              </a:spcBef>
+              <a:spcAft>
+                <a:spcPts val="0"/>
+              </a:spcAft>
+              <a:buSzPts val="12000"/>
+              <a:buNone/>
+              <a:defRPr sz="16000"/>
+            </a:lvl7pPr>
+            <a:lvl8pPr lvl="7" algn="ctr">
+              <a:spcBef>
+                <a:spcPts val="0"/>
+              </a:spcBef>
+              <a:spcAft>
+                <a:spcPts val="0"/>
+              </a:spcAft>
+              <a:buSzPts val="12000"/>
+              <a:buNone/>
+              <a:defRPr sz="16000"/>
+            </a:lvl8pPr>
+            <a:lvl9pPr lvl="8" algn="ctr">
+              <a:spcBef>
+                <a:spcPts val="0"/>
+              </a:spcBef>
+              <a:spcAft>
+                <a:spcPts val="0"/>
+              </a:spcAft>
+              <a:buSzPts val="12000"/>
+              <a:buNone/>
+              <a:defRPr sz="16000"/>
+            </a:lvl9pPr>
+          </a:lstStyle>
+          <a:p>
+            <a:r>
+              <a:t>xx%</a:t>
+            </a:r>
+          </a:p>
+        </p:txBody>
+      </p:sp>
+      <p:sp>
+        <p:nvSpPr>
+          <p:cNvPr id="46" name="Google Shape;46;p11"/>
+          <p:cNvSpPr txBox="1">
+            <a:spLocks noGrp="1"/>
+          </p:cNvSpPr>
+          <p:nvPr>
+            <p:ph type="body" idx="1"/>
+          </p:nvPr>
+        </p:nvSpPr>
+        <p:spPr>
+          <a:xfrm>
+            <a:off x="415600" y="4202967"/>
+            <a:ext cx="11360800" cy="1734400"/>
+          </a:xfrm>
+          <a:prstGeom prst="rect">
+            <a:avLst/>
+          </a:prstGeom>
+        </p:spPr>
+        <p:txBody>
+          <a:bodyPr spcFirstLastPara="1" wrap="square" lIns="91425" tIns="91425" rIns="91425" bIns="91425" anchor="t" anchorCtr="0">
+            <a:normAutofit/>
+          </a:bodyPr>
+          <a:lstStyle>
+            <a:lvl1pPr marL="609585" lvl="0" indent="-457189" algn="ctr">
+              <a:spcBef>
+                <a:spcPts val="0"/>
+              </a:spcBef>
+              <a:spcAft>
+                <a:spcPts val="0"/>
+              </a:spcAft>
+              <a:buSzPts val="1800"/>
+              <a:buChar char="●"/>
+              <a:defRPr/>
+            </a:lvl1pPr>
+            <a:lvl2pPr marL="1219170" lvl="1" indent="-423323" algn="ctr">
+              <a:spcBef>
+                <a:spcPts val="0"/>
+              </a:spcBef>
+              <a:spcAft>
+                <a:spcPts val="0"/>
+              </a:spcAft>
+              <a:buSzPts val="1400"/>
+              <a:buChar char="○"/>
+              <a:defRPr/>
+            </a:lvl2pPr>
+            <a:lvl3pPr marL="1828754" lvl="2" indent="-423323" algn="ctr">
+              <a:spcBef>
+                <a:spcPts val="0"/>
+              </a:spcBef>
+              <a:spcAft>
+                <a:spcPts val="0"/>
+              </a:spcAft>
+              <a:buSzPts val="1400"/>
+              <a:buChar char="■"/>
+              <a:defRPr/>
+            </a:lvl3pPr>
+            <a:lvl4pPr marL="2438339" lvl="3" indent="-423323" algn="ctr">
+              <a:spcBef>
+                <a:spcPts val="0"/>
+              </a:spcBef>
+              <a:spcAft>
+                <a:spcPts val="0"/>
+              </a:spcAft>
+              <a:buSzPts val="1400"/>
+              <a:buChar char="●"/>
+              <a:defRPr/>
+            </a:lvl4pPr>
+            <a:lvl5pPr marL="3047924" lvl="4" indent="-423323" algn="ctr">
+              <a:spcBef>
+                <a:spcPts val="0"/>
+              </a:spcBef>
+              <a:spcAft>
+                <a:spcPts val="0"/>
+              </a:spcAft>
+              <a:buSzPts val="1400"/>
+              <a:buChar char="○"/>
+              <a:defRPr/>
+            </a:lvl5pPr>
+            <a:lvl6pPr marL="3657509" lvl="5" indent="-423323" algn="ctr">
+              <a:spcBef>
+                <a:spcPts val="0"/>
+              </a:spcBef>
+              <a:spcAft>
+                <a:spcPts val="0"/>
+              </a:spcAft>
+              <a:buSzPts val="1400"/>
+              <a:buChar char="■"/>
+              <a:defRPr/>
+            </a:lvl6pPr>
+            <a:lvl7pPr marL="4267093" lvl="6" indent="-423323" algn="ctr">
+              <a:spcBef>
+                <a:spcPts val="0"/>
+              </a:spcBef>
+              <a:spcAft>
+                <a:spcPts val="0"/>
+              </a:spcAft>
+              <a:buSzPts val="1400"/>
+              <a:buChar char="●"/>
+              <a:defRPr/>
+            </a:lvl7pPr>
+            <a:lvl8pPr marL="4876678" lvl="7" indent="-423323" algn="ctr">
+              <a:spcBef>
+                <a:spcPts val="0"/>
+              </a:spcBef>
+              <a:spcAft>
+                <a:spcPts val="0"/>
+              </a:spcAft>
+              <a:buSzPts val="1400"/>
+              <a:buChar char="○"/>
+              <a:defRPr/>
+            </a:lvl8pPr>
+            <a:lvl9pPr marL="5486263" lvl="8" indent="-423323" algn="ctr">
+              <a:spcBef>
+                <a:spcPts val="0"/>
+              </a:spcBef>
+              <a:spcAft>
+                <a:spcPts val="0"/>
+              </a:spcAft>
+              <a:buSzPts val="1400"/>
+              <a:buChar char="■"/>
+              <a:defRPr/>
+            </a:lvl9pPr>
+          </a:lstStyle>
+          <a:p>
+            <a:endParaRPr/>
+          </a:p>
+        </p:txBody>
+      </p:sp>
+      <p:sp>
+        <p:nvSpPr>
+          <p:cNvPr id="47" name="Google Shape;47;p11"/>
+          <p:cNvSpPr txBox="1">
+            <a:spLocks noGrp="1"/>
+          </p:cNvSpPr>
+          <p:nvPr>
+            <p:ph type="sldNum" idx="12"/>
+          </p:nvPr>
+        </p:nvSpPr>
+        <p:spPr>
+          <a:xfrm>
+            <a:off x="11296611" y="6217623"/>
+            <a:ext cx="731600" cy="524800"/>
+          </a:xfrm>
+          <a:prstGeom prst="rect">
+            <a:avLst/>
+          </a:prstGeom>
+        </p:spPr>
+        <p:txBody>
+          <a:bodyPr spcFirstLastPara="1" wrap="square" lIns="91425" tIns="91425" rIns="91425" bIns="91425" anchor="ctr" anchorCtr="0">
+            <a:normAutofit/>
+          </a:bodyPr>
+          <a:lstStyle>
+            <a:lvl1pPr lvl="0">
+              <a:buNone/>
+              <a:defRPr/>
+            </a:lvl1pPr>
+            <a:lvl2pPr lvl="1">
+              <a:buNone/>
+              <a:defRPr/>
+            </a:lvl2pPr>
+            <a:lvl3pPr lvl="2">
+              <a:buNone/>
+              <a:defRPr/>
+            </a:lvl3pPr>
+            <a:lvl4pPr lvl="3">
+              <a:buNone/>
+              <a:defRPr/>
+            </a:lvl4pPr>
+            <a:lvl5pPr lvl="4">
+              <a:buNone/>
+              <a:defRPr/>
+            </a:lvl5pPr>
+            <a:lvl6pPr lvl="5">
+              <a:buNone/>
+              <a:defRPr/>
+            </a:lvl6pPr>
+            <a:lvl7pPr lvl="6">
+              <a:buNone/>
+              <a:defRPr/>
+            </a:lvl7pPr>
+            <a:lvl8pPr lvl="7">
+              <a:buNone/>
+              <a:defRPr/>
+            </a:lvl8pPr>
+            <a:lvl9pPr lvl="8">
+              <a:buNone/>
+              <a:defRPr/>
+            </a:lvl9pPr>
+          </a:lstStyle>
+          <a:p>
+            <a:fld id="{00000000-1234-1234-1234-123412341234}" type="slidenum">
+              <a:rPr lang="en" smtClean="0"/>
+              <a:pPr/>
+              <a:t>‹#›</a:t>
+            </a:fld>
+            <a:endParaRPr lang="en"/>
+          </a:p>
+        </p:txBody>
+      </p:sp>
+    </p:spTree>
+    <p:extLst>
+      <p:ext uri="{BB962C8B-B14F-4D97-AF65-F5344CB8AC3E}">
+        <p14:creationId xmlns:p14="http://schemas.microsoft.com/office/powerpoint/2010/main" val="3071872374"/>
+      </p:ext>
+    </p:extLst>
+  </p:cSld>
+  <p:clrMapOvr>
+    <a:masterClrMapping/>
+  </p:clrMapOvr>
+</p:sldLayout>
+</file>
+
 <file path=ppt/slideLayouts/slideLayout4.xml><?xml version="1.0" encoding="utf-8"?>
 <p:sldLayout xmlns:a="http://schemas.openxmlformats.org/drawingml/2006/main" xmlns:r="http://schemas.openxmlformats.org/officeDocument/2006/relationships" xmlns:p="http://schemas.openxmlformats.org/presentationml/2006/main" type="twoObj" preserve="1">
   <p:cSld name="Two Content">
@@ -5430,6 +9824,107 @@
     <p:extLst>
       <p:ext uri="{BB962C8B-B14F-4D97-AF65-F5344CB8AC3E}">
         <p14:creationId xmlns:p14="http://schemas.microsoft.com/office/powerpoint/2010/main" val="3572562700"/>
+      </p:ext>
+    </p:extLst>
+  </p:cSld>
+  <p:clrMapOvr>
+    <a:masterClrMapping/>
+  </p:clrMapOvr>
+</p:sldLayout>
+</file>
+
+<file path=ppt/slideLayouts/slideLayout40.xml><?xml version="1.0" encoding="utf-8"?>
+<p:sldLayout xmlns:a="http://schemas.openxmlformats.org/drawingml/2006/main" xmlns:r="http://schemas.openxmlformats.org/officeDocument/2006/relationships" xmlns:p="http://schemas.openxmlformats.org/presentationml/2006/main" matchingName="Blank" type="blank">
+  <p:cSld name="Blank">
+    <p:spTree>
+      <p:nvGrpSpPr>
+        <p:cNvPr id="1" name="Shape 48"/>
+        <p:cNvGrpSpPr/>
+        <p:nvPr/>
+      </p:nvGrpSpPr>
+      <p:grpSpPr>
+        <a:xfrm>
+          <a:off x="0" y="0"/>
+          <a:ext cx="0" cy="0"/>
+          <a:chOff x="0" y="0"/>
+          <a:chExt cx="0" cy="0"/>
+        </a:xfrm>
+      </p:grpSpPr>
+      <p:sp>
+        <p:nvSpPr>
+          <p:cNvPr id="49" name="Google Shape;49;p12"/>
+          <p:cNvSpPr txBox="1">
+            <a:spLocks noGrp="1"/>
+          </p:cNvSpPr>
+          <p:nvPr>
+            <p:ph type="sldNum" idx="12"/>
+          </p:nvPr>
+        </p:nvSpPr>
+        <p:spPr>
+          <a:xfrm>
+            <a:off x="11296611" y="6217623"/>
+            <a:ext cx="731600" cy="524800"/>
+          </a:xfrm>
+          <a:prstGeom prst="rect">
+            <a:avLst/>
+          </a:prstGeom>
+        </p:spPr>
+        <p:txBody>
+          <a:bodyPr spcFirstLastPara="1" wrap="square" lIns="91425" tIns="91425" rIns="91425" bIns="91425" anchor="ctr" anchorCtr="0">
+            <a:normAutofit/>
+          </a:bodyPr>
+          <a:lstStyle>
+            <a:lvl1pPr lvl="0">
+              <a:buNone/>
+              <a:defRPr/>
+            </a:lvl1pPr>
+            <a:lvl2pPr lvl="1">
+              <a:buNone/>
+              <a:defRPr/>
+            </a:lvl2pPr>
+            <a:lvl3pPr lvl="2">
+              <a:buNone/>
+              <a:defRPr/>
+            </a:lvl3pPr>
+            <a:lvl4pPr lvl="3">
+              <a:buNone/>
+              <a:defRPr/>
+            </a:lvl4pPr>
+            <a:lvl5pPr lvl="4">
+              <a:buNone/>
+              <a:defRPr/>
+            </a:lvl5pPr>
+            <a:lvl6pPr lvl="5">
+              <a:buNone/>
+              <a:defRPr/>
+            </a:lvl6pPr>
+            <a:lvl7pPr lvl="6">
+              <a:buNone/>
+              <a:defRPr/>
+            </a:lvl7pPr>
+            <a:lvl8pPr lvl="7">
+              <a:buNone/>
+              <a:defRPr/>
+            </a:lvl8pPr>
+            <a:lvl9pPr lvl="8">
+              <a:buNone/>
+              <a:defRPr/>
+            </a:lvl9pPr>
+          </a:lstStyle>
+          <a:p>
+            <a:fld id="{00000000-1234-1234-1234-123412341234}" type="slidenum">
+              <a:rPr lang="en" smtClean="0"/>
+              <a:pPr/>
+              <a:t>‹#›</a:t>
+            </a:fld>
+            <a:endParaRPr lang="en"/>
+          </a:p>
+        </p:txBody>
+      </p:sp>
+    </p:spTree>
+    <p:extLst>
+      <p:ext uri="{BB962C8B-B14F-4D97-AF65-F5344CB8AC3E}">
+        <p14:creationId xmlns:p14="http://schemas.microsoft.com/office/powerpoint/2010/main" val="1734572707"/>
       </p:ext>
     </p:extLst>
   </p:cSld>
@@ -8169,6 +12664,1275 @@
           <a:ea typeface="+mn-ea"/>
           <a:cs typeface="+mn-cs"/>
           <a:sym typeface="Helvetica Neue"/>
+        </a:defRPr>
+      </a:lvl9pPr>
+    </p:otherStyle>
+  </p:txStyles>
+</p:sldMaster>
+</file>
+
+<file path=ppt/slideMasters/slideMaster3.xml><?xml version="1.0" encoding="utf-8"?>
+<p:sldMaster xmlns:a="http://schemas.openxmlformats.org/drawingml/2006/main" xmlns:r="http://schemas.openxmlformats.org/officeDocument/2006/relationships" xmlns:p="http://schemas.openxmlformats.org/presentationml/2006/main">
+  <p:cSld>
+    <p:bg>
+      <p:bgPr>
+        <a:solidFill>
+          <a:schemeClr val="lt1"/>
+        </a:solidFill>
+        <a:effectLst/>
+      </p:bgPr>
+    </p:bg>
+    <p:spTree>
+      <p:nvGrpSpPr>
+        <p:cNvPr id="1" name="Shape 5"/>
+        <p:cNvGrpSpPr/>
+        <p:nvPr/>
+      </p:nvGrpSpPr>
+      <p:grpSpPr>
+        <a:xfrm>
+          <a:off x="0" y="0"/>
+          <a:ext cx="0" cy="0"/>
+          <a:chOff x="0" y="0"/>
+          <a:chExt cx="0" cy="0"/>
+        </a:xfrm>
+      </p:grpSpPr>
+      <p:sp>
+        <p:nvSpPr>
+          <p:cNvPr id="6" name="Google Shape;6;p1"/>
+          <p:cNvSpPr txBox="1">
+            <a:spLocks noGrp="1"/>
+          </p:cNvSpPr>
+          <p:nvPr>
+            <p:ph type="title"/>
+          </p:nvPr>
+        </p:nvSpPr>
+        <p:spPr>
+          <a:xfrm>
+            <a:off x="415600" y="593367"/>
+            <a:ext cx="11360800" cy="763600"/>
+          </a:xfrm>
+          <a:prstGeom prst="rect">
+            <a:avLst/>
+          </a:prstGeom>
+          <a:noFill/>
+          <a:ln>
+            <a:noFill/>
+          </a:ln>
+        </p:spPr>
+        <p:txBody>
+          <a:bodyPr spcFirstLastPara="1" wrap="square" lIns="91425" tIns="91425" rIns="91425" bIns="91425" anchor="t" anchorCtr="0">
+            <a:normAutofit/>
+          </a:bodyPr>
+          <a:lstStyle>
+            <a:lvl1pPr lvl="0">
+              <a:spcBef>
+                <a:spcPts val="0"/>
+              </a:spcBef>
+              <a:spcAft>
+                <a:spcPts val="0"/>
+              </a:spcAft>
+              <a:buClr>
+                <a:schemeClr val="dk1"/>
+              </a:buClr>
+              <a:buSzPts val="2800"/>
+              <a:buNone/>
+              <a:defRPr sz="2800">
+                <a:solidFill>
+                  <a:schemeClr val="dk1"/>
+                </a:solidFill>
+              </a:defRPr>
+            </a:lvl1pPr>
+            <a:lvl2pPr lvl="1">
+              <a:spcBef>
+                <a:spcPts val="0"/>
+              </a:spcBef>
+              <a:spcAft>
+                <a:spcPts val="0"/>
+              </a:spcAft>
+              <a:buClr>
+                <a:schemeClr val="dk1"/>
+              </a:buClr>
+              <a:buSzPts val="2800"/>
+              <a:buNone/>
+              <a:defRPr sz="2800">
+                <a:solidFill>
+                  <a:schemeClr val="dk1"/>
+                </a:solidFill>
+              </a:defRPr>
+            </a:lvl2pPr>
+            <a:lvl3pPr lvl="2">
+              <a:spcBef>
+                <a:spcPts val="0"/>
+              </a:spcBef>
+              <a:spcAft>
+                <a:spcPts val="0"/>
+              </a:spcAft>
+              <a:buClr>
+                <a:schemeClr val="dk1"/>
+              </a:buClr>
+              <a:buSzPts val="2800"/>
+              <a:buNone/>
+              <a:defRPr sz="2800">
+                <a:solidFill>
+                  <a:schemeClr val="dk1"/>
+                </a:solidFill>
+              </a:defRPr>
+            </a:lvl3pPr>
+            <a:lvl4pPr lvl="3">
+              <a:spcBef>
+                <a:spcPts val="0"/>
+              </a:spcBef>
+              <a:spcAft>
+                <a:spcPts val="0"/>
+              </a:spcAft>
+              <a:buClr>
+                <a:schemeClr val="dk1"/>
+              </a:buClr>
+              <a:buSzPts val="2800"/>
+              <a:buNone/>
+              <a:defRPr sz="2800">
+                <a:solidFill>
+                  <a:schemeClr val="dk1"/>
+                </a:solidFill>
+              </a:defRPr>
+            </a:lvl4pPr>
+            <a:lvl5pPr lvl="4">
+              <a:spcBef>
+                <a:spcPts val="0"/>
+              </a:spcBef>
+              <a:spcAft>
+                <a:spcPts val="0"/>
+              </a:spcAft>
+              <a:buClr>
+                <a:schemeClr val="dk1"/>
+              </a:buClr>
+              <a:buSzPts val="2800"/>
+              <a:buNone/>
+              <a:defRPr sz="2800">
+                <a:solidFill>
+                  <a:schemeClr val="dk1"/>
+                </a:solidFill>
+              </a:defRPr>
+            </a:lvl5pPr>
+            <a:lvl6pPr lvl="5">
+              <a:spcBef>
+                <a:spcPts val="0"/>
+              </a:spcBef>
+              <a:spcAft>
+                <a:spcPts val="0"/>
+              </a:spcAft>
+              <a:buClr>
+                <a:schemeClr val="dk1"/>
+              </a:buClr>
+              <a:buSzPts val="2800"/>
+              <a:buNone/>
+              <a:defRPr sz="2800">
+                <a:solidFill>
+                  <a:schemeClr val="dk1"/>
+                </a:solidFill>
+              </a:defRPr>
+            </a:lvl6pPr>
+            <a:lvl7pPr lvl="6">
+              <a:spcBef>
+                <a:spcPts val="0"/>
+              </a:spcBef>
+              <a:spcAft>
+                <a:spcPts val="0"/>
+              </a:spcAft>
+              <a:buClr>
+                <a:schemeClr val="dk1"/>
+              </a:buClr>
+              <a:buSzPts val="2800"/>
+              <a:buNone/>
+              <a:defRPr sz="2800">
+                <a:solidFill>
+                  <a:schemeClr val="dk1"/>
+                </a:solidFill>
+              </a:defRPr>
+            </a:lvl7pPr>
+            <a:lvl8pPr lvl="7">
+              <a:spcBef>
+                <a:spcPts val="0"/>
+              </a:spcBef>
+              <a:spcAft>
+                <a:spcPts val="0"/>
+              </a:spcAft>
+              <a:buClr>
+                <a:schemeClr val="dk1"/>
+              </a:buClr>
+              <a:buSzPts val="2800"/>
+              <a:buNone/>
+              <a:defRPr sz="2800">
+                <a:solidFill>
+                  <a:schemeClr val="dk1"/>
+                </a:solidFill>
+              </a:defRPr>
+            </a:lvl8pPr>
+            <a:lvl9pPr lvl="8">
+              <a:spcBef>
+                <a:spcPts val="0"/>
+              </a:spcBef>
+              <a:spcAft>
+                <a:spcPts val="0"/>
+              </a:spcAft>
+              <a:buClr>
+                <a:schemeClr val="dk1"/>
+              </a:buClr>
+              <a:buSzPts val="2800"/>
+              <a:buNone/>
+              <a:defRPr sz="2800">
+                <a:solidFill>
+                  <a:schemeClr val="dk1"/>
+                </a:solidFill>
+              </a:defRPr>
+            </a:lvl9pPr>
+          </a:lstStyle>
+          <a:p>
+            <a:endParaRPr/>
+          </a:p>
+        </p:txBody>
+      </p:sp>
+      <p:sp>
+        <p:nvSpPr>
+          <p:cNvPr id="7" name="Google Shape;7;p1"/>
+          <p:cNvSpPr txBox="1">
+            <a:spLocks noGrp="1"/>
+          </p:cNvSpPr>
+          <p:nvPr>
+            <p:ph type="body" idx="1"/>
+          </p:nvPr>
+        </p:nvSpPr>
+        <p:spPr>
+          <a:xfrm>
+            <a:off x="415600" y="1536633"/>
+            <a:ext cx="11360800" cy="4555200"/>
+          </a:xfrm>
+          <a:prstGeom prst="rect">
+            <a:avLst/>
+          </a:prstGeom>
+          <a:noFill/>
+          <a:ln>
+            <a:noFill/>
+          </a:ln>
+        </p:spPr>
+        <p:txBody>
+          <a:bodyPr spcFirstLastPara="1" wrap="square" lIns="91425" tIns="91425" rIns="91425" bIns="91425" anchor="t" anchorCtr="0">
+            <a:normAutofit/>
+          </a:bodyPr>
+          <a:lstStyle>
+            <a:lvl1pPr marL="457200" lvl="0" indent="-342900">
+              <a:lnSpc>
+                <a:spcPct val="115000"/>
+              </a:lnSpc>
+              <a:spcBef>
+                <a:spcPts val="0"/>
+              </a:spcBef>
+              <a:spcAft>
+                <a:spcPts val="0"/>
+              </a:spcAft>
+              <a:buClr>
+                <a:schemeClr val="dk2"/>
+              </a:buClr>
+              <a:buSzPts val="1800"/>
+              <a:buChar char="●"/>
+              <a:defRPr sz="1800">
+                <a:solidFill>
+                  <a:schemeClr val="dk2"/>
+                </a:solidFill>
+              </a:defRPr>
+            </a:lvl1pPr>
+            <a:lvl2pPr marL="914400" lvl="1" indent="-317500">
+              <a:lnSpc>
+                <a:spcPct val="115000"/>
+              </a:lnSpc>
+              <a:spcBef>
+                <a:spcPts val="0"/>
+              </a:spcBef>
+              <a:spcAft>
+                <a:spcPts val="0"/>
+              </a:spcAft>
+              <a:buClr>
+                <a:schemeClr val="dk2"/>
+              </a:buClr>
+              <a:buSzPts val="1400"/>
+              <a:buChar char="○"/>
+              <a:defRPr>
+                <a:solidFill>
+                  <a:schemeClr val="dk2"/>
+                </a:solidFill>
+              </a:defRPr>
+            </a:lvl2pPr>
+            <a:lvl3pPr marL="1371600" lvl="2" indent="-317500">
+              <a:lnSpc>
+                <a:spcPct val="115000"/>
+              </a:lnSpc>
+              <a:spcBef>
+                <a:spcPts val="0"/>
+              </a:spcBef>
+              <a:spcAft>
+                <a:spcPts val="0"/>
+              </a:spcAft>
+              <a:buClr>
+                <a:schemeClr val="dk2"/>
+              </a:buClr>
+              <a:buSzPts val="1400"/>
+              <a:buChar char="■"/>
+              <a:defRPr>
+                <a:solidFill>
+                  <a:schemeClr val="dk2"/>
+                </a:solidFill>
+              </a:defRPr>
+            </a:lvl3pPr>
+            <a:lvl4pPr marL="1828800" lvl="3" indent="-317500">
+              <a:lnSpc>
+                <a:spcPct val="115000"/>
+              </a:lnSpc>
+              <a:spcBef>
+                <a:spcPts val="0"/>
+              </a:spcBef>
+              <a:spcAft>
+                <a:spcPts val="0"/>
+              </a:spcAft>
+              <a:buClr>
+                <a:schemeClr val="dk2"/>
+              </a:buClr>
+              <a:buSzPts val="1400"/>
+              <a:buChar char="●"/>
+              <a:defRPr>
+                <a:solidFill>
+                  <a:schemeClr val="dk2"/>
+                </a:solidFill>
+              </a:defRPr>
+            </a:lvl4pPr>
+            <a:lvl5pPr marL="2286000" lvl="4" indent="-317500">
+              <a:lnSpc>
+                <a:spcPct val="115000"/>
+              </a:lnSpc>
+              <a:spcBef>
+                <a:spcPts val="0"/>
+              </a:spcBef>
+              <a:spcAft>
+                <a:spcPts val="0"/>
+              </a:spcAft>
+              <a:buClr>
+                <a:schemeClr val="dk2"/>
+              </a:buClr>
+              <a:buSzPts val="1400"/>
+              <a:buChar char="○"/>
+              <a:defRPr>
+                <a:solidFill>
+                  <a:schemeClr val="dk2"/>
+                </a:solidFill>
+              </a:defRPr>
+            </a:lvl5pPr>
+            <a:lvl6pPr marL="2743200" lvl="5" indent="-317500">
+              <a:lnSpc>
+                <a:spcPct val="115000"/>
+              </a:lnSpc>
+              <a:spcBef>
+                <a:spcPts val="0"/>
+              </a:spcBef>
+              <a:spcAft>
+                <a:spcPts val="0"/>
+              </a:spcAft>
+              <a:buClr>
+                <a:schemeClr val="dk2"/>
+              </a:buClr>
+              <a:buSzPts val="1400"/>
+              <a:buChar char="■"/>
+              <a:defRPr>
+                <a:solidFill>
+                  <a:schemeClr val="dk2"/>
+                </a:solidFill>
+              </a:defRPr>
+            </a:lvl6pPr>
+            <a:lvl7pPr marL="3200400" lvl="6" indent="-317500">
+              <a:lnSpc>
+                <a:spcPct val="115000"/>
+              </a:lnSpc>
+              <a:spcBef>
+                <a:spcPts val="0"/>
+              </a:spcBef>
+              <a:spcAft>
+                <a:spcPts val="0"/>
+              </a:spcAft>
+              <a:buClr>
+                <a:schemeClr val="dk2"/>
+              </a:buClr>
+              <a:buSzPts val="1400"/>
+              <a:buChar char="●"/>
+              <a:defRPr>
+                <a:solidFill>
+                  <a:schemeClr val="dk2"/>
+                </a:solidFill>
+              </a:defRPr>
+            </a:lvl7pPr>
+            <a:lvl8pPr marL="3657600" lvl="7" indent="-317500">
+              <a:lnSpc>
+                <a:spcPct val="115000"/>
+              </a:lnSpc>
+              <a:spcBef>
+                <a:spcPts val="0"/>
+              </a:spcBef>
+              <a:spcAft>
+                <a:spcPts val="0"/>
+              </a:spcAft>
+              <a:buClr>
+                <a:schemeClr val="dk2"/>
+              </a:buClr>
+              <a:buSzPts val="1400"/>
+              <a:buChar char="○"/>
+              <a:defRPr>
+                <a:solidFill>
+                  <a:schemeClr val="dk2"/>
+                </a:solidFill>
+              </a:defRPr>
+            </a:lvl8pPr>
+            <a:lvl9pPr marL="4114800" lvl="8" indent="-317500">
+              <a:lnSpc>
+                <a:spcPct val="115000"/>
+              </a:lnSpc>
+              <a:spcBef>
+                <a:spcPts val="0"/>
+              </a:spcBef>
+              <a:spcAft>
+                <a:spcPts val="0"/>
+              </a:spcAft>
+              <a:buClr>
+                <a:schemeClr val="dk2"/>
+              </a:buClr>
+              <a:buSzPts val="1400"/>
+              <a:buChar char="■"/>
+              <a:defRPr>
+                <a:solidFill>
+                  <a:schemeClr val="dk2"/>
+                </a:solidFill>
+              </a:defRPr>
+            </a:lvl9pPr>
+          </a:lstStyle>
+          <a:p>
+            <a:endParaRPr/>
+          </a:p>
+        </p:txBody>
+      </p:sp>
+      <p:sp>
+        <p:nvSpPr>
+          <p:cNvPr id="8" name="Google Shape;8;p1"/>
+          <p:cNvSpPr txBox="1">
+            <a:spLocks noGrp="1"/>
+          </p:cNvSpPr>
+          <p:nvPr>
+            <p:ph type="sldNum" idx="12"/>
+          </p:nvPr>
+        </p:nvSpPr>
+        <p:spPr>
+          <a:xfrm>
+            <a:off x="11296611" y="6217623"/>
+            <a:ext cx="731600" cy="524800"/>
+          </a:xfrm>
+          <a:prstGeom prst="rect">
+            <a:avLst/>
+          </a:prstGeom>
+          <a:noFill/>
+          <a:ln>
+            <a:noFill/>
+          </a:ln>
+        </p:spPr>
+        <p:txBody>
+          <a:bodyPr spcFirstLastPara="1" wrap="square" lIns="91425" tIns="91425" rIns="91425" bIns="91425" anchor="ctr" anchorCtr="0">
+            <a:normAutofit/>
+          </a:bodyPr>
+          <a:lstStyle>
+            <a:lvl1pPr lvl="0" algn="r">
+              <a:buNone/>
+              <a:defRPr sz="1333">
+                <a:solidFill>
+                  <a:schemeClr val="dk2"/>
+                </a:solidFill>
+              </a:defRPr>
+            </a:lvl1pPr>
+            <a:lvl2pPr lvl="1" algn="r">
+              <a:buNone/>
+              <a:defRPr sz="1333">
+                <a:solidFill>
+                  <a:schemeClr val="dk2"/>
+                </a:solidFill>
+              </a:defRPr>
+            </a:lvl2pPr>
+            <a:lvl3pPr lvl="2" algn="r">
+              <a:buNone/>
+              <a:defRPr sz="1333">
+                <a:solidFill>
+                  <a:schemeClr val="dk2"/>
+                </a:solidFill>
+              </a:defRPr>
+            </a:lvl3pPr>
+            <a:lvl4pPr lvl="3" algn="r">
+              <a:buNone/>
+              <a:defRPr sz="1333">
+                <a:solidFill>
+                  <a:schemeClr val="dk2"/>
+                </a:solidFill>
+              </a:defRPr>
+            </a:lvl4pPr>
+            <a:lvl5pPr lvl="4" algn="r">
+              <a:buNone/>
+              <a:defRPr sz="1333">
+                <a:solidFill>
+                  <a:schemeClr val="dk2"/>
+                </a:solidFill>
+              </a:defRPr>
+            </a:lvl5pPr>
+            <a:lvl6pPr lvl="5" algn="r">
+              <a:buNone/>
+              <a:defRPr sz="1333">
+                <a:solidFill>
+                  <a:schemeClr val="dk2"/>
+                </a:solidFill>
+              </a:defRPr>
+            </a:lvl6pPr>
+            <a:lvl7pPr lvl="6" algn="r">
+              <a:buNone/>
+              <a:defRPr sz="1333">
+                <a:solidFill>
+                  <a:schemeClr val="dk2"/>
+                </a:solidFill>
+              </a:defRPr>
+            </a:lvl7pPr>
+            <a:lvl8pPr lvl="7" algn="r">
+              <a:buNone/>
+              <a:defRPr sz="1333">
+                <a:solidFill>
+                  <a:schemeClr val="dk2"/>
+                </a:solidFill>
+              </a:defRPr>
+            </a:lvl8pPr>
+            <a:lvl9pPr lvl="8" algn="r">
+              <a:buNone/>
+              <a:defRPr sz="1333">
+                <a:solidFill>
+                  <a:schemeClr val="dk2"/>
+                </a:solidFill>
+              </a:defRPr>
+            </a:lvl9pPr>
+          </a:lstStyle>
+          <a:p>
+            <a:fld id="{00000000-1234-1234-1234-123412341234}" type="slidenum">
+              <a:rPr lang="en" smtClean="0"/>
+              <a:pPr/>
+              <a:t>‹#›</a:t>
+            </a:fld>
+            <a:endParaRPr lang="en"/>
+          </a:p>
+        </p:txBody>
+      </p:sp>
+    </p:spTree>
+    <p:extLst>
+      <p:ext uri="{BB962C8B-B14F-4D97-AF65-F5344CB8AC3E}">
+        <p14:creationId xmlns:p14="http://schemas.microsoft.com/office/powerpoint/2010/main" val="494184600"/>
+      </p:ext>
+    </p:extLst>
+  </p:cSld>
+  <p:clrMap bg1="lt1" tx1="dk1" bg2="dk2" tx2="lt2" accent1="accent1" accent2="accent2" accent3="accent3" accent4="accent4" accent5="accent5" accent6="accent6" hlink="hlink" folHlink="folHlink"/>
+  <p:sldLayoutIdLst>
+    <p:sldLayoutId id="2147483680" r:id="rId1"/>
+    <p:sldLayoutId id="2147483681" r:id="rId2"/>
+    <p:sldLayoutId id="2147483682" r:id="rId3"/>
+    <p:sldLayoutId id="2147483683" r:id="rId4"/>
+    <p:sldLayoutId id="2147483684" r:id="rId5"/>
+    <p:sldLayoutId id="2147483685" r:id="rId6"/>
+    <p:sldLayoutId id="2147483686" r:id="rId7"/>
+    <p:sldLayoutId id="2147483687" r:id="rId8"/>
+    <p:sldLayoutId id="2147483688" r:id="rId9"/>
+    <p:sldLayoutId id="2147483689" r:id="rId10"/>
+    <p:sldLayoutId id="2147483690" r:id="rId11"/>
+  </p:sldLayoutIdLst>
+  <p:hf sldNum="0" hdr="0" ftr="0" dt="0"/>
+  <p:txStyles>
+    <p:titleStyle>
+      <a:defPPr marR="0" lvl="0" algn="l" rtl="0">
+        <a:lnSpc>
+          <a:spcPct val="100000"/>
+        </a:lnSpc>
+        <a:spcBef>
+          <a:spcPts val="0"/>
+        </a:spcBef>
+        <a:spcAft>
+          <a:spcPts val="0"/>
+        </a:spcAft>
+      </a:defPPr>
+      <a:lvl1pPr marR="0" lvl="0" algn="l" rtl="0">
+        <a:lnSpc>
+          <a:spcPct val="100000"/>
+        </a:lnSpc>
+        <a:spcBef>
+          <a:spcPts val="0"/>
+        </a:spcBef>
+        <a:spcAft>
+          <a:spcPts val="0"/>
+        </a:spcAft>
+        <a:buClr>
+          <a:srgbClr val="000000"/>
+        </a:buClr>
+        <a:buFont typeface="Arial"/>
+        <a:defRPr sz="1867" b="0" i="0" u="none" strike="noStrike" cap="none">
+          <a:solidFill>
+            <a:srgbClr val="000000"/>
+          </a:solidFill>
+          <a:latin typeface="Arial"/>
+          <a:ea typeface="Arial"/>
+          <a:cs typeface="Arial"/>
+          <a:sym typeface="Arial"/>
+        </a:defRPr>
+      </a:lvl1pPr>
+      <a:lvl2pPr marR="0" lvl="1" algn="l" rtl="0">
+        <a:lnSpc>
+          <a:spcPct val="100000"/>
+        </a:lnSpc>
+        <a:spcBef>
+          <a:spcPts val="0"/>
+        </a:spcBef>
+        <a:spcAft>
+          <a:spcPts val="0"/>
+        </a:spcAft>
+        <a:buClr>
+          <a:srgbClr val="000000"/>
+        </a:buClr>
+        <a:buFont typeface="Arial"/>
+        <a:defRPr sz="1867" b="0" i="0" u="none" strike="noStrike" cap="none">
+          <a:solidFill>
+            <a:srgbClr val="000000"/>
+          </a:solidFill>
+          <a:latin typeface="Arial"/>
+          <a:ea typeface="Arial"/>
+          <a:cs typeface="Arial"/>
+          <a:sym typeface="Arial"/>
+        </a:defRPr>
+      </a:lvl2pPr>
+      <a:lvl3pPr marR="0" lvl="2" algn="l" rtl="0">
+        <a:lnSpc>
+          <a:spcPct val="100000"/>
+        </a:lnSpc>
+        <a:spcBef>
+          <a:spcPts val="0"/>
+        </a:spcBef>
+        <a:spcAft>
+          <a:spcPts val="0"/>
+        </a:spcAft>
+        <a:buClr>
+          <a:srgbClr val="000000"/>
+        </a:buClr>
+        <a:buFont typeface="Arial"/>
+        <a:defRPr sz="1867" b="0" i="0" u="none" strike="noStrike" cap="none">
+          <a:solidFill>
+            <a:srgbClr val="000000"/>
+          </a:solidFill>
+          <a:latin typeface="Arial"/>
+          <a:ea typeface="Arial"/>
+          <a:cs typeface="Arial"/>
+          <a:sym typeface="Arial"/>
+        </a:defRPr>
+      </a:lvl3pPr>
+      <a:lvl4pPr marR="0" lvl="3" algn="l" rtl="0">
+        <a:lnSpc>
+          <a:spcPct val="100000"/>
+        </a:lnSpc>
+        <a:spcBef>
+          <a:spcPts val="0"/>
+        </a:spcBef>
+        <a:spcAft>
+          <a:spcPts val="0"/>
+        </a:spcAft>
+        <a:buClr>
+          <a:srgbClr val="000000"/>
+        </a:buClr>
+        <a:buFont typeface="Arial"/>
+        <a:defRPr sz="1867" b="0" i="0" u="none" strike="noStrike" cap="none">
+          <a:solidFill>
+            <a:srgbClr val="000000"/>
+          </a:solidFill>
+          <a:latin typeface="Arial"/>
+          <a:ea typeface="Arial"/>
+          <a:cs typeface="Arial"/>
+          <a:sym typeface="Arial"/>
+        </a:defRPr>
+      </a:lvl4pPr>
+      <a:lvl5pPr marR="0" lvl="4" algn="l" rtl="0">
+        <a:lnSpc>
+          <a:spcPct val="100000"/>
+        </a:lnSpc>
+        <a:spcBef>
+          <a:spcPts val="0"/>
+        </a:spcBef>
+        <a:spcAft>
+          <a:spcPts val="0"/>
+        </a:spcAft>
+        <a:buClr>
+          <a:srgbClr val="000000"/>
+        </a:buClr>
+        <a:buFont typeface="Arial"/>
+        <a:defRPr sz="1867" b="0" i="0" u="none" strike="noStrike" cap="none">
+          <a:solidFill>
+            <a:srgbClr val="000000"/>
+          </a:solidFill>
+          <a:latin typeface="Arial"/>
+          <a:ea typeface="Arial"/>
+          <a:cs typeface="Arial"/>
+          <a:sym typeface="Arial"/>
+        </a:defRPr>
+      </a:lvl5pPr>
+      <a:lvl6pPr marR="0" lvl="5" algn="l" rtl="0">
+        <a:lnSpc>
+          <a:spcPct val="100000"/>
+        </a:lnSpc>
+        <a:spcBef>
+          <a:spcPts val="0"/>
+        </a:spcBef>
+        <a:spcAft>
+          <a:spcPts val="0"/>
+        </a:spcAft>
+        <a:buClr>
+          <a:srgbClr val="000000"/>
+        </a:buClr>
+        <a:buFont typeface="Arial"/>
+        <a:defRPr sz="1867" b="0" i="0" u="none" strike="noStrike" cap="none">
+          <a:solidFill>
+            <a:srgbClr val="000000"/>
+          </a:solidFill>
+          <a:latin typeface="Arial"/>
+          <a:ea typeface="Arial"/>
+          <a:cs typeface="Arial"/>
+          <a:sym typeface="Arial"/>
+        </a:defRPr>
+      </a:lvl6pPr>
+      <a:lvl7pPr marR="0" lvl="6" algn="l" rtl="0">
+        <a:lnSpc>
+          <a:spcPct val="100000"/>
+        </a:lnSpc>
+        <a:spcBef>
+          <a:spcPts val="0"/>
+        </a:spcBef>
+        <a:spcAft>
+          <a:spcPts val="0"/>
+        </a:spcAft>
+        <a:buClr>
+          <a:srgbClr val="000000"/>
+        </a:buClr>
+        <a:buFont typeface="Arial"/>
+        <a:defRPr sz="1867" b="0" i="0" u="none" strike="noStrike" cap="none">
+          <a:solidFill>
+            <a:srgbClr val="000000"/>
+          </a:solidFill>
+          <a:latin typeface="Arial"/>
+          <a:ea typeface="Arial"/>
+          <a:cs typeface="Arial"/>
+          <a:sym typeface="Arial"/>
+        </a:defRPr>
+      </a:lvl7pPr>
+      <a:lvl8pPr marR="0" lvl="7" algn="l" rtl="0">
+        <a:lnSpc>
+          <a:spcPct val="100000"/>
+        </a:lnSpc>
+        <a:spcBef>
+          <a:spcPts val="0"/>
+        </a:spcBef>
+        <a:spcAft>
+          <a:spcPts val="0"/>
+        </a:spcAft>
+        <a:buClr>
+          <a:srgbClr val="000000"/>
+        </a:buClr>
+        <a:buFont typeface="Arial"/>
+        <a:defRPr sz="1867" b="0" i="0" u="none" strike="noStrike" cap="none">
+          <a:solidFill>
+            <a:srgbClr val="000000"/>
+          </a:solidFill>
+          <a:latin typeface="Arial"/>
+          <a:ea typeface="Arial"/>
+          <a:cs typeface="Arial"/>
+          <a:sym typeface="Arial"/>
+        </a:defRPr>
+      </a:lvl8pPr>
+      <a:lvl9pPr marR="0" lvl="8" algn="l" rtl="0">
+        <a:lnSpc>
+          <a:spcPct val="100000"/>
+        </a:lnSpc>
+        <a:spcBef>
+          <a:spcPts val="0"/>
+        </a:spcBef>
+        <a:spcAft>
+          <a:spcPts val="0"/>
+        </a:spcAft>
+        <a:buClr>
+          <a:srgbClr val="000000"/>
+        </a:buClr>
+        <a:buFont typeface="Arial"/>
+        <a:defRPr sz="1867" b="0" i="0" u="none" strike="noStrike" cap="none">
+          <a:solidFill>
+            <a:srgbClr val="000000"/>
+          </a:solidFill>
+          <a:latin typeface="Arial"/>
+          <a:ea typeface="Arial"/>
+          <a:cs typeface="Arial"/>
+          <a:sym typeface="Arial"/>
+        </a:defRPr>
+      </a:lvl9pPr>
+    </p:titleStyle>
+    <p:bodyStyle>
+      <a:defPPr marR="0" lvl="0" algn="l" rtl="0">
+        <a:lnSpc>
+          <a:spcPct val="100000"/>
+        </a:lnSpc>
+        <a:spcBef>
+          <a:spcPts val="0"/>
+        </a:spcBef>
+        <a:spcAft>
+          <a:spcPts val="0"/>
+        </a:spcAft>
+      </a:defPPr>
+      <a:lvl1pPr marR="0" lvl="0" algn="l" rtl="0">
+        <a:lnSpc>
+          <a:spcPct val="100000"/>
+        </a:lnSpc>
+        <a:spcBef>
+          <a:spcPts val="0"/>
+        </a:spcBef>
+        <a:spcAft>
+          <a:spcPts val="0"/>
+        </a:spcAft>
+        <a:buClr>
+          <a:srgbClr val="000000"/>
+        </a:buClr>
+        <a:buFont typeface="Arial"/>
+        <a:defRPr sz="1867" b="0" i="0" u="none" strike="noStrike" cap="none">
+          <a:solidFill>
+            <a:srgbClr val="000000"/>
+          </a:solidFill>
+          <a:latin typeface="Arial"/>
+          <a:ea typeface="Arial"/>
+          <a:cs typeface="Arial"/>
+          <a:sym typeface="Arial"/>
+        </a:defRPr>
+      </a:lvl1pPr>
+      <a:lvl2pPr marR="0" lvl="1" algn="l" rtl="0">
+        <a:lnSpc>
+          <a:spcPct val="100000"/>
+        </a:lnSpc>
+        <a:spcBef>
+          <a:spcPts val="0"/>
+        </a:spcBef>
+        <a:spcAft>
+          <a:spcPts val="0"/>
+        </a:spcAft>
+        <a:buClr>
+          <a:srgbClr val="000000"/>
+        </a:buClr>
+        <a:buFont typeface="Arial"/>
+        <a:defRPr sz="1867" b="0" i="0" u="none" strike="noStrike" cap="none">
+          <a:solidFill>
+            <a:srgbClr val="000000"/>
+          </a:solidFill>
+          <a:latin typeface="Arial"/>
+          <a:ea typeface="Arial"/>
+          <a:cs typeface="Arial"/>
+          <a:sym typeface="Arial"/>
+        </a:defRPr>
+      </a:lvl2pPr>
+      <a:lvl3pPr marR="0" lvl="2" algn="l" rtl="0">
+        <a:lnSpc>
+          <a:spcPct val="100000"/>
+        </a:lnSpc>
+        <a:spcBef>
+          <a:spcPts val="0"/>
+        </a:spcBef>
+        <a:spcAft>
+          <a:spcPts val="0"/>
+        </a:spcAft>
+        <a:buClr>
+          <a:srgbClr val="000000"/>
+        </a:buClr>
+        <a:buFont typeface="Arial"/>
+        <a:defRPr sz="1867" b="0" i="0" u="none" strike="noStrike" cap="none">
+          <a:solidFill>
+            <a:srgbClr val="000000"/>
+          </a:solidFill>
+          <a:latin typeface="Arial"/>
+          <a:ea typeface="Arial"/>
+          <a:cs typeface="Arial"/>
+          <a:sym typeface="Arial"/>
+        </a:defRPr>
+      </a:lvl3pPr>
+      <a:lvl4pPr marR="0" lvl="3" algn="l" rtl="0">
+        <a:lnSpc>
+          <a:spcPct val="100000"/>
+        </a:lnSpc>
+        <a:spcBef>
+          <a:spcPts val="0"/>
+        </a:spcBef>
+        <a:spcAft>
+          <a:spcPts val="0"/>
+        </a:spcAft>
+        <a:buClr>
+          <a:srgbClr val="000000"/>
+        </a:buClr>
+        <a:buFont typeface="Arial"/>
+        <a:defRPr sz="1867" b="0" i="0" u="none" strike="noStrike" cap="none">
+          <a:solidFill>
+            <a:srgbClr val="000000"/>
+          </a:solidFill>
+          <a:latin typeface="Arial"/>
+          <a:ea typeface="Arial"/>
+          <a:cs typeface="Arial"/>
+          <a:sym typeface="Arial"/>
+        </a:defRPr>
+      </a:lvl4pPr>
+      <a:lvl5pPr marR="0" lvl="4" algn="l" rtl="0">
+        <a:lnSpc>
+          <a:spcPct val="100000"/>
+        </a:lnSpc>
+        <a:spcBef>
+          <a:spcPts val="0"/>
+        </a:spcBef>
+        <a:spcAft>
+          <a:spcPts val="0"/>
+        </a:spcAft>
+        <a:buClr>
+          <a:srgbClr val="000000"/>
+        </a:buClr>
+        <a:buFont typeface="Arial"/>
+        <a:defRPr sz="1867" b="0" i="0" u="none" strike="noStrike" cap="none">
+          <a:solidFill>
+            <a:srgbClr val="000000"/>
+          </a:solidFill>
+          <a:latin typeface="Arial"/>
+          <a:ea typeface="Arial"/>
+          <a:cs typeface="Arial"/>
+          <a:sym typeface="Arial"/>
+        </a:defRPr>
+      </a:lvl5pPr>
+      <a:lvl6pPr marR="0" lvl="5" algn="l" rtl="0">
+        <a:lnSpc>
+          <a:spcPct val="100000"/>
+        </a:lnSpc>
+        <a:spcBef>
+          <a:spcPts val="0"/>
+        </a:spcBef>
+        <a:spcAft>
+          <a:spcPts val="0"/>
+        </a:spcAft>
+        <a:buClr>
+          <a:srgbClr val="000000"/>
+        </a:buClr>
+        <a:buFont typeface="Arial"/>
+        <a:defRPr sz="1867" b="0" i="0" u="none" strike="noStrike" cap="none">
+          <a:solidFill>
+            <a:srgbClr val="000000"/>
+          </a:solidFill>
+          <a:latin typeface="Arial"/>
+          <a:ea typeface="Arial"/>
+          <a:cs typeface="Arial"/>
+          <a:sym typeface="Arial"/>
+        </a:defRPr>
+      </a:lvl6pPr>
+      <a:lvl7pPr marR="0" lvl="6" algn="l" rtl="0">
+        <a:lnSpc>
+          <a:spcPct val="100000"/>
+        </a:lnSpc>
+        <a:spcBef>
+          <a:spcPts val="0"/>
+        </a:spcBef>
+        <a:spcAft>
+          <a:spcPts val="0"/>
+        </a:spcAft>
+        <a:buClr>
+          <a:srgbClr val="000000"/>
+        </a:buClr>
+        <a:buFont typeface="Arial"/>
+        <a:defRPr sz="1867" b="0" i="0" u="none" strike="noStrike" cap="none">
+          <a:solidFill>
+            <a:srgbClr val="000000"/>
+          </a:solidFill>
+          <a:latin typeface="Arial"/>
+          <a:ea typeface="Arial"/>
+          <a:cs typeface="Arial"/>
+          <a:sym typeface="Arial"/>
+        </a:defRPr>
+      </a:lvl7pPr>
+      <a:lvl8pPr marR="0" lvl="7" algn="l" rtl="0">
+        <a:lnSpc>
+          <a:spcPct val="100000"/>
+        </a:lnSpc>
+        <a:spcBef>
+          <a:spcPts val="0"/>
+        </a:spcBef>
+        <a:spcAft>
+          <a:spcPts val="0"/>
+        </a:spcAft>
+        <a:buClr>
+          <a:srgbClr val="000000"/>
+        </a:buClr>
+        <a:buFont typeface="Arial"/>
+        <a:defRPr sz="1867" b="0" i="0" u="none" strike="noStrike" cap="none">
+          <a:solidFill>
+            <a:srgbClr val="000000"/>
+          </a:solidFill>
+          <a:latin typeface="Arial"/>
+          <a:ea typeface="Arial"/>
+          <a:cs typeface="Arial"/>
+          <a:sym typeface="Arial"/>
+        </a:defRPr>
+      </a:lvl8pPr>
+      <a:lvl9pPr marR="0" lvl="8" algn="l" rtl="0">
+        <a:lnSpc>
+          <a:spcPct val="100000"/>
+        </a:lnSpc>
+        <a:spcBef>
+          <a:spcPts val="0"/>
+        </a:spcBef>
+        <a:spcAft>
+          <a:spcPts val="0"/>
+        </a:spcAft>
+        <a:buClr>
+          <a:srgbClr val="000000"/>
+        </a:buClr>
+        <a:buFont typeface="Arial"/>
+        <a:defRPr sz="1867" b="0" i="0" u="none" strike="noStrike" cap="none">
+          <a:solidFill>
+            <a:srgbClr val="000000"/>
+          </a:solidFill>
+          <a:latin typeface="Arial"/>
+          <a:ea typeface="Arial"/>
+          <a:cs typeface="Arial"/>
+          <a:sym typeface="Arial"/>
+        </a:defRPr>
+      </a:lvl9pPr>
+    </p:bodyStyle>
+    <p:otherStyle>
+      <a:defPPr marR="0" lvl="0" algn="l" rtl="0">
+        <a:lnSpc>
+          <a:spcPct val="100000"/>
+        </a:lnSpc>
+        <a:spcBef>
+          <a:spcPts val="0"/>
+        </a:spcBef>
+        <a:spcAft>
+          <a:spcPts val="0"/>
+        </a:spcAft>
+      </a:defPPr>
+      <a:lvl1pPr marR="0" lvl="0" algn="l" rtl="0">
+        <a:lnSpc>
+          <a:spcPct val="100000"/>
+        </a:lnSpc>
+        <a:spcBef>
+          <a:spcPts val="0"/>
+        </a:spcBef>
+        <a:spcAft>
+          <a:spcPts val="0"/>
+        </a:spcAft>
+        <a:buClr>
+          <a:srgbClr val="000000"/>
+        </a:buClr>
+        <a:buFont typeface="Arial"/>
+        <a:defRPr sz="1867" b="0" i="0" u="none" strike="noStrike" cap="none">
+          <a:solidFill>
+            <a:srgbClr val="000000"/>
+          </a:solidFill>
+          <a:latin typeface="Arial"/>
+          <a:ea typeface="Arial"/>
+          <a:cs typeface="Arial"/>
+          <a:sym typeface="Arial"/>
+        </a:defRPr>
+      </a:lvl1pPr>
+      <a:lvl2pPr marR="0" lvl="1" algn="l" rtl="0">
+        <a:lnSpc>
+          <a:spcPct val="100000"/>
+        </a:lnSpc>
+        <a:spcBef>
+          <a:spcPts val="0"/>
+        </a:spcBef>
+        <a:spcAft>
+          <a:spcPts val="0"/>
+        </a:spcAft>
+        <a:buClr>
+          <a:srgbClr val="000000"/>
+        </a:buClr>
+        <a:buFont typeface="Arial"/>
+        <a:defRPr sz="1867" b="0" i="0" u="none" strike="noStrike" cap="none">
+          <a:solidFill>
+            <a:srgbClr val="000000"/>
+          </a:solidFill>
+          <a:latin typeface="Arial"/>
+          <a:ea typeface="Arial"/>
+          <a:cs typeface="Arial"/>
+          <a:sym typeface="Arial"/>
+        </a:defRPr>
+      </a:lvl2pPr>
+      <a:lvl3pPr marR="0" lvl="2" algn="l" rtl="0">
+        <a:lnSpc>
+          <a:spcPct val="100000"/>
+        </a:lnSpc>
+        <a:spcBef>
+          <a:spcPts val="0"/>
+        </a:spcBef>
+        <a:spcAft>
+          <a:spcPts val="0"/>
+        </a:spcAft>
+        <a:buClr>
+          <a:srgbClr val="000000"/>
+        </a:buClr>
+        <a:buFont typeface="Arial"/>
+        <a:defRPr sz="1867" b="0" i="0" u="none" strike="noStrike" cap="none">
+          <a:solidFill>
+            <a:srgbClr val="000000"/>
+          </a:solidFill>
+          <a:latin typeface="Arial"/>
+          <a:ea typeface="Arial"/>
+          <a:cs typeface="Arial"/>
+          <a:sym typeface="Arial"/>
+        </a:defRPr>
+      </a:lvl3pPr>
+      <a:lvl4pPr marR="0" lvl="3" algn="l" rtl="0">
+        <a:lnSpc>
+          <a:spcPct val="100000"/>
+        </a:lnSpc>
+        <a:spcBef>
+          <a:spcPts val="0"/>
+        </a:spcBef>
+        <a:spcAft>
+          <a:spcPts val="0"/>
+        </a:spcAft>
+        <a:buClr>
+          <a:srgbClr val="000000"/>
+        </a:buClr>
+        <a:buFont typeface="Arial"/>
+        <a:defRPr sz="1867" b="0" i="0" u="none" strike="noStrike" cap="none">
+          <a:solidFill>
+            <a:srgbClr val="000000"/>
+          </a:solidFill>
+          <a:latin typeface="Arial"/>
+          <a:ea typeface="Arial"/>
+          <a:cs typeface="Arial"/>
+          <a:sym typeface="Arial"/>
+        </a:defRPr>
+      </a:lvl4pPr>
+      <a:lvl5pPr marR="0" lvl="4" algn="l" rtl="0">
+        <a:lnSpc>
+          <a:spcPct val="100000"/>
+        </a:lnSpc>
+        <a:spcBef>
+          <a:spcPts val="0"/>
+        </a:spcBef>
+        <a:spcAft>
+          <a:spcPts val="0"/>
+        </a:spcAft>
+        <a:buClr>
+          <a:srgbClr val="000000"/>
+        </a:buClr>
+        <a:buFont typeface="Arial"/>
+        <a:defRPr sz="1867" b="0" i="0" u="none" strike="noStrike" cap="none">
+          <a:solidFill>
+            <a:srgbClr val="000000"/>
+          </a:solidFill>
+          <a:latin typeface="Arial"/>
+          <a:ea typeface="Arial"/>
+          <a:cs typeface="Arial"/>
+          <a:sym typeface="Arial"/>
+        </a:defRPr>
+      </a:lvl5pPr>
+      <a:lvl6pPr marR="0" lvl="5" algn="l" rtl="0">
+        <a:lnSpc>
+          <a:spcPct val="100000"/>
+        </a:lnSpc>
+        <a:spcBef>
+          <a:spcPts val="0"/>
+        </a:spcBef>
+        <a:spcAft>
+          <a:spcPts val="0"/>
+        </a:spcAft>
+        <a:buClr>
+          <a:srgbClr val="000000"/>
+        </a:buClr>
+        <a:buFont typeface="Arial"/>
+        <a:defRPr sz="1867" b="0" i="0" u="none" strike="noStrike" cap="none">
+          <a:solidFill>
+            <a:srgbClr val="000000"/>
+          </a:solidFill>
+          <a:latin typeface="Arial"/>
+          <a:ea typeface="Arial"/>
+          <a:cs typeface="Arial"/>
+          <a:sym typeface="Arial"/>
+        </a:defRPr>
+      </a:lvl6pPr>
+      <a:lvl7pPr marR="0" lvl="6" algn="l" rtl="0">
+        <a:lnSpc>
+          <a:spcPct val="100000"/>
+        </a:lnSpc>
+        <a:spcBef>
+          <a:spcPts val="0"/>
+        </a:spcBef>
+        <a:spcAft>
+          <a:spcPts val="0"/>
+        </a:spcAft>
+        <a:buClr>
+          <a:srgbClr val="000000"/>
+        </a:buClr>
+        <a:buFont typeface="Arial"/>
+        <a:defRPr sz="1867" b="0" i="0" u="none" strike="noStrike" cap="none">
+          <a:solidFill>
+            <a:srgbClr val="000000"/>
+          </a:solidFill>
+          <a:latin typeface="Arial"/>
+          <a:ea typeface="Arial"/>
+          <a:cs typeface="Arial"/>
+          <a:sym typeface="Arial"/>
+        </a:defRPr>
+      </a:lvl7pPr>
+      <a:lvl8pPr marR="0" lvl="7" algn="l" rtl="0">
+        <a:lnSpc>
+          <a:spcPct val="100000"/>
+        </a:lnSpc>
+        <a:spcBef>
+          <a:spcPts val="0"/>
+        </a:spcBef>
+        <a:spcAft>
+          <a:spcPts val="0"/>
+        </a:spcAft>
+        <a:buClr>
+          <a:srgbClr val="000000"/>
+        </a:buClr>
+        <a:buFont typeface="Arial"/>
+        <a:defRPr sz="1867" b="0" i="0" u="none" strike="noStrike" cap="none">
+          <a:solidFill>
+            <a:srgbClr val="000000"/>
+          </a:solidFill>
+          <a:latin typeface="Arial"/>
+          <a:ea typeface="Arial"/>
+          <a:cs typeface="Arial"/>
+          <a:sym typeface="Arial"/>
+        </a:defRPr>
+      </a:lvl8pPr>
+      <a:lvl9pPr marR="0" lvl="8" algn="l" rtl="0">
+        <a:lnSpc>
+          <a:spcPct val="100000"/>
+        </a:lnSpc>
+        <a:spcBef>
+          <a:spcPts val="0"/>
+        </a:spcBef>
+        <a:spcAft>
+          <a:spcPts val="0"/>
+        </a:spcAft>
+        <a:buClr>
+          <a:srgbClr val="000000"/>
+        </a:buClr>
+        <a:buFont typeface="Arial"/>
+        <a:defRPr sz="1867" b="0" i="0" u="none" strike="noStrike" cap="none">
+          <a:solidFill>
+            <a:srgbClr val="000000"/>
+          </a:solidFill>
+          <a:latin typeface="Arial"/>
+          <a:ea typeface="Arial"/>
+          <a:cs typeface="Arial"/>
+          <a:sym typeface="Arial"/>
         </a:defRPr>
       </a:lvl9pPr>
     </p:otherStyle>
@@ -9518,6 +15282,2789 @@
   <p:cSld>
     <p:spTree>
       <p:nvGrpSpPr>
+        <p:cNvPr id="1" name="Shape 53"/>
+        <p:cNvGrpSpPr/>
+        <p:nvPr/>
+      </p:nvGrpSpPr>
+      <p:grpSpPr>
+        <a:xfrm>
+          <a:off x="0" y="0"/>
+          <a:ext cx="0" cy="0"/>
+          <a:chOff x="0" y="0"/>
+          <a:chExt cx="0" cy="0"/>
+        </a:xfrm>
+      </p:grpSpPr>
+      <p:sp>
+        <p:nvSpPr>
+          <p:cNvPr id="54" name="Google Shape;54;p13"/>
+          <p:cNvSpPr txBox="1">
+            <a:spLocks noGrp="1"/>
+          </p:cNvSpPr>
+          <p:nvPr>
+            <p:ph type="ctrTitle"/>
+          </p:nvPr>
+        </p:nvSpPr>
+        <p:spPr>
+          <a:xfrm>
+            <a:off x="415611" y="1376333"/>
+            <a:ext cx="11360800" cy="2736800"/>
+          </a:xfrm>
+          <a:prstGeom prst="rect">
+            <a:avLst/>
+          </a:prstGeom>
+        </p:spPr>
+        <p:txBody>
+          <a:bodyPr spcFirstLastPara="1" wrap="square" lIns="121900" tIns="121900" rIns="121900" bIns="121900" anchor="b" anchorCtr="0">
+            <a:normAutofit fontScale="90000"/>
+          </a:bodyPr>
+          <a:lstStyle/>
+          <a:p>
+            <a:endParaRPr sz="2933"/>
+          </a:p>
+          <a:p>
+            <a:r>
+              <a:rPr lang="en" sz="2933"/>
+              <a:t>BigBang Update</a:t>
+            </a:r>
+            <a:endParaRPr sz="2933"/>
+          </a:p>
+          <a:p>
+            <a:r>
+              <a:rPr lang="en" sz="2933"/>
+              <a:t>//</a:t>
+            </a:r>
+            <a:endParaRPr sz="2933"/>
+          </a:p>
+          <a:p>
+            <a:r>
+              <a:rPr lang="en" sz="2933"/>
+              <a:t>Using </a:t>
+            </a:r>
+            <a:endParaRPr sz="2933"/>
+          </a:p>
+          <a:p>
+            <a:r>
+              <a:rPr lang="en" sz="2933"/>
+              <a:t>Complex Systems Analysis </a:t>
+            </a:r>
+            <a:endParaRPr sz="2933"/>
+          </a:p>
+          <a:p>
+            <a:r>
+              <a:rPr lang="en" sz="2933"/>
+              <a:t>to Identify </a:t>
+            </a:r>
+            <a:endParaRPr sz="2933"/>
+          </a:p>
+          <a:p>
+            <a:r>
+              <a:rPr lang="en" sz="2933"/>
+              <a:t>Organizational Interventions</a:t>
+            </a:r>
+            <a:r>
+              <a:rPr lang="en" sz="2667"/>
+              <a:t> </a:t>
+            </a:r>
+            <a:endParaRPr sz="7600"/>
+          </a:p>
+        </p:txBody>
+      </p:sp>
+      <p:sp>
+        <p:nvSpPr>
+          <p:cNvPr id="55" name="Google Shape;55;p13"/>
+          <p:cNvSpPr txBox="1">
+            <a:spLocks noGrp="1"/>
+          </p:cNvSpPr>
+          <p:nvPr>
+            <p:ph type="subTitle" idx="1"/>
+          </p:nvPr>
+        </p:nvSpPr>
+        <p:spPr>
+          <a:xfrm>
+            <a:off x="415600" y="4699367"/>
+            <a:ext cx="11360800" cy="1056800"/>
+          </a:xfrm>
+          <a:prstGeom prst="rect">
+            <a:avLst/>
+          </a:prstGeom>
+        </p:spPr>
+        <p:txBody>
+          <a:bodyPr spcFirstLastPara="1" wrap="square" lIns="121900" tIns="121900" rIns="121900" bIns="121900" anchor="t" anchorCtr="0">
+            <a:normAutofit/>
+          </a:bodyPr>
+          <a:lstStyle/>
+          <a:p>
+            <a:pPr marL="0" indent="0">
+              <a:lnSpc>
+                <a:spcPct val="80000"/>
+              </a:lnSpc>
+              <a:buSzPts val="605"/>
+            </a:pPr>
+            <a:r>
+              <a:rPr lang="en" sz="1787"/>
+              <a:t>Sebastian Benthall, PhD</a:t>
+            </a:r>
+            <a:endParaRPr sz="1787"/>
+          </a:p>
+          <a:p>
+            <a:pPr marL="0" indent="0">
+              <a:lnSpc>
+                <a:spcPct val="80000"/>
+              </a:lnSpc>
+              <a:buSzPts val="605"/>
+            </a:pPr>
+            <a:r>
+              <a:rPr lang="en" sz="1787"/>
+              <a:t>Information Law Institute</a:t>
+            </a:r>
+            <a:endParaRPr sz="1787"/>
+          </a:p>
+          <a:p>
+            <a:pPr marL="0" indent="0">
+              <a:lnSpc>
+                <a:spcPct val="80000"/>
+              </a:lnSpc>
+              <a:buSzPts val="605"/>
+            </a:pPr>
+            <a:r>
+              <a:rPr lang="en" sz="1787"/>
+              <a:t>NYU School of Law</a:t>
+            </a:r>
+            <a:endParaRPr sz="1787"/>
+          </a:p>
+        </p:txBody>
+      </p:sp>
+    </p:spTree>
+  </p:cSld>
+  <p:clrMapOvr>
+    <a:masterClrMapping/>
+  </p:clrMapOvr>
+</p:sld>
+</file>
+
+<file path=ppt/slides/slide13.xml><?xml version="1.0" encoding="utf-8"?>
+<p:sld xmlns:a="http://schemas.openxmlformats.org/drawingml/2006/main" xmlns:r="http://schemas.openxmlformats.org/officeDocument/2006/relationships" xmlns:p="http://schemas.openxmlformats.org/presentationml/2006/main">
+  <p:cSld>
+    <p:spTree>
+      <p:nvGrpSpPr>
+        <p:cNvPr id="1" name="Shape 59"/>
+        <p:cNvGrpSpPr/>
+        <p:nvPr/>
+      </p:nvGrpSpPr>
+      <p:grpSpPr>
+        <a:xfrm>
+          <a:off x="0" y="0"/>
+          <a:ext cx="0" cy="0"/>
+          <a:chOff x="0" y="0"/>
+          <a:chExt cx="0" cy="0"/>
+        </a:xfrm>
+      </p:grpSpPr>
+      <p:sp>
+        <p:nvSpPr>
+          <p:cNvPr id="60" name="Google Shape;60;p14"/>
+          <p:cNvSpPr txBox="1">
+            <a:spLocks noGrp="1"/>
+          </p:cNvSpPr>
+          <p:nvPr>
+            <p:ph type="title"/>
+          </p:nvPr>
+        </p:nvSpPr>
+        <p:spPr>
+          <a:xfrm>
+            <a:off x="415600" y="593367"/>
+            <a:ext cx="11360800" cy="763600"/>
+          </a:xfrm>
+          <a:prstGeom prst="rect">
+            <a:avLst/>
+          </a:prstGeom>
+        </p:spPr>
+        <p:txBody>
+          <a:bodyPr spcFirstLastPara="1" wrap="square" lIns="121900" tIns="121900" rIns="121900" bIns="121900" anchor="t" anchorCtr="0">
+            <a:normAutofit/>
+          </a:bodyPr>
+          <a:lstStyle/>
+          <a:p>
+            <a:r>
+              <a:rPr lang="en"/>
+              <a:t>What is BigBang</a:t>
+            </a:r>
+            <a:endParaRPr/>
+          </a:p>
+        </p:txBody>
+      </p:sp>
+      <p:sp>
+        <p:nvSpPr>
+          <p:cNvPr id="61" name="Google Shape;61;p14"/>
+          <p:cNvSpPr txBox="1">
+            <a:spLocks noGrp="1"/>
+          </p:cNvSpPr>
+          <p:nvPr>
+            <p:ph type="body" idx="1"/>
+          </p:nvPr>
+        </p:nvSpPr>
+        <p:spPr>
+          <a:xfrm>
+            <a:off x="415600" y="1536633"/>
+            <a:ext cx="11360800" cy="4555200"/>
+          </a:xfrm>
+          <a:prstGeom prst="rect">
+            <a:avLst/>
+          </a:prstGeom>
+        </p:spPr>
+        <p:txBody>
+          <a:bodyPr spcFirstLastPara="1" wrap="square" lIns="121900" tIns="121900" rIns="121900" bIns="121900" anchor="t" anchorCtr="0">
+            <a:normAutofit/>
+          </a:bodyPr>
+          <a:lstStyle/>
+          <a:p>
+            <a:r>
+              <a:rPr lang="en"/>
+              <a:t>A scientific toolkit for studying collaborative communities</a:t>
+            </a:r>
+            <a:br>
+              <a:rPr lang="en"/>
+            </a:br>
+            <a:endParaRPr/>
+          </a:p>
+          <a:p>
+            <a:r>
+              <a:rPr lang="en"/>
+              <a:t>Data sources: Email, Git repositories, </a:t>
+            </a:r>
+            <a:r>
+              <a:rPr lang="en">
+                <a:solidFill>
+                  <a:srgbClr val="0000FF"/>
+                </a:solidFill>
+              </a:rPr>
+              <a:t>IETF DataTracker</a:t>
+            </a:r>
+            <a:r>
+              <a:rPr lang="en"/>
+              <a:t>, </a:t>
+            </a:r>
+            <a:r>
+              <a:rPr lang="en">
+                <a:solidFill>
+                  <a:srgbClr val="4A86E8"/>
+                </a:solidFill>
+              </a:rPr>
+              <a:t>ListServ,</a:t>
+            </a:r>
+            <a:r>
+              <a:rPr lang="en"/>
+              <a:t> …</a:t>
+            </a:r>
+            <a:br>
+              <a:rPr lang="en"/>
+            </a:br>
+            <a:endParaRPr/>
+          </a:p>
+          <a:p>
+            <a:r>
+              <a:rPr lang="en"/>
+              <a:t>Data science tools: using Scientific Python stack</a:t>
+            </a:r>
+            <a:endParaRPr/>
+          </a:p>
+          <a:p>
+            <a:pPr lvl="1"/>
+            <a:r>
+              <a:rPr lang="en"/>
+              <a:t>Entity resolution for names and organizations</a:t>
+            </a:r>
+            <a:endParaRPr/>
+          </a:p>
+          <a:p>
+            <a:pPr lvl="1"/>
+            <a:r>
+              <a:rPr lang="en"/>
+              <a:t>Social network analysis</a:t>
+            </a:r>
+            <a:endParaRPr/>
+          </a:p>
+          <a:p>
+            <a:pPr lvl="1"/>
+            <a:r>
+              <a:rPr lang="en"/>
+              <a:t>Natural language processing on message content</a:t>
+            </a:r>
+            <a:endParaRPr/>
+          </a:p>
+          <a:p>
+            <a:pPr lvl="1"/>
+            <a:r>
+              <a:rPr lang="en"/>
+              <a:t>Time series analysis</a:t>
+            </a:r>
+            <a:endParaRPr/>
+          </a:p>
+          <a:p>
+            <a:pPr lvl="1">
+              <a:buClr>
+                <a:srgbClr val="4A86E8"/>
+              </a:buClr>
+            </a:pPr>
+            <a:r>
+              <a:rPr lang="en">
+                <a:solidFill>
+                  <a:srgbClr val="4A86E8"/>
+                </a:solidFill>
+              </a:rPr>
+              <a:t>Information extraction…</a:t>
+            </a:r>
+            <a:endParaRPr sz="1455"/>
+          </a:p>
+        </p:txBody>
+      </p:sp>
+      <p:pic>
+        <p:nvPicPr>
+          <p:cNvPr id="62" name="Google Shape;62;p14"/>
+          <p:cNvPicPr preferRelativeResize="0"/>
+          <p:nvPr/>
+        </p:nvPicPr>
+        <p:blipFill>
+          <a:blip r:embed="rId3">
+            <a:alphaModFix/>
+          </a:blip>
+          <a:stretch>
+            <a:fillRect/>
+          </a:stretch>
+        </p:blipFill>
+        <p:spPr>
+          <a:xfrm>
+            <a:off x="8871667" y="3744433"/>
+            <a:ext cx="2347400" cy="2347400"/>
+          </a:xfrm>
+          <a:prstGeom prst="rect">
+            <a:avLst/>
+          </a:prstGeom>
+          <a:noFill/>
+          <a:ln>
+            <a:noFill/>
+          </a:ln>
+        </p:spPr>
+      </p:pic>
+    </p:spTree>
+  </p:cSld>
+  <p:clrMapOvr>
+    <a:masterClrMapping/>
+  </p:clrMapOvr>
+</p:sld>
+</file>
+
+<file path=ppt/slides/slide14.xml><?xml version="1.0" encoding="utf-8"?>
+<p:sld xmlns:a="http://schemas.openxmlformats.org/drawingml/2006/main" xmlns:r="http://schemas.openxmlformats.org/officeDocument/2006/relationships" xmlns:p="http://schemas.openxmlformats.org/presentationml/2006/main">
+  <p:cSld>
+    <p:spTree>
+      <p:nvGrpSpPr>
+        <p:cNvPr id="1" name="Shape 66"/>
+        <p:cNvGrpSpPr/>
+        <p:nvPr/>
+      </p:nvGrpSpPr>
+      <p:grpSpPr>
+        <a:xfrm>
+          <a:off x="0" y="0"/>
+          <a:ext cx="0" cy="0"/>
+          <a:chOff x="0" y="0"/>
+          <a:chExt cx="0" cy="0"/>
+        </a:xfrm>
+      </p:grpSpPr>
+      <p:pic>
+        <p:nvPicPr>
+          <p:cNvPr id="67" name="Google Shape;67;p15"/>
+          <p:cNvPicPr preferRelativeResize="0"/>
+          <p:nvPr/>
+        </p:nvPicPr>
+        <p:blipFill>
+          <a:blip r:embed="rId3">
+            <a:alphaModFix/>
+          </a:blip>
+          <a:stretch>
+            <a:fillRect/>
+          </a:stretch>
+        </p:blipFill>
+        <p:spPr>
+          <a:xfrm>
+            <a:off x="864234" y="274301"/>
+            <a:ext cx="10463533" cy="5574401"/>
+          </a:xfrm>
+          <a:prstGeom prst="rect">
+            <a:avLst/>
+          </a:prstGeom>
+          <a:noFill/>
+          <a:ln>
+            <a:noFill/>
+          </a:ln>
+        </p:spPr>
+      </p:pic>
+      <p:sp>
+        <p:nvSpPr>
+          <p:cNvPr id="68" name="Google Shape;68;p15"/>
+          <p:cNvSpPr txBox="1"/>
+          <p:nvPr/>
+        </p:nvSpPr>
+        <p:spPr>
+          <a:xfrm>
+            <a:off x="709567" y="5979668"/>
+            <a:ext cx="11261200" cy="966378"/>
+          </a:xfrm>
+          <a:prstGeom prst="rect">
+            <a:avLst/>
+          </a:prstGeom>
+          <a:noFill/>
+          <a:ln>
+            <a:noFill/>
+          </a:ln>
+        </p:spPr>
+        <p:txBody>
+          <a:bodyPr spcFirstLastPara="1" wrap="square" lIns="121900" tIns="121900" rIns="121900" bIns="121900" anchor="t" anchorCtr="0">
+            <a:spAutoFit/>
+          </a:bodyPr>
+          <a:lstStyle/>
+          <a:p>
+            <a:pPr defTabSz="1219170">
+              <a:lnSpc>
+                <a:spcPct val="115000"/>
+              </a:lnSpc>
+              <a:spcAft>
+                <a:spcPts val="1600"/>
+              </a:spcAft>
+              <a:buClr>
+                <a:srgbClr val="000000"/>
+              </a:buClr>
+            </a:pPr>
+            <a:r>
+              <a:rPr lang="en" sz="1455" kern="0">
+                <a:solidFill>
+                  <a:srgbClr val="595959"/>
+                </a:solidFill>
+                <a:latin typeface="Arial"/>
+                <a:cs typeface="Arial"/>
+                <a:sym typeface="Arial"/>
+              </a:rPr>
+              <a:t>Sebastian Benthall (2015) “Testing Generative Models of Online Collaboration with BigBang.” Proceedings of the 14th Python in Science Conference, 175 - 181, 2015, Eds.Kathryn Huff and James Bergstra, 10.25080/Majora-7b98e3ed-01b</a:t>
+            </a:r>
+            <a:endParaRPr sz="1867" kern="0">
+              <a:solidFill>
+                <a:srgbClr val="000000"/>
+              </a:solidFill>
+              <a:latin typeface="Arial"/>
+              <a:cs typeface="Arial"/>
+              <a:sym typeface="Arial"/>
+            </a:endParaRPr>
+          </a:p>
+        </p:txBody>
+      </p:sp>
+    </p:spTree>
+  </p:cSld>
+  <p:clrMapOvr>
+    <a:masterClrMapping/>
+  </p:clrMapOvr>
+</p:sld>
+</file>
+
+<file path=ppt/slides/slide15.xml><?xml version="1.0" encoding="utf-8"?>
+<p:sld xmlns:a="http://schemas.openxmlformats.org/drawingml/2006/main" xmlns:r="http://schemas.openxmlformats.org/officeDocument/2006/relationships" xmlns:p="http://schemas.openxmlformats.org/presentationml/2006/main">
+  <p:cSld>
+    <p:spTree>
+      <p:nvGrpSpPr>
+        <p:cNvPr id="1" name="Shape 72"/>
+        <p:cNvGrpSpPr/>
+        <p:nvPr/>
+      </p:nvGrpSpPr>
+      <p:grpSpPr>
+        <a:xfrm>
+          <a:off x="0" y="0"/>
+          <a:ext cx="0" cy="0"/>
+          <a:chOff x="0" y="0"/>
+          <a:chExt cx="0" cy="0"/>
+        </a:xfrm>
+      </p:grpSpPr>
+      <p:sp>
+        <p:nvSpPr>
+          <p:cNvPr id="73" name="Google Shape;73;p16"/>
+          <p:cNvSpPr txBox="1">
+            <a:spLocks noGrp="1"/>
+          </p:cNvSpPr>
+          <p:nvPr>
+            <p:ph type="title"/>
+          </p:nvPr>
+        </p:nvSpPr>
+        <p:spPr>
+          <a:xfrm>
+            <a:off x="415600" y="593367"/>
+            <a:ext cx="11360800" cy="763600"/>
+          </a:xfrm>
+          <a:prstGeom prst="rect">
+            <a:avLst/>
+          </a:prstGeom>
+        </p:spPr>
+        <p:txBody>
+          <a:bodyPr spcFirstLastPara="1" wrap="square" lIns="121900" tIns="121900" rIns="121900" bIns="121900" anchor="t" anchorCtr="0">
+            <a:normAutofit/>
+          </a:bodyPr>
+          <a:lstStyle/>
+          <a:p>
+            <a:r>
+              <a:rPr lang="en"/>
+              <a:t>History</a:t>
+            </a:r>
+            <a:endParaRPr/>
+          </a:p>
+        </p:txBody>
+      </p:sp>
+      <p:sp>
+        <p:nvSpPr>
+          <p:cNvPr id="74" name="Google Shape;74;p16"/>
+          <p:cNvSpPr txBox="1">
+            <a:spLocks noGrp="1"/>
+          </p:cNvSpPr>
+          <p:nvPr>
+            <p:ph type="body" idx="1"/>
+          </p:nvPr>
+        </p:nvSpPr>
+        <p:spPr>
+          <a:xfrm>
+            <a:off x="415600" y="1536633"/>
+            <a:ext cx="11360800" cy="4555200"/>
+          </a:xfrm>
+          <a:prstGeom prst="rect">
+            <a:avLst/>
+          </a:prstGeom>
+        </p:spPr>
+        <p:txBody>
+          <a:bodyPr spcFirstLastPara="1" wrap="square" lIns="121900" tIns="121900" rIns="121900" bIns="121900" anchor="t" anchorCtr="0">
+            <a:normAutofit/>
+          </a:bodyPr>
+          <a:lstStyle/>
+          <a:p>
+            <a:pPr indent="-440256">
+              <a:buSzPts val="1600"/>
+            </a:pPr>
+            <a:r>
+              <a:rPr lang="en" sz="2133"/>
+              <a:t>2015 - Developed to study open collaborative communities.</a:t>
+            </a:r>
+            <a:endParaRPr sz="2133"/>
+          </a:p>
+          <a:p>
+            <a:pPr indent="-440256">
+              <a:buSzPts val="1600"/>
+            </a:pPr>
+            <a:r>
+              <a:rPr lang="en" sz="2133"/>
+              <a:t>2016 - adapted to study human rights advocacy in IETF and ICANN</a:t>
+            </a:r>
+            <a:endParaRPr sz="2133"/>
+          </a:p>
+          <a:p>
+            <a:pPr indent="-440256">
+              <a:buSzPts val="1600"/>
+            </a:pPr>
+            <a:r>
+              <a:rPr lang="en" sz="2133"/>
+              <a:t>2020 - Article 19 funds improvements to gender and affiliation detection, IETF datatracker and attendance ingest.</a:t>
+            </a:r>
+            <a:endParaRPr sz="2133"/>
+          </a:p>
+          <a:p>
+            <a:pPr indent="-440256">
+              <a:buSzPts val="1600"/>
+            </a:pPr>
+            <a:r>
+              <a:rPr lang="en" sz="2133"/>
+              <a:t>2021 - Article 19 sponsors BigBang Sprint at IETF 110.</a:t>
+            </a:r>
+            <a:endParaRPr sz="2133"/>
+          </a:p>
+          <a:p>
+            <a:pPr indent="-440256">
+              <a:buSzPts val="1600"/>
+            </a:pPr>
+            <a:r>
+              <a:rPr lang="en" sz="2133"/>
+              <a:t>2021 - BigBang awarded funding from Prototype Fund</a:t>
+            </a:r>
+            <a:endParaRPr sz="2133"/>
+          </a:p>
+        </p:txBody>
+      </p:sp>
+      <p:pic>
+        <p:nvPicPr>
+          <p:cNvPr id="75" name="Google Shape;75;p16"/>
+          <p:cNvPicPr preferRelativeResize="0"/>
+          <p:nvPr/>
+        </p:nvPicPr>
+        <p:blipFill>
+          <a:blip r:embed="rId3">
+            <a:alphaModFix/>
+          </a:blip>
+          <a:stretch>
+            <a:fillRect/>
+          </a:stretch>
+        </p:blipFill>
+        <p:spPr>
+          <a:xfrm>
+            <a:off x="557101" y="3935701"/>
+            <a:ext cx="11077801" cy="2922300"/>
+          </a:xfrm>
+          <a:prstGeom prst="rect">
+            <a:avLst/>
+          </a:prstGeom>
+          <a:noFill/>
+          <a:ln>
+            <a:noFill/>
+          </a:ln>
+        </p:spPr>
+      </p:pic>
+    </p:spTree>
+  </p:cSld>
+  <p:clrMapOvr>
+    <a:masterClrMapping/>
+  </p:clrMapOvr>
+</p:sld>
+</file>
+
+<file path=ppt/slides/slide16.xml><?xml version="1.0" encoding="utf-8"?>
+<p:sld xmlns:a="http://schemas.openxmlformats.org/drawingml/2006/main" xmlns:r="http://schemas.openxmlformats.org/officeDocument/2006/relationships" xmlns:p="http://schemas.openxmlformats.org/presentationml/2006/main">
+  <p:cSld>
+    <p:spTree>
+      <p:nvGrpSpPr>
+        <p:cNvPr id="1" name="Shape 79"/>
+        <p:cNvGrpSpPr/>
+        <p:nvPr/>
+      </p:nvGrpSpPr>
+      <p:grpSpPr>
+        <a:xfrm>
+          <a:off x="0" y="0"/>
+          <a:ext cx="0" cy="0"/>
+          <a:chOff x="0" y="0"/>
+          <a:chExt cx="0" cy="0"/>
+        </a:xfrm>
+      </p:grpSpPr>
+      <p:pic>
+        <p:nvPicPr>
+          <p:cNvPr id="80" name="Google Shape;80;p17"/>
+          <p:cNvPicPr preferRelativeResize="0"/>
+          <p:nvPr/>
+        </p:nvPicPr>
+        <p:blipFill>
+          <a:blip r:embed="rId3">
+            <a:alphaModFix/>
+          </a:blip>
+          <a:stretch>
+            <a:fillRect/>
+          </a:stretch>
+        </p:blipFill>
+        <p:spPr>
+          <a:xfrm>
+            <a:off x="221100" y="672510"/>
+            <a:ext cx="7960168" cy="4960655"/>
+          </a:xfrm>
+          <a:prstGeom prst="rect">
+            <a:avLst/>
+          </a:prstGeom>
+          <a:noFill/>
+          <a:ln>
+            <a:noFill/>
+          </a:ln>
+        </p:spPr>
+      </p:pic>
+      <p:pic>
+        <p:nvPicPr>
+          <p:cNvPr id="81" name="Google Shape;81;p17"/>
+          <p:cNvPicPr preferRelativeResize="0"/>
+          <p:nvPr/>
+        </p:nvPicPr>
+        <p:blipFill>
+          <a:blip r:embed="rId4">
+            <a:alphaModFix/>
+          </a:blip>
+          <a:stretch>
+            <a:fillRect/>
+          </a:stretch>
+        </p:blipFill>
+        <p:spPr>
+          <a:xfrm>
+            <a:off x="3290712" y="203196"/>
+            <a:ext cx="3115075" cy="1181573"/>
+          </a:xfrm>
+          <a:prstGeom prst="rect">
+            <a:avLst/>
+          </a:prstGeom>
+          <a:noFill/>
+          <a:ln>
+            <a:noFill/>
+          </a:ln>
+        </p:spPr>
+      </p:pic>
+      <p:pic>
+        <p:nvPicPr>
+          <p:cNvPr id="82" name="Google Shape;82;p17"/>
+          <p:cNvPicPr preferRelativeResize="0"/>
+          <p:nvPr/>
+        </p:nvPicPr>
+        <p:blipFill>
+          <a:blip r:embed="rId5">
+            <a:alphaModFix/>
+          </a:blip>
+          <a:stretch>
+            <a:fillRect/>
+          </a:stretch>
+        </p:blipFill>
+        <p:spPr>
+          <a:xfrm>
+            <a:off x="8212300" y="2856885"/>
+            <a:ext cx="3937000" cy="2070100"/>
+          </a:xfrm>
+          <a:prstGeom prst="rect">
+            <a:avLst/>
+          </a:prstGeom>
+          <a:noFill/>
+          <a:ln>
+            <a:noFill/>
+          </a:ln>
+        </p:spPr>
+      </p:pic>
+      <p:pic>
+        <p:nvPicPr>
+          <p:cNvPr id="83" name="Google Shape;83;p17"/>
+          <p:cNvPicPr preferRelativeResize="0"/>
+          <p:nvPr/>
+        </p:nvPicPr>
+        <p:blipFill>
+          <a:blip r:embed="rId6">
+            <a:alphaModFix/>
+          </a:blip>
+          <a:stretch>
+            <a:fillRect/>
+          </a:stretch>
+        </p:blipFill>
+        <p:spPr>
+          <a:xfrm>
+            <a:off x="8320251" y="672500"/>
+            <a:ext cx="3721100" cy="2184400"/>
+          </a:xfrm>
+          <a:prstGeom prst="rect">
+            <a:avLst/>
+          </a:prstGeom>
+          <a:noFill/>
+          <a:ln>
+            <a:noFill/>
+          </a:ln>
+        </p:spPr>
+      </p:pic>
+    </p:spTree>
+  </p:cSld>
+  <p:clrMapOvr>
+    <a:masterClrMapping/>
+  </p:clrMapOvr>
+</p:sld>
+</file>
+
+<file path=ppt/slides/slide17.xml><?xml version="1.0" encoding="utf-8"?>
+<p:sld xmlns:a="http://schemas.openxmlformats.org/drawingml/2006/main" xmlns:r="http://schemas.openxmlformats.org/officeDocument/2006/relationships" xmlns:p="http://schemas.openxmlformats.org/presentationml/2006/main">
+  <p:cSld>
+    <p:spTree>
+      <p:nvGrpSpPr>
+        <p:cNvPr id="1" name="Shape 87"/>
+        <p:cNvGrpSpPr/>
+        <p:nvPr/>
+      </p:nvGrpSpPr>
+      <p:grpSpPr>
+        <a:xfrm>
+          <a:off x="0" y="0"/>
+          <a:ext cx="0" cy="0"/>
+          <a:chOff x="0" y="0"/>
+          <a:chExt cx="0" cy="0"/>
+        </a:xfrm>
+      </p:grpSpPr>
+      <p:sp>
+        <p:nvSpPr>
+          <p:cNvPr id="88" name="Google Shape;88;p18"/>
+          <p:cNvSpPr txBox="1">
+            <a:spLocks noGrp="1"/>
+          </p:cNvSpPr>
+          <p:nvPr>
+            <p:ph type="title"/>
+          </p:nvPr>
+        </p:nvSpPr>
+        <p:spPr>
+          <a:xfrm>
+            <a:off x="415600" y="593367"/>
+            <a:ext cx="11360800" cy="763600"/>
+          </a:xfrm>
+          <a:prstGeom prst="rect">
+            <a:avLst/>
+          </a:prstGeom>
+        </p:spPr>
+        <p:txBody>
+          <a:bodyPr spcFirstLastPara="1" wrap="square" lIns="121900" tIns="121900" rIns="121900" bIns="121900" anchor="t" anchorCtr="0">
+            <a:normAutofit/>
+          </a:bodyPr>
+          <a:lstStyle/>
+          <a:p>
+            <a:r>
+              <a:rPr lang="en"/>
+              <a:t>Individual vs. Organizations in IETF</a:t>
+            </a:r>
+            <a:endParaRPr/>
+          </a:p>
+        </p:txBody>
+      </p:sp>
+      <p:sp>
+        <p:nvSpPr>
+          <p:cNvPr id="89" name="Google Shape;89;p18"/>
+          <p:cNvSpPr txBox="1">
+            <a:spLocks noGrp="1"/>
+          </p:cNvSpPr>
+          <p:nvPr>
+            <p:ph type="body" idx="1"/>
+          </p:nvPr>
+        </p:nvSpPr>
+        <p:spPr>
+          <a:xfrm>
+            <a:off x="415600" y="1536633"/>
+            <a:ext cx="11360800" cy="4555200"/>
+          </a:xfrm>
+          <a:prstGeom prst="rect">
+            <a:avLst/>
+          </a:prstGeom>
+        </p:spPr>
+        <p:txBody>
+          <a:bodyPr spcFirstLastPara="1" wrap="square" lIns="121900" tIns="121900" rIns="121900" bIns="121900" anchor="t" anchorCtr="0">
+            <a:normAutofit fontScale="85000" lnSpcReduction="10000"/>
+          </a:bodyPr>
+          <a:lstStyle/>
+          <a:p>
+            <a:pPr marL="0" indent="0">
+              <a:buNone/>
+            </a:pPr>
+            <a:r>
+              <a:rPr lang="en" sz="2067">
+                <a:solidFill>
+                  <a:schemeClr val="dk1"/>
+                </a:solidFill>
+              </a:rPr>
+              <a:t>“Participation in the IETF or of its WGs is not fee-based or organizationally defined, but is based upon self-identification and active participation by individuals.” - Tao of IETF</a:t>
+            </a:r>
+            <a:endParaRPr sz="2067">
+              <a:solidFill>
+                <a:schemeClr val="dk1"/>
+              </a:solidFill>
+            </a:endParaRPr>
+          </a:p>
+          <a:p>
+            <a:pPr marL="0" indent="0">
+              <a:spcBef>
+                <a:spcPts val="1600"/>
+              </a:spcBef>
+              <a:buNone/>
+            </a:pPr>
+            <a:r>
+              <a:rPr lang="en" sz="2067">
+                <a:solidFill>
+                  <a:schemeClr val="dk1"/>
+                </a:solidFill>
+              </a:rPr>
+              <a:t>Are the participants in IETF acting as individuals, or as parts of organizations (like companies?)</a:t>
+            </a:r>
+            <a:endParaRPr sz="2067">
+              <a:solidFill>
+                <a:schemeClr val="dk1"/>
+              </a:solidFill>
+            </a:endParaRPr>
+          </a:p>
+          <a:p>
+            <a:pPr marL="0" indent="0">
+              <a:spcBef>
+                <a:spcPts val="1600"/>
+              </a:spcBef>
+              <a:buNone/>
+            </a:pPr>
+            <a:r>
+              <a:rPr lang="en" sz="2067">
+                <a:solidFill>
+                  <a:srgbClr val="FF0000"/>
+                </a:solidFill>
+              </a:rPr>
+              <a:t>Normative</a:t>
+            </a:r>
+            <a:r>
+              <a:rPr lang="en" sz="2067">
+                <a:solidFill>
+                  <a:schemeClr val="dk1"/>
+                </a:solidFill>
+              </a:rPr>
+              <a:t> questions, like:</a:t>
+            </a:r>
+            <a:endParaRPr sz="2067">
+              <a:solidFill>
+                <a:schemeClr val="dk1"/>
+              </a:solidFill>
+            </a:endParaRPr>
+          </a:p>
+          <a:p>
+            <a:pPr indent="-426180">
+              <a:spcBef>
+                <a:spcPts val="1600"/>
+              </a:spcBef>
+              <a:buClr>
+                <a:schemeClr val="dk1"/>
+              </a:buClr>
+              <a:buSzPct val="100000"/>
+            </a:pPr>
+            <a:r>
+              <a:rPr lang="en" sz="2067">
+                <a:solidFill>
+                  <a:schemeClr val="dk1"/>
+                </a:solidFill>
+              </a:rPr>
+              <a:t>Are individuals better stewards of the public interest than commercial organizations?</a:t>
+            </a:r>
+            <a:br>
+              <a:rPr lang="en" sz="2067">
+                <a:solidFill>
+                  <a:schemeClr val="dk1"/>
+                </a:solidFill>
+              </a:rPr>
+            </a:br>
+            <a:endParaRPr sz="2067">
+              <a:solidFill>
+                <a:schemeClr val="dk1"/>
+              </a:solidFill>
+            </a:endParaRPr>
+          </a:p>
+          <a:p>
+            <a:pPr marL="0" indent="0">
+              <a:spcBef>
+                <a:spcPts val="1600"/>
+              </a:spcBef>
+              <a:buNone/>
+            </a:pPr>
+            <a:r>
+              <a:rPr lang="en" sz="2067">
+                <a:solidFill>
+                  <a:schemeClr val="dk1"/>
+                </a:solidFill>
+              </a:rPr>
+              <a:t>A related, </a:t>
+            </a:r>
+            <a:r>
+              <a:rPr lang="en" sz="2067" i="1">
+                <a:solidFill>
+                  <a:srgbClr val="0000FF"/>
+                </a:solidFill>
+              </a:rPr>
+              <a:t>descriptive</a:t>
+            </a:r>
+            <a:r>
+              <a:rPr lang="en" sz="2067">
+                <a:solidFill>
+                  <a:schemeClr val="dk1"/>
+                </a:solidFill>
+              </a:rPr>
+              <a:t>, question:</a:t>
+            </a:r>
+            <a:endParaRPr sz="2067">
+              <a:solidFill>
+                <a:schemeClr val="dk1"/>
+              </a:solidFill>
+            </a:endParaRPr>
+          </a:p>
+          <a:p>
+            <a:pPr indent="-426180">
+              <a:spcBef>
+                <a:spcPts val="1600"/>
+              </a:spcBef>
+              <a:buClr>
+                <a:schemeClr val="dk1"/>
+              </a:buClr>
+              <a:buSzPct val="100000"/>
+            </a:pPr>
+            <a:r>
+              <a:rPr lang="en" sz="2067">
+                <a:solidFill>
+                  <a:schemeClr val="dk1"/>
+                </a:solidFill>
+              </a:rPr>
+              <a:t>How to determine when individuals are acting independently vs. as part of an organizational action.</a:t>
+            </a:r>
+            <a:br>
+              <a:rPr lang="en" sz="2067">
+                <a:solidFill>
+                  <a:schemeClr val="dk1"/>
+                </a:solidFill>
+              </a:rPr>
+            </a:br>
+            <a:endParaRPr sz="2067">
+              <a:solidFill>
+                <a:schemeClr val="dk1"/>
+              </a:solidFill>
+            </a:endParaRPr>
+          </a:p>
+          <a:p>
+            <a:pPr marL="0" indent="0">
+              <a:spcBef>
+                <a:spcPts val="1600"/>
+              </a:spcBef>
+              <a:spcAft>
+                <a:spcPts val="1600"/>
+              </a:spcAft>
+              <a:buNone/>
+            </a:pPr>
+            <a:r>
+              <a:rPr lang="en" sz="2067">
+                <a:solidFill>
+                  <a:schemeClr val="dk1"/>
+                </a:solidFill>
+              </a:rPr>
+              <a:t>This is about how to do empirical work that spans </a:t>
+            </a:r>
+            <a:r>
+              <a:rPr lang="en" sz="2067" i="1">
+                <a:solidFill>
+                  <a:schemeClr val="dk1"/>
+                </a:solidFill>
+              </a:rPr>
+              <a:t>levels of abstraction</a:t>
+            </a:r>
+            <a:r>
+              <a:rPr lang="en" sz="2067">
+                <a:solidFill>
+                  <a:schemeClr val="dk1"/>
+                </a:solidFill>
+              </a:rPr>
+              <a:t>.</a:t>
+            </a:r>
+            <a:endParaRPr sz="2067">
+              <a:solidFill>
+                <a:schemeClr val="dk1"/>
+              </a:solidFill>
+            </a:endParaRPr>
+          </a:p>
+        </p:txBody>
+      </p:sp>
+    </p:spTree>
+  </p:cSld>
+  <p:clrMapOvr>
+    <a:masterClrMapping/>
+  </p:clrMapOvr>
+</p:sld>
+</file>
+
+<file path=ppt/slides/slide18.xml><?xml version="1.0" encoding="utf-8"?>
+<p:sld xmlns:a="http://schemas.openxmlformats.org/drawingml/2006/main" xmlns:r="http://schemas.openxmlformats.org/officeDocument/2006/relationships" xmlns:p="http://schemas.openxmlformats.org/presentationml/2006/main">
+  <p:cSld>
+    <p:spTree>
+      <p:nvGrpSpPr>
+        <p:cNvPr id="1" name="Shape 93"/>
+        <p:cNvGrpSpPr/>
+        <p:nvPr/>
+      </p:nvGrpSpPr>
+      <p:grpSpPr>
+        <a:xfrm>
+          <a:off x="0" y="0"/>
+          <a:ext cx="0" cy="0"/>
+          <a:chOff x="0" y="0"/>
+          <a:chExt cx="0" cy="0"/>
+        </a:xfrm>
+      </p:grpSpPr>
+      <p:sp>
+        <p:nvSpPr>
+          <p:cNvPr id="94" name="Google Shape;94;p19"/>
+          <p:cNvSpPr txBox="1">
+            <a:spLocks noGrp="1"/>
+          </p:cNvSpPr>
+          <p:nvPr>
+            <p:ph type="title"/>
+          </p:nvPr>
+        </p:nvSpPr>
+        <p:spPr>
+          <a:xfrm>
+            <a:off x="415600" y="593367"/>
+            <a:ext cx="11360800" cy="763600"/>
+          </a:xfrm>
+          <a:prstGeom prst="rect">
+            <a:avLst/>
+          </a:prstGeom>
+        </p:spPr>
+        <p:txBody>
+          <a:bodyPr spcFirstLastPara="1" wrap="square" lIns="121900" tIns="121900" rIns="121900" bIns="121900" anchor="t" anchorCtr="0">
+            <a:normAutofit/>
+          </a:bodyPr>
+          <a:lstStyle/>
+          <a:p>
+            <a:r>
+              <a:rPr lang="en"/>
+              <a:t>Tools, data, and methods</a:t>
+            </a:r>
+            <a:endParaRPr/>
+          </a:p>
+        </p:txBody>
+      </p:sp>
+      <p:sp>
+        <p:nvSpPr>
+          <p:cNvPr id="95" name="Google Shape;95;p19"/>
+          <p:cNvSpPr txBox="1">
+            <a:spLocks noGrp="1"/>
+          </p:cNvSpPr>
+          <p:nvPr>
+            <p:ph type="body" idx="1"/>
+          </p:nvPr>
+        </p:nvSpPr>
+        <p:spPr>
+          <a:xfrm>
+            <a:off x="415600" y="1536633"/>
+            <a:ext cx="7765600" cy="4555200"/>
+          </a:xfrm>
+          <a:prstGeom prst="rect">
+            <a:avLst/>
+          </a:prstGeom>
+        </p:spPr>
+        <p:txBody>
+          <a:bodyPr spcFirstLastPara="1" wrap="square" lIns="121900" tIns="121900" rIns="121900" bIns="121900" anchor="t" anchorCtr="0">
+            <a:normAutofit/>
+          </a:bodyPr>
+          <a:lstStyle/>
+          <a:p>
+            <a:r>
+              <a:rPr lang="en"/>
+              <a:t>Using BigBang for mailing list analysis</a:t>
+            </a:r>
+            <a:endParaRPr/>
+          </a:p>
+          <a:p>
+            <a:pPr lvl="1"/>
+            <a:r>
+              <a:rPr lang="en"/>
+              <a:t>Getting participation in discussion outside of drafting</a:t>
+            </a:r>
+            <a:br>
+              <a:rPr lang="en"/>
+            </a:br>
+            <a:endParaRPr/>
+          </a:p>
+          <a:p>
+            <a:r>
+              <a:rPr lang="en"/>
+              <a:t>This data is organized along multiple levels of abstraction.</a:t>
+            </a:r>
+            <a:endParaRPr/>
+          </a:p>
+          <a:p>
+            <a:pPr marL="0" indent="0">
+              <a:spcBef>
+                <a:spcPts val="1600"/>
+              </a:spcBef>
+              <a:spcAft>
+                <a:spcPts val="1600"/>
+              </a:spcAft>
+              <a:buNone/>
+            </a:pPr>
+            <a:endParaRPr/>
+          </a:p>
+        </p:txBody>
+      </p:sp>
+      <p:graphicFrame>
+        <p:nvGraphicFramePr>
+          <p:cNvPr id="96" name="Google Shape;96;p19"/>
+          <p:cNvGraphicFramePr/>
+          <p:nvPr>
+            <p:extLst>
+              <p:ext uri="{D42A27DB-BD31-4B8C-83A1-F6EECF244321}">
+                <p14:modId xmlns:p14="http://schemas.microsoft.com/office/powerpoint/2010/main" val="1970976312"/>
+              </p:ext>
+            </p:extLst>
+          </p:nvPr>
+        </p:nvGraphicFramePr>
+        <p:xfrm>
+          <a:off x="1270000" y="3288425"/>
+          <a:ext cx="9652000" cy="3495351"/>
+        </p:xfrm>
+        <a:graphic>
+          <a:graphicData uri="http://schemas.openxmlformats.org/drawingml/2006/table">
+            <a:tbl>
+              <a:tblPr>
+                <a:noFill/>
+              </a:tblPr>
+              <a:tblGrid>
+                <a:gridCol w="2413000">
+                  <a:extLst>
+                    <a:ext uri="{9D8B030D-6E8A-4147-A177-3AD203B41FA5}">
+                      <a16:colId xmlns:a16="http://schemas.microsoft.com/office/drawing/2014/main" val="20000"/>
+                    </a:ext>
+                  </a:extLst>
+                </a:gridCol>
+                <a:gridCol w="2413000">
+                  <a:extLst>
+                    <a:ext uri="{9D8B030D-6E8A-4147-A177-3AD203B41FA5}">
+                      <a16:colId xmlns:a16="http://schemas.microsoft.com/office/drawing/2014/main" val="20001"/>
+                    </a:ext>
+                  </a:extLst>
+                </a:gridCol>
+                <a:gridCol w="2413000">
+                  <a:extLst>
+                    <a:ext uri="{9D8B030D-6E8A-4147-A177-3AD203B41FA5}">
+                      <a16:colId xmlns:a16="http://schemas.microsoft.com/office/drawing/2014/main" val="20002"/>
+                    </a:ext>
+                  </a:extLst>
+                </a:gridCol>
+                <a:gridCol w="2413000">
+                  <a:extLst>
+                    <a:ext uri="{9D8B030D-6E8A-4147-A177-3AD203B41FA5}">
+                      <a16:colId xmlns:a16="http://schemas.microsoft.com/office/drawing/2014/main" val="20003"/>
+                    </a:ext>
+                  </a:extLst>
+                </a:gridCol>
+              </a:tblGrid>
+              <a:tr h="1002583">
+                <a:tc gridSpan="2">
+                  <a:txBody>
+                    <a:bodyPr/>
+                    <a:lstStyle/>
+                    <a:p>
+                      <a:pPr marL="0" lvl="0" indent="0" algn="l" rtl="0">
+                        <a:spcBef>
+                          <a:spcPts val="0"/>
+                        </a:spcBef>
+                        <a:spcAft>
+                          <a:spcPts val="0"/>
+                        </a:spcAft>
+                        <a:buNone/>
+                      </a:pPr>
+                      <a:r>
+                        <a:rPr lang="en" sz="2200"/>
+                        <a:t>Email Addresses</a:t>
+                      </a:r>
+                      <a:endParaRPr sz="2200"/>
+                    </a:p>
+                  </a:txBody>
+                  <a:tcPr marL="121900" marR="121900" marT="121900" marB="121900"/>
+                </a:tc>
+                <a:tc hMerge="1">
+                  <a:txBody>
+                    <a:bodyPr/>
+                    <a:lstStyle/>
+                    <a:p>
+                      <a:endParaRPr lang="en-FI"/>
+                    </a:p>
+                  </a:txBody>
+                  <a:tcPr/>
+                </a:tc>
+                <a:tc>
+                  <a:txBody>
+                    <a:bodyPr/>
+                    <a:lstStyle/>
+                    <a:p>
+                      <a:pPr marL="0" lvl="0" indent="0" algn="l" rtl="0">
+                        <a:spcBef>
+                          <a:spcPts val="0"/>
+                        </a:spcBef>
+                        <a:spcAft>
+                          <a:spcPts val="0"/>
+                        </a:spcAft>
+                        <a:buNone/>
+                      </a:pPr>
+                      <a:r>
+                        <a:rPr lang="en" sz="2200"/>
+                        <a:t>Working Group 1</a:t>
+                      </a:r>
+                      <a:endParaRPr sz="2200"/>
+                    </a:p>
+                  </a:txBody>
+                  <a:tcPr marL="121900" marR="121900" marT="121900" marB="121900"/>
+                </a:tc>
+                <a:tc>
+                  <a:txBody>
+                    <a:bodyPr/>
+                    <a:lstStyle/>
+                    <a:p>
+                      <a:pPr marL="0" lvl="0" indent="0" algn="l" rtl="0">
+                        <a:spcBef>
+                          <a:spcPts val="0"/>
+                        </a:spcBef>
+                        <a:spcAft>
+                          <a:spcPts val="0"/>
+                        </a:spcAft>
+                        <a:buNone/>
+                      </a:pPr>
+                      <a:r>
+                        <a:rPr lang="en" sz="2200"/>
+                        <a:t>Working Group 2</a:t>
+                      </a:r>
+                      <a:endParaRPr sz="2200"/>
+                    </a:p>
+                  </a:txBody>
+                  <a:tcPr marL="121900" marR="121900" marT="121900" marB="121900"/>
+                </a:tc>
+                <a:extLst>
+                  <a:ext uri="{0D108BD9-81ED-4DB2-BD59-A6C34878D82A}">
+                    <a16:rowId xmlns:a16="http://schemas.microsoft.com/office/drawing/2014/main" val="10000"/>
+                  </a:ext>
+                </a:extLst>
+              </a:tr>
+              <a:tr h="623192">
+                <a:tc>
+                  <a:txBody>
+                    <a:bodyPr/>
+                    <a:lstStyle/>
+                    <a:p>
+                      <a:pPr marL="0" lvl="0" indent="0" algn="l" rtl="0">
+                        <a:spcBef>
+                          <a:spcPts val="0"/>
+                        </a:spcBef>
+                        <a:spcAft>
+                          <a:spcPts val="0"/>
+                        </a:spcAft>
+                        <a:buNone/>
+                      </a:pPr>
+                      <a:r>
+                        <a:rPr lang="en" sz="2200"/>
+                        <a:t>prefix_a</a:t>
+                      </a:r>
+                      <a:endParaRPr sz="2200"/>
+                    </a:p>
+                  </a:txBody>
+                  <a:tcPr marL="121900" marR="121900" marT="121900" marB="121900"/>
+                </a:tc>
+                <a:tc rowSpan="2">
+                  <a:txBody>
+                    <a:bodyPr/>
+                    <a:lstStyle/>
+                    <a:p>
+                      <a:pPr marL="0" lvl="0" indent="0" algn="l" rtl="0">
+                        <a:spcBef>
+                          <a:spcPts val="0"/>
+                        </a:spcBef>
+                        <a:spcAft>
+                          <a:spcPts val="0"/>
+                        </a:spcAft>
+                        <a:buNone/>
+                      </a:pPr>
+                      <a:r>
+                        <a:rPr lang="en" sz="2200"/>
+                        <a:t>@domain_x.com</a:t>
+                      </a:r>
+                      <a:endParaRPr sz="2200"/>
+                    </a:p>
+                  </a:txBody>
+                  <a:tcPr marL="121900" marR="121900" marT="121900" marB="121900"/>
+                </a:tc>
+                <a:tc>
+                  <a:txBody>
+                    <a:bodyPr/>
+                    <a:lstStyle/>
+                    <a:p>
+                      <a:pPr marL="0" lvl="0" indent="0" algn="l" rtl="0">
+                        <a:spcBef>
+                          <a:spcPts val="0"/>
+                        </a:spcBef>
+                        <a:spcAft>
+                          <a:spcPts val="0"/>
+                        </a:spcAft>
+                        <a:buNone/>
+                      </a:pPr>
+                      <a:r>
+                        <a:rPr lang="en" sz="2200"/>
+                        <a:t>250</a:t>
+                      </a:r>
+                      <a:endParaRPr sz="2200"/>
+                    </a:p>
+                  </a:txBody>
+                  <a:tcPr marL="121900" marR="121900" marT="121900" marB="121900"/>
+                </a:tc>
+                <a:tc>
+                  <a:txBody>
+                    <a:bodyPr/>
+                    <a:lstStyle/>
+                    <a:p>
+                      <a:pPr marL="0" lvl="0" indent="0" algn="l" rtl="0">
+                        <a:spcBef>
+                          <a:spcPts val="0"/>
+                        </a:spcBef>
+                        <a:spcAft>
+                          <a:spcPts val="0"/>
+                        </a:spcAft>
+                        <a:buNone/>
+                      </a:pPr>
+                      <a:r>
+                        <a:rPr lang="en" sz="2200"/>
+                        <a:t>10</a:t>
+                      </a:r>
+                      <a:endParaRPr sz="2200"/>
+                    </a:p>
+                  </a:txBody>
+                  <a:tcPr marL="121900" marR="121900" marT="121900" marB="121900"/>
+                </a:tc>
+                <a:extLst>
+                  <a:ext uri="{0D108BD9-81ED-4DB2-BD59-A6C34878D82A}">
+                    <a16:rowId xmlns:a16="http://schemas.microsoft.com/office/drawing/2014/main" val="10001"/>
+                  </a:ext>
+                </a:extLst>
+              </a:tr>
+              <a:tr h="623192">
+                <a:tc>
+                  <a:txBody>
+                    <a:bodyPr/>
+                    <a:lstStyle/>
+                    <a:p>
+                      <a:pPr marL="0" lvl="0" indent="0" algn="l" rtl="0">
+                        <a:spcBef>
+                          <a:spcPts val="0"/>
+                        </a:spcBef>
+                        <a:spcAft>
+                          <a:spcPts val="0"/>
+                        </a:spcAft>
+                        <a:buNone/>
+                      </a:pPr>
+                      <a:r>
+                        <a:rPr lang="en" sz="2200"/>
+                        <a:t>prefix_b</a:t>
+                      </a:r>
+                      <a:endParaRPr sz="2200"/>
+                    </a:p>
+                  </a:txBody>
+                  <a:tcPr marL="121900" marR="121900" marT="121900" marB="121900"/>
+                </a:tc>
+                <a:tc vMerge="1">
+                  <a:txBody>
+                    <a:bodyPr/>
+                    <a:lstStyle/>
+                    <a:p>
+                      <a:endParaRPr lang="en-FI"/>
+                    </a:p>
+                  </a:txBody>
+                  <a:tcPr/>
+                </a:tc>
+                <a:tc>
+                  <a:txBody>
+                    <a:bodyPr/>
+                    <a:lstStyle/>
+                    <a:p>
+                      <a:pPr marL="0" lvl="0" indent="0" algn="l" rtl="0">
+                        <a:spcBef>
+                          <a:spcPts val="0"/>
+                        </a:spcBef>
+                        <a:spcAft>
+                          <a:spcPts val="0"/>
+                        </a:spcAft>
+                        <a:buNone/>
+                      </a:pPr>
+                      <a:r>
+                        <a:rPr lang="en" sz="2200"/>
+                        <a:t>1</a:t>
+                      </a:r>
+                      <a:endParaRPr sz="2200"/>
+                    </a:p>
+                  </a:txBody>
+                  <a:tcPr marL="121900" marR="121900" marT="121900" marB="121900"/>
+                </a:tc>
+                <a:tc>
+                  <a:txBody>
+                    <a:bodyPr/>
+                    <a:lstStyle/>
+                    <a:p>
+                      <a:pPr marL="0" lvl="0" indent="0" algn="l" rtl="0">
+                        <a:spcBef>
+                          <a:spcPts val="0"/>
+                        </a:spcBef>
+                        <a:spcAft>
+                          <a:spcPts val="0"/>
+                        </a:spcAft>
+                        <a:buNone/>
+                      </a:pPr>
+                      <a:r>
+                        <a:rPr lang="en" sz="2200"/>
+                        <a:t>50</a:t>
+                      </a:r>
+                      <a:endParaRPr sz="2200"/>
+                    </a:p>
+                  </a:txBody>
+                  <a:tcPr marL="121900" marR="121900" marT="121900" marB="121900"/>
+                </a:tc>
+                <a:extLst>
+                  <a:ext uri="{0D108BD9-81ED-4DB2-BD59-A6C34878D82A}">
+                    <a16:rowId xmlns:a16="http://schemas.microsoft.com/office/drawing/2014/main" val="10002"/>
+                  </a:ext>
+                </a:extLst>
+              </a:tr>
+              <a:tr h="623192">
+                <a:tc>
+                  <a:txBody>
+                    <a:bodyPr/>
+                    <a:lstStyle/>
+                    <a:p>
+                      <a:pPr marL="0" lvl="0" indent="0" algn="l" rtl="0">
+                        <a:spcBef>
+                          <a:spcPts val="0"/>
+                        </a:spcBef>
+                        <a:spcAft>
+                          <a:spcPts val="0"/>
+                        </a:spcAft>
+                        <a:buNone/>
+                      </a:pPr>
+                      <a:r>
+                        <a:rPr lang="en" sz="2200"/>
+                        <a:t>prefix_c</a:t>
+                      </a:r>
+                      <a:endParaRPr sz="2200"/>
+                    </a:p>
+                  </a:txBody>
+                  <a:tcPr marL="121900" marR="121900" marT="121900" marB="121900"/>
+                </a:tc>
+                <a:tc rowSpan="2">
+                  <a:txBody>
+                    <a:bodyPr/>
+                    <a:lstStyle/>
+                    <a:p>
+                      <a:pPr marL="0" lvl="0" indent="0" algn="l" rtl="0">
+                        <a:spcBef>
+                          <a:spcPts val="0"/>
+                        </a:spcBef>
+                        <a:spcAft>
+                          <a:spcPts val="0"/>
+                        </a:spcAft>
+                        <a:buNone/>
+                      </a:pPr>
+                      <a:r>
+                        <a:rPr lang="en" sz="2200" dirty="0"/>
+                        <a:t>@</a:t>
+                      </a:r>
+                      <a:r>
+                        <a:rPr lang="en" sz="2200" dirty="0" err="1"/>
+                        <a:t>domain_y.org</a:t>
+                      </a:r>
+                      <a:endParaRPr sz="2200" dirty="0"/>
+                    </a:p>
+                  </a:txBody>
+                  <a:tcPr marL="121900" marR="121900" marT="121900" marB="121900"/>
+                </a:tc>
+                <a:tc>
+                  <a:txBody>
+                    <a:bodyPr/>
+                    <a:lstStyle/>
+                    <a:p>
+                      <a:pPr marL="0" lvl="0" indent="0" algn="l" rtl="0">
+                        <a:spcBef>
+                          <a:spcPts val="0"/>
+                        </a:spcBef>
+                        <a:spcAft>
+                          <a:spcPts val="0"/>
+                        </a:spcAft>
+                        <a:buNone/>
+                      </a:pPr>
+                      <a:r>
+                        <a:rPr lang="en" sz="2200"/>
+                        <a:t>150</a:t>
+                      </a:r>
+                      <a:endParaRPr sz="2200"/>
+                    </a:p>
+                  </a:txBody>
+                  <a:tcPr marL="121900" marR="121900" marT="121900" marB="121900"/>
+                </a:tc>
+                <a:tc>
+                  <a:txBody>
+                    <a:bodyPr/>
+                    <a:lstStyle/>
+                    <a:p>
+                      <a:pPr marL="0" lvl="0" indent="0" algn="l" rtl="0">
+                        <a:spcBef>
+                          <a:spcPts val="0"/>
+                        </a:spcBef>
+                        <a:spcAft>
+                          <a:spcPts val="0"/>
+                        </a:spcAft>
+                        <a:buNone/>
+                      </a:pPr>
+                      <a:r>
+                        <a:rPr lang="en" sz="2200"/>
+                        <a:t>20</a:t>
+                      </a:r>
+                      <a:endParaRPr sz="2200"/>
+                    </a:p>
+                  </a:txBody>
+                  <a:tcPr marL="121900" marR="121900" marT="121900" marB="121900"/>
+                </a:tc>
+                <a:extLst>
+                  <a:ext uri="{0D108BD9-81ED-4DB2-BD59-A6C34878D82A}">
+                    <a16:rowId xmlns:a16="http://schemas.microsoft.com/office/drawing/2014/main" val="10003"/>
+                  </a:ext>
+                </a:extLst>
+              </a:tr>
+              <a:tr h="623192">
+                <a:tc>
+                  <a:txBody>
+                    <a:bodyPr/>
+                    <a:lstStyle/>
+                    <a:p>
+                      <a:pPr marL="0" lvl="0" indent="0" algn="l" rtl="0">
+                        <a:spcBef>
+                          <a:spcPts val="0"/>
+                        </a:spcBef>
+                        <a:spcAft>
+                          <a:spcPts val="0"/>
+                        </a:spcAft>
+                        <a:buNone/>
+                      </a:pPr>
+                      <a:r>
+                        <a:rPr lang="en" sz="2200"/>
+                        <a:t>prefix_d</a:t>
+                      </a:r>
+                      <a:endParaRPr sz="2200"/>
+                    </a:p>
+                  </a:txBody>
+                  <a:tcPr marL="121900" marR="121900" marT="121900" marB="121900"/>
+                </a:tc>
+                <a:tc vMerge="1">
+                  <a:txBody>
+                    <a:bodyPr/>
+                    <a:lstStyle/>
+                    <a:p>
+                      <a:endParaRPr lang="en-FI"/>
+                    </a:p>
+                  </a:txBody>
+                  <a:tcPr/>
+                </a:tc>
+                <a:tc>
+                  <a:txBody>
+                    <a:bodyPr/>
+                    <a:lstStyle/>
+                    <a:p>
+                      <a:pPr marL="0" lvl="0" indent="0" algn="l" rtl="0">
+                        <a:spcBef>
+                          <a:spcPts val="0"/>
+                        </a:spcBef>
+                        <a:spcAft>
+                          <a:spcPts val="0"/>
+                        </a:spcAft>
+                        <a:buNone/>
+                      </a:pPr>
+                      <a:r>
+                        <a:rPr lang="en" sz="2200"/>
+                        <a:t>100</a:t>
+                      </a:r>
+                      <a:endParaRPr sz="2200"/>
+                    </a:p>
+                  </a:txBody>
+                  <a:tcPr marL="121900" marR="121900" marT="121900" marB="121900"/>
+                </a:tc>
+                <a:tc>
+                  <a:txBody>
+                    <a:bodyPr/>
+                    <a:lstStyle/>
+                    <a:p>
+                      <a:pPr marL="0" lvl="0" indent="0" algn="l" rtl="0">
+                        <a:spcBef>
+                          <a:spcPts val="0"/>
+                        </a:spcBef>
+                        <a:spcAft>
+                          <a:spcPts val="0"/>
+                        </a:spcAft>
+                        <a:buNone/>
+                      </a:pPr>
+                      <a:r>
+                        <a:rPr lang="en" sz="2200" dirty="0"/>
+                        <a:t>30</a:t>
+                      </a:r>
+                      <a:endParaRPr sz="2200" dirty="0"/>
+                    </a:p>
+                  </a:txBody>
+                  <a:tcPr marL="121900" marR="121900" marT="121900" marB="121900"/>
+                </a:tc>
+                <a:extLst>
+                  <a:ext uri="{0D108BD9-81ED-4DB2-BD59-A6C34878D82A}">
+                    <a16:rowId xmlns:a16="http://schemas.microsoft.com/office/drawing/2014/main" val="10004"/>
+                  </a:ext>
+                </a:extLst>
+              </a:tr>
+            </a:tbl>
+          </a:graphicData>
+        </a:graphic>
+      </p:graphicFrame>
+    </p:spTree>
+  </p:cSld>
+  <p:clrMapOvr>
+    <a:masterClrMapping/>
+  </p:clrMapOvr>
+</p:sld>
+</file>
+
+<file path=ppt/slides/slide19.xml><?xml version="1.0" encoding="utf-8"?>
+<p:sld xmlns:a="http://schemas.openxmlformats.org/drawingml/2006/main" xmlns:r="http://schemas.openxmlformats.org/officeDocument/2006/relationships" xmlns:p="http://schemas.openxmlformats.org/presentationml/2006/main">
+  <p:cSld>
+    <p:spTree>
+      <p:nvGrpSpPr>
+        <p:cNvPr id="1" name="Shape 100"/>
+        <p:cNvGrpSpPr/>
+        <p:nvPr/>
+      </p:nvGrpSpPr>
+      <p:grpSpPr>
+        <a:xfrm>
+          <a:off x="0" y="0"/>
+          <a:ext cx="0" cy="0"/>
+          <a:chOff x="0" y="0"/>
+          <a:chExt cx="0" cy="0"/>
+        </a:xfrm>
+      </p:grpSpPr>
+      <p:sp>
+        <p:nvSpPr>
+          <p:cNvPr id="101" name="Google Shape;101;p20"/>
+          <p:cNvSpPr txBox="1">
+            <a:spLocks noGrp="1"/>
+          </p:cNvSpPr>
+          <p:nvPr>
+            <p:ph type="body" idx="1"/>
+          </p:nvPr>
+        </p:nvSpPr>
+        <p:spPr>
+          <a:xfrm>
+            <a:off x="415600" y="5640767"/>
+            <a:ext cx="11355600" cy="806800"/>
+          </a:xfrm>
+          <a:prstGeom prst="rect">
+            <a:avLst/>
+          </a:prstGeom>
+        </p:spPr>
+        <p:txBody>
+          <a:bodyPr spcFirstLastPara="1" wrap="square" lIns="121900" tIns="121900" rIns="121900" bIns="121900" anchor="ctr" anchorCtr="0">
+            <a:normAutofit/>
+          </a:bodyPr>
+          <a:lstStyle/>
+          <a:p>
+            <a:pPr marL="0" indent="0"/>
+            <a:r>
+              <a:rPr lang="en">
+                <a:solidFill>
+                  <a:schemeClr val="dk1"/>
+                </a:solidFill>
+              </a:rPr>
+              <a:t>Use the </a:t>
+            </a:r>
+            <a:r>
+              <a:rPr lang="en" i="1">
+                <a:solidFill>
+                  <a:schemeClr val="dk1"/>
+                </a:solidFill>
+              </a:rPr>
+              <a:t>complexity profile </a:t>
+            </a:r>
+            <a:r>
+              <a:rPr lang="en">
+                <a:solidFill>
+                  <a:schemeClr val="dk1"/>
+                </a:solidFill>
+              </a:rPr>
+              <a:t>of a phenomenon to determine if it is acting randomly or else with a higher organizing principle.</a:t>
+            </a:r>
+            <a:r>
+              <a:rPr lang="en" i="1">
+                <a:solidFill>
+                  <a:schemeClr val="dk1"/>
+                </a:solidFill>
+              </a:rPr>
+              <a:t> </a:t>
+            </a:r>
+            <a:r>
+              <a:rPr lang="en">
+                <a:solidFill>
+                  <a:schemeClr val="dk1"/>
+                </a:solidFill>
+              </a:rPr>
+              <a:t> (Figures from Siegenfeld and Bar-Yam, </a:t>
+            </a:r>
+            <a:r>
+              <a:rPr lang="en" i="1">
+                <a:solidFill>
+                  <a:schemeClr val="dk1"/>
+                </a:solidFill>
+              </a:rPr>
+              <a:t>Complexity</a:t>
+            </a:r>
+            <a:r>
+              <a:rPr lang="en">
+                <a:solidFill>
+                  <a:schemeClr val="dk1"/>
+                </a:solidFill>
+              </a:rPr>
+              <a:t>, 2020) </a:t>
+            </a:r>
+            <a:endParaRPr/>
+          </a:p>
+        </p:txBody>
+      </p:sp>
+      <p:pic>
+        <p:nvPicPr>
+          <p:cNvPr id="102" name="Google Shape;102;p20"/>
+          <p:cNvPicPr preferRelativeResize="0"/>
+          <p:nvPr/>
+        </p:nvPicPr>
+        <p:blipFill>
+          <a:blip r:embed="rId3">
+            <a:alphaModFix/>
+          </a:blip>
+          <a:stretch>
+            <a:fillRect/>
+          </a:stretch>
+        </p:blipFill>
+        <p:spPr>
+          <a:xfrm>
+            <a:off x="415601" y="1077701"/>
+            <a:ext cx="5600700" cy="3670300"/>
+          </a:xfrm>
+          <a:prstGeom prst="rect">
+            <a:avLst/>
+          </a:prstGeom>
+          <a:noFill/>
+          <a:ln>
+            <a:noFill/>
+          </a:ln>
+        </p:spPr>
+      </p:pic>
+      <p:pic>
+        <p:nvPicPr>
+          <p:cNvPr id="103" name="Google Shape;103;p20"/>
+          <p:cNvPicPr preferRelativeResize="0"/>
+          <p:nvPr/>
+        </p:nvPicPr>
+        <p:blipFill>
+          <a:blip r:embed="rId4">
+            <a:alphaModFix/>
+          </a:blip>
+          <a:stretch>
+            <a:fillRect/>
+          </a:stretch>
+        </p:blipFill>
+        <p:spPr>
+          <a:xfrm>
+            <a:off x="6219501" y="203200"/>
+            <a:ext cx="5180953" cy="5234365"/>
+          </a:xfrm>
+          <a:prstGeom prst="rect">
+            <a:avLst/>
+          </a:prstGeom>
+          <a:noFill/>
+          <a:ln>
+            <a:noFill/>
+          </a:ln>
+        </p:spPr>
+      </p:pic>
+    </p:spTree>
+  </p:cSld>
+  <p:clrMapOvr>
+    <a:masterClrMapping/>
+  </p:clrMapOvr>
+</p:sld>
+</file>
+
+<file path=ppt/slides/slide2.xml><?xml version="1.0" encoding="utf-8"?>
+<p:sld xmlns:a="http://schemas.openxmlformats.org/drawingml/2006/main" xmlns:r="http://schemas.openxmlformats.org/officeDocument/2006/relationships" xmlns:p="http://schemas.openxmlformats.org/presentationml/2006/main">
+  <p:cSld>
+    <p:spTree>
+      <p:nvGrpSpPr>
+        <p:cNvPr id="1" name=""/>
+        <p:cNvGrpSpPr/>
+        <p:nvPr/>
+      </p:nvGrpSpPr>
+      <p:grpSpPr>
+        <a:xfrm>
+          <a:off x="0" y="0"/>
+          <a:ext cx="0" cy="0"/>
+          <a:chOff x="0" y="0"/>
+          <a:chExt cx="0" cy="0"/>
+        </a:xfrm>
+      </p:grpSpPr>
+      <p:sp>
+        <p:nvSpPr>
+          <p:cNvPr id="2" name="Title 1">
+            <a:extLst>
+              <a:ext uri="{FF2B5EF4-FFF2-40B4-BE49-F238E27FC236}">
+                <a16:creationId xmlns:a16="http://schemas.microsoft.com/office/drawing/2014/main" id="{A3D7A334-7096-AB45-ACA4-A48885832BFE}"/>
+              </a:ext>
+            </a:extLst>
+          </p:cNvPr>
+          <p:cNvSpPr>
+            <a:spLocks noGrp="1"/>
+          </p:cNvSpPr>
+          <p:nvPr>
+            <p:ph type="ctrTitle"/>
+          </p:nvPr>
+        </p:nvSpPr>
+        <p:spPr/>
+        <p:txBody>
+          <a:bodyPr/>
+          <a:lstStyle/>
+          <a:p>
+            <a:r>
+              <a:rPr lang="en-US" dirty="0"/>
+              <a:t>Accessing </a:t>
+            </a:r>
+            <a:r>
+              <a:rPr lang="en-US" dirty="0" err="1"/>
+              <a:t>Datatracker</a:t>
+            </a:r>
+            <a:r>
+              <a:rPr lang="en-US" dirty="0"/>
+              <a:t> Data</a:t>
+            </a:r>
+          </a:p>
+        </p:txBody>
+      </p:sp>
+      <p:sp>
+        <p:nvSpPr>
+          <p:cNvPr id="3" name="Subtitle 2">
+            <a:extLst>
+              <a:ext uri="{FF2B5EF4-FFF2-40B4-BE49-F238E27FC236}">
+                <a16:creationId xmlns:a16="http://schemas.microsoft.com/office/drawing/2014/main" id="{3F6040DB-B161-8042-826A-3549B4E4D36A}"/>
+              </a:ext>
+            </a:extLst>
+          </p:cNvPr>
+          <p:cNvSpPr>
+            <a:spLocks noGrp="1"/>
+          </p:cNvSpPr>
+          <p:nvPr>
+            <p:ph type="subTitle" idx="1"/>
+          </p:nvPr>
+        </p:nvSpPr>
+        <p:spPr/>
+        <p:txBody>
+          <a:bodyPr/>
+          <a:lstStyle/>
+          <a:p>
+            <a:r>
+              <a:rPr lang="en-US" dirty="0"/>
+              <a:t>Robert Sparks</a:t>
+            </a:r>
+          </a:p>
+          <a:p>
+            <a:r>
+              <a:rPr lang="en-US" dirty="0"/>
+              <a:t>IAB AID Workshop</a:t>
+            </a:r>
+          </a:p>
+          <a:p>
+            <a:r>
+              <a:rPr lang="en-US" dirty="0"/>
+              <a:t>Session 1</a:t>
+            </a:r>
+          </a:p>
+        </p:txBody>
+      </p:sp>
+    </p:spTree>
+    <p:extLst>
+      <p:ext uri="{BB962C8B-B14F-4D97-AF65-F5344CB8AC3E}">
+        <p14:creationId xmlns:p14="http://schemas.microsoft.com/office/powerpoint/2010/main" val="1901690895"/>
+      </p:ext>
+    </p:extLst>
+  </p:cSld>
+  <p:clrMapOvr>
+    <a:masterClrMapping/>
+  </p:clrMapOvr>
+</p:sld>
+</file>
+
+<file path=ppt/slides/slide20.xml><?xml version="1.0" encoding="utf-8"?>
+<p:sld xmlns:a="http://schemas.openxmlformats.org/drawingml/2006/main" xmlns:r="http://schemas.openxmlformats.org/officeDocument/2006/relationships" xmlns:p="http://schemas.openxmlformats.org/presentationml/2006/main">
+  <p:cSld>
+    <p:spTree>
+      <p:nvGrpSpPr>
+        <p:cNvPr id="1" name="Shape 107"/>
+        <p:cNvGrpSpPr/>
+        <p:nvPr/>
+      </p:nvGrpSpPr>
+      <p:grpSpPr>
+        <a:xfrm>
+          <a:off x="0" y="0"/>
+          <a:ext cx="0" cy="0"/>
+          <a:chOff x="0" y="0"/>
+          <a:chExt cx="0" cy="0"/>
+        </a:xfrm>
+      </p:grpSpPr>
+      <p:sp>
+        <p:nvSpPr>
+          <p:cNvPr id="108" name="Google Shape;108;p21"/>
+          <p:cNvSpPr txBox="1">
+            <a:spLocks noGrp="1"/>
+          </p:cNvSpPr>
+          <p:nvPr>
+            <p:ph type="body" idx="1"/>
+          </p:nvPr>
+        </p:nvSpPr>
+        <p:spPr>
+          <a:xfrm>
+            <a:off x="200833" y="224933"/>
+            <a:ext cx="4988800" cy="6307200"/>
+          </a:xfrm>
+          <a:prstGeom prst="rect">
+            <a:avLst/>
+          </a:prstGeom>
+        </p:spPr>
+        <p:txBody>
+          <a:bodyPr spcFirstLastPara="1" wrap="square" lIns="121900" tIns="121900" rIns="121900" bIns="121900" anchor="t" anchorCtr="0">
+            <a:normAutofit/>
+          </a:bodyPr>
+          <a:lstStyle/>
+          <a:p>
+            <a:pPr marL="0" indent="0"/>
+            <a:r>
+              <a:rPr lang="en"/>
+              <a:t>Preliminary results on distributions over prefixes:</a:t>
+            </a:r>
+            <a:endParaRPr/>
+          </a:p>
+          <a:p>
+            <a:pPr marL="0" indent="0"/>
+            <a:endParaRPr/>
+          </a:p>
+          <a:p>
+            <a:pPr indent="-457189">
+              <a:buChar char="●"/>
+            </a:pPr>
+            <a:r>
+              <a:rPr lang="en" i="1"/>
+              <a:t>Generic email domains:</a:t>
+            </a:r>
+            <a:endParaRPr i="1"/>
+          </a:p>
+          <a:p>
+            <a:pPr marL="1219170" lvl="1" indent="-457189">
+              <a:buSzPts val="1800"/>
+            </a:pPr>
+            <a:r>
+              <a:rPr lang="en"/>
+              <a:t>e.g. </a:t>
+            </a:r>
+            <a:r>
+              <a:rPr lang="en">
+                <a:latin typeface="Courier New"/>
+                <a:ea typeface="Courier New"/>
+                <a:cs typeface="Courier New"/>
+                <a:sym typeface="Courier New"/>
+              </a:rPr>
+              <a:t>gmail.com</a:t>
+            </a:r>
+            <a:endParaRPr/>
+          </a:p>
+          <a:p>
+            <a:pPr marL="1219170" lvl="1" indent="-457189">
+              <a:buSzPts val="1800"/>
+            </a:pPr>
+            <a:r>
+              <a:rPr lang="en" i="1"/>
+              <a:t>high standard deviation</a:t>
+            </a:r>
+            <a:endParaRPr/>
+          </a:p>
+          <a:p>
+            <a:pPr marL="1219170" lvl="1" indent="-457189">
+              <a:buSzPts val="1800"/>
+            </a:pPr>
+            <a:r>
+              <a:rPr lang="en" i="1"/>
+              <a:t>low median</a:t>
+            </a:r>
+            <a:endParaRPr/>
+          </a:p>
+          <a:p>
+            <a:pPr marL="1219170" lvl="1" indent="-457189">
+              <a:buSzPts val="1800"/>
+            </a:pPr>
+            <a:r>
+              <a:rPr lang="en"/>
+              <a:t>R</a:t>
+            </a:r>
+            <a:r>
+              <a:rPr lang="en" i="1"/>
+              <a:t>andom</a:t>
+            </a:r>
+            <a:r>
+              <a:rPr lang="en"/>
+              <a:t> organization.</a:t>
+            </a:r>
+            <a:br>
+              <a:rPr lang="en"/>
+            </a:br>
+            <a:endParaRPr i="1"/>
+          </a:p>
+          <a:p>
+            <a:pPr indent="-457189">
+              <a:buChar char="●"/>
+            </a:pPr>
+            <a:r>
+              <a:rPr lang="en" i="1"/>
+              <a:t>Organizational </a:t>
+            </a:r>
+            <a:r>
+              <a:rPr lang="en"/>
+              <a:t>email domains</a:t>
+            </a:r>
+            <a:endParaRPr/>
+          </a:p>
+          <a:p>
+            <a:pPr marL="1219170" lvl="1" indent="-457189">
+              <a:buSzPts val="1800"/>
+            </a:pPr>
+            <a:r>
+              <a:rPr lang="en"/>
+              <a:t>E.g. </a:t>
+            </a:r>
+            <a:r>
+              <a:rPr lang="en">
+                <a:latin typeface="Courier New"/>
+                <a:ea typeface="Courier New"/>
+                <a:cs typeface="Courier New"/>
+                <a:sym typeface="Courier New"/>
+              </a:rPr>
+              <a:t>apple.com</a:t>
+            </a:r>
+            <a:endParaRPr>
+              <a:latin typeface="Courier New"/>
+              <a:ea typeface="Courier New"/>
+              <a:cs typeface="Courier New"/>
+              <a:sym typeface="Courier New"/>
+            </a:endParaRPr>
+          </a:p>
+          <a:p>
+            <a:pPr marL="1219170" lvl="1" indent="-457189">
+              <a:buSzPts val="1800"/>
+            </a:pPr>
+            <a:r>
+              <a:rPr lang="en" i="1"/>
+              <a:t>higher median</a:t>
+            </a:r>
+            <a:endParaRPr/>
+          </a:p>
+          <a:p>
+            <a:pPr marL="1219170" lvl="1" indent="-457189">
+              <a:buSzPts val="1800"/>
+            </a:pPr>
+            <a:r>
+              <a:rPr lang="en"/>
+              <a:t>C</a:t>
+            </a:r>
+            <a:r>
+              <a:rPr lang="en" i="1"/>
+              <a:t>orrelated</a:t>
+            </a:r>
+            <a:r>
+              <a:rPr lang="en"/>
+              <a:t> organization</a:t>
+            </a:r>
+            <a:br>
+              <a:rPr lang="en"/>
+            </a:br>
+            <a:endParaRPr/>
+          </a:p>
+          <a:p>
+            <a:pPr indent="-457189">
+              <a:buChar char="●"/>
+            </a:pPr>
+            <a:r>
+              <a:rPr lang="en" i="1"/>
+              <a:t>Personal </a:t>
+            </a:r>
+            <a:r>
+              <a:rPr lang="en"/>
+              <a:t>email addresses</a:t>
+            </a:r>
+            <a:endParaRPr/>
+          </a:p>
+          <a:p>
+            <a:pPr marL="1219170" lvl="1" indent="-457189">
+              <a:buSzPts val="1800"/>
+            </a:pPr>
+            <a:r>
+              <a:rPr lang="en"/>
+              <a:t> E.g. </a:t>
+            </a:r>
+            <a:r>
+              <a:rPr lang="en">
+                <a:latin typeface="Courier New"/>
+                <a:ea typeface="Courier New"/>
+                <a:cs typeface="Courier New"/>
+                <a:sym typeface="Courier New"/>
+              </a:rPr>
+              <a:t>csperkins.org</a:t>
+            </a:r>
+            <a:endParaRPr>
+              <a:latin typeface="Courier New"/>
+              <a:ea typeface="Courier New"/>
+              <a:cs typeface="Courier New"/>
+              <a:sym typeface="Courier New"/>
+            </a:endParaRPr>
+          </a:p>
+          <a:p>
+            <a:pPr marL="1219170" lvl="1" indent="-457189">
+              <a:buSzPts val="1800"/>
+            </a:pPr>
+            <a:r>
+              <a:rPr lang="en"/>
+              <a:t> </a:t>
+            </a:r>
+            <a:r>
+              <a:rPr lang="en" i="1"/>
+              <a:t>low standard deviation</a:t>
+            </a:r>
+            <a:endParaRPr/>
+          </a:p>
+          <a:p>
+            <a:pPr marL="1219170" lvl="1" indent="-457189">
+              <a:buSzPts val="1800"/>
+            </a:pPr>
+            <a:r>
+              <a:rPr lang="en" i="1"/>
+              <a:t>high median</a:t>
+            </a:r>
+            <a:endParaRPr/>
+          </a:p>
+          <a:p>
+            <a:pPr marL="1219170" lvl="1" indent="-457189">
+              <a:buSzPts val="1800"/>
+            </a:pPr>
+            <a:r>
+              <a:rPr lang="en"/>
+              <a:t>Coherent organization</a:t>
+            </a:r>
+            <a:endParaRPr/>
+          </a:p>
+        </p:txBody>
+      </p:sp>
+      <p:pic>
+        <p:nvPicPr>
+          <p:cNvPr id="109" name="Google Shape;109;p21"/>
+          <p:cNvPicPr preferRelativeResize="0"/>
+          <p:nvPr/>
+        </p:nvPicPr>
+        <p:blipFill>
+          <a:blip r:embed="rId3">
+            <a:alphaModFix/>
+          </a:blip>
+          <a:stretch>
+            <a:fillRect/>
+          </a:stretch>
+        </p:blipFill>
+        <p:spPr>
+          <a:xfrm>
+            <a:off x="5189434" y="65351"/>
+            <a:ext cx="6888767" cy="6727300"/>
+          </a:xfrm>
+          <a:prstGeom prst="rect">
+            <a:avLst/>
+          </a:prstGeom>
+          <a:noFill/>
+          <a:ln>
+            <a:noFill/>
+          </a:ln>
+        </p:spPr>
+      </p:pic>
+    </p:spTree>
+  </p:cSld>
+  <p:clrMapOvr>
+    <a:masterClrMapping/>
+  </p:clrMapOvr>
+</p:sld>
+</file>
+
+<file path=ppt/slides/slide21.xml><?xml version="1.0" encoding="utf-8"?>
+<p:sld xmlns:a="http://schemas.openxmlformats.org/drawingml/2006/main" xmlns:r="http://schemas.openxmlformats.org/officeDocument/2006/relationships" xmlns:p="http://schemas.openxmlformats.org/presentationml/2006/main">
+  <p:cSld>
+    <p:spTree>
+      <p:nvGrpSpPr>
+        <p:cNvPr id="1" name="Shape 113"/>
+        <p:cNvGrpSpPr/>
+        <p:nvPr/>
+      </p:nvGrpSpPr>
+      <p:grpSpPr>
+        <a:xfrm>
+          <a:off x="0" y="0"/>
+          <a:ext cx="0" cy="0"/>
+          <a:chOff x="0" y="0"/>
+          <a:chExt cx="0" cy="0"/>
+        </a:xfrm>
+      </p:grpSpPr>
+      <p:sp>
+        <p:nvSpPr>
+          <p:cNvPr id="114" name="Google Shape;114;p22"/>
+          <p:cNvSpPr txBox="1">
+            <a:spLocks noGrp="1"/>
+          </p:cNvSpPr>
+          <p:nvPr>
+            <p:ph type="body" idx="1"/>
+          </p:nvPr>
+        </p:nvSpPr>
+        <p:spPr>
+          <a:xfrm>
+            <a:off x="415600" y="1536633"/>
+            <a:ext cx="6476800" cy="5118000"/>
+          </a:xfrm>
+          <a:prstGeom prst="rect">
+            <a:avLst/>
+          </a:prstGeom>
+        </p:spPr>
+        <p:txBody>
+          <a:bodyPr spcFirstLastPara="1" wrap="square" lIns="121900" tIns="121900" rIns="121900" bIns="121900" anchor="t" anchorCtr="0">
+            <a:normAutofit/>
+          </a:bodyPr>
+          <a:lstStyle/>
+          <a:p>
+            <a:r>
+              <a:rPr lang="en"/>
+              <a:t>Consider organization within working groups</a:t>
+            </a:r>
+            <a:endParaRPr/>
+          </a:p>
+          <a:p>
+            <a:pPr lvl="1"/>
+            <a:r>
+              <a:rPr lang="en"/>
+              <a:t>At individual level</a:t>
+            </a:r>
+            <a:endParaRPr/>
+          </a:p>
+          <a:p>
+            <a:pPr lvl="1"/>
+            <a:r>
+              <a:rPr lang="en"/>
+              <a:t>At domain level</a:t>
+            </a:r>
+            <a:br>
+              <a:rPr lang="en"/>
+            </a:br>
+            <a:endParaRPr/>
+          </a:p>
+          <a:p>
+            <a:r>
+              <a:rPr lang="en"/>
+              <a:t>Are the working groups random, correlated, or coherent organizations?</a:t>
+            </a:r>
+            <a:br>
+              <a:rPr lang="en"/>
+            </a:br>
+            <a:endParaRPr/>
+          </a:p>
+          <a:p>
+            <a:r>
+              <a:rPr lang="en"/>
+              <a:t>Are they a mixture of activities of different types of organizations?</a:t>
+            </a:r>
+            <a:endParaRPr/>
+          </a:p>
+          <a:p>
+            <a:pPr marL="0" indent="0">
+              <a:spcBef>
+                <a:spcPts val="1600"/>
+              </a:spcBef>
+              <a:buNone/>
+            </a:pPr>
+            <a:endParaRPr/>
+          </a:p>
+          <a:p>
+            <a:pPr marL="0" indent="0">
+              <a:spcBef>
+                <a:spcPts val="1600"/>
+              </a:spcBef>
+              <a:spcAft>
+                <a:spcPts val="1600"/>
+              </a:spcAft>
+              <a:buNone/>
+            </a:pPr>
+            <a:r>
+              <a:rPr lang="en"/>
+              <a:t>Questions and feedback: </a:t>
+            </a:r>
+            <a:r>
+              <a:rPr lang="en" u="sng">
+                <a:solidFill>
+                  <a:schemeClr val="hlink"/>
+                </a:solidFill>
+                <a:hlinkClick r:id="rId3"/>
+              </a:rPr>
+              <a:t>spb413@nyu.edu</a:t>
+            </a:r>
+            <a:r>
+              <a:rPr lang="en"/>
+              <a:t>. Thanks!</a:t>
+            </a:r>
+            <a:endParaRPr/>
+          </a:p>
+        </p:txBody>
+      </p:sp>
+      <p:sp>
+        <p:nvSpPr>
+          <p:cNvPr id="115" name="Google Shape;115;p22"/>
+          <p:cNvSpPr txBox="1">
+            <a:spLocks noGrp="1"/>
+          </p:cNvSpPr>
+          <p:nvPr>
+            <p:ph type="title"/>
+          </p:nvPr>
+        </p:nvSpPr>
+        <p:spPr>
+          <a:xfrm>
+            <a:off x="415600" y="593367"/>
+            <a:ext cx="11360800" cy="763600"/>
+          </a:xfrm>
+          <a:prstGeom prst="rect">
+            <a:avLst/>
+          </a:prstGeom>
+        </p:spPr>
+        <p:txBody>
+          <a:bodyPr spcFirstLastPara="1" wrap="square" lIns="121900" tIns="121900" rIns="121900" bIns="121900" anchor="t" anchorCtr="0">
+            <a:normAutofit/>
+          </a:bodyPr>
+          <a:lstStyle/>
+          <a:p>
+            <a:r>
+              <a:rPr lang="en"/>
+              <a:t>Next steps</a:t>
+            </a:r>
+            <a:endParaRPr/>
+          </a:p>
+        </p:txBody>
+      </p:sp>
+      <p:sp>
+        <p:nvSpPr>
+          <p:cNvPr id="116" name="Google Shape;116;p22"/>
+          <p:cNvSpPr txBox="1"/>
+          <p:nvPr/>
+        </p:nvSpPr>
+        <p:spPr>
+          <a:xfrm>
+            <a:off x="7352660" y="564767"/>
+            <a:ext cx="4499200" cy="533504"/>
+          </a:xfrm>
+          <a:prstGeom prst="rect">
+            <a:avLst/>
+          </a:prstGeom>
+          <a:noFill/>
+          <a:ln>
+            <a:noFill/>
+          </a:ln>
+        </p:spPr>
+        <p:txBody>
+          <a:bodyPr spcFirstLastPara="1" wrap="square" lIns="121900" tIns="121900" rIns="121900" bIns="121900" anchor="t" anchorCtr="0">
+            <a:spAutoFit/>
+          </a:bodyPr>
+          <a:lstStyle/>
+          <a:p>
+            <a:pPr defTabSz="1219170">
+              <a:buClr>
+                <a:srgbClr val="000000"/>
+              </a:buClr>
+            </a:pPr>
+            <a:r>
+              <a:rPr lang="en" sz="1867" kern="0">
+                <a:solidFill>
+                  <a:srgbClr val="000000"/>
+                </a:solidFill>
+                <a:latin typeface="Arial"/>
+                <a:cs typeface="Arial"/>
+                <a:sym typeface="Arial"/>
+              </a:rPr>
+              <a:t>Messages per email - gmail.com</a:t>
+            </a:r>
+            <a:endParaRPr sz="1867" kern="0">
+              <a:solidFill>
+                <a:srgbClr val="000000"/>
+              </a:solidFill>
+              <a:latin typeface="Arial"/>
+              <a:cs typeface="Arial"/>
+              <a:sym typeface="Arial"/>
+            </a:endParaRPr>
+          </a:p>
+        </p:txBody>
+      </p:sp>
+      <p:sp>
+        <p:nvSpPr>
+          <p:cNvPr id="117" name="Google Shape;117;p22"/>
+          <p:cNvSpPr txBox="1"/>
+          <p:nvPr/>
+        </p:nvSpPr>
+        <p:spPr>
+          <a:xfrm>
+            <a:off x="7535771" y="3870067"/>
+            <a:ext cx="4178000" cy="533504"/>
+          </a:xfrm>
+          <a:prstGeom prst="rect">
+            <a:avLst/>
+          </a:prstGeom>
+          <a:noFill/>
+          <a:ln>
+            <a:noFill/>
+          </a:ln>
+        </p:spPr>
+        <p:txBody>
+          <a:bodyPr spcFirstLastPara="1" wrap="square" lIns="121900" tIns="121900" rIns="121900" bIns="121900" anchor="t" anchorCtr="0">
+            <a:spAutoFit/>
+          </a:bodyPr>
+          <a:lstStyle/>
+          <a:p>
+            <a:pPr defTabSz="1219170">
+              <a:buClr>
+                <a:srgbClr val="000000"/>
+              </a:buClr>
+            </a:pPr>
+            <a:r>
+              <a:rPr lang="en" sz="1867" kern="0">
+                <a:solidFill>
+                  <a:srgbClr val="000000"/>
+                </a:solidFill>
+                <a:latin typeface="Arial"/>
+                <a:cs typeface="Arial"/>
+                <a:sym typeface="Arial"/>
+              </a:rPr>
+              <a:t>Messages per email - google.com</a:t>
+            </a:r>
+            <a:endParaRPr sz="1867" kern="0">
+              <a:solidFill>
+                <a:srgbClr val="000000"/>
+              </a:solidFill>
+              <a:latin typeface="Arial"/>
+              <a:cs typeface="Arial"/>
+              <a:sym typeface="Arial"/>
+            </a:endParaRPr>
+          </a:p>
+        </p:txBody>
+      </p:sp>
+      <p:pic>
+        <p:nvPicPr>
+          <p:cNvPr id="118" name="Google Shape;118;p22"/>
+          <p:cNvPicPr preferRelativeResize="0"/>
+          <p:nvPr/>
+        </p:nvPicPr>
+        <p:blipFill>
+          <a:blip r:embed="rId4">
+            <a:alphaModFix/>
+          </a:blip>
+          <a:stretch>
+            <a:fillRect/>
+          </a:stretch>
+        </p:blipFill>
+        <p:spPr>
+          <a:xfrm>
+            <a:off x="7844267" y="1098367"/>
+            <a:ext cx="3111740" cy="1853560"/>
+          </a:xfrm>
+          <a:prstGeom prst="rect">
+            <a:avLst/>
+          </a:prstGeom>
+          <a:noFill/>
+          <a:ln>
+            <a:noFill/>
+          </a:ln>
+        </p:spPr>
+      </p:pic>
+      <p:pic>
+        <p:nvPicPr>
+          <p:cNvPr id="119" name="Google Shape;119;p22"/>
+          <p:cNvPicPr preferRelativeResize="0"/>
+          <p:nvPr/>
+        </p:nvPicPr>
+        <p:blipFill>
+          <a:blip r:embed="rId5">
+            <a:alphaModFix/>
+          </a:blip>
+          <a:stretch>
+            <a:fillRect/>
+          </a:stretch>
+        </p:blipFill>
+        <p:spPr>
+          <a:xfrm>
+            <a:off x="7940425" y="4311225"/>
+            <a:ext cx="2919431" cy="1853561"/>
+          </a:xfrm>
+          <a:prstGeom prst="rect">
+            <a:avLst/>
+          </a:prstGeom>
+          <a:noFill/>
+          <a:ln>
+            <a:noFill/>
+          </a:ln>
+        </p:spPr>
+      </p:pic>
+      <p:sp>
+        <p:nvSpPr>
+          <p:cNvPr id="120" name="Google Shape;120;p22"/>
+          <p:cNvSpPr txBox="1"/>
+          <p:nvPr/>
+        </p:nvSpPr>
+        <p:spPr>
+          <a:xfrm>
+            <a:off x="7110667" y="6124034"/>
+            <a:ext cx="5259200" cy="533504"/>
+          </a:xfrm>
+          <a:prstGeom prst="rect">
+            <a:avLst/>
+          </a:prstGeom>
+          <a:noFill/>
+          <a:ln>
+            <a:noFill/>
+          </a:ln>
+        </p:spPr>
+        <p:txBody>
+          <a:bodyPr spcFirstLastPara="1" wrap="square" lIns="121900" tIns="121900" rIns="121900" bIns="121900" anchor="t" anchorCtr="0">
+            <a:spAutoFit/>
+          </a:bodyPr>
+          <a:lstStyle/>
+          <a:p>
+            <a:pPr defTabSz="1219170">
+              <a:buClr>
+                <a:srgbClr val="000000"/>
+              </a:buClr>
+            </a:pPr>
+            <a:r>
+              <a:rPr lang="en" sz="1867" kern="0">
+                <a:solidFill>
+                  <a:srgbClr val="FF0000"/>
+                </a:solidFill>
+                <a:latin typeface="Arial"/>
+                <a:cs typeface="Arial"/>
+                <a:sym typeface="Arial"/>
+              </a:rPr>
+              <a:t>Area under curve indicating corporate strategy.</a:t>
+            </a:r>
+            <a:endParaRPr sz="1867" kern="0">
+              <a:solidFill>
+                <a:srgbClr val="FF0000"/>
+              </a:solidFill>
+              <a:latin typeface="Arial"/>
+              <a:cs typeface="Arial"/>
+              <a:sym typeface="Arial"/>
+            </a:endParaRPr>
+          </a:p>
+        </p:txBody>
+      </p:sp>
+      <p:sp>
+        <p:nvSpPr>
+          <p:cNvPr id="121" name="Google Shape;121;p22"/>
+          <p:cNvSpPr txBox="1"/>
+          <p:nvPr/>
+        </p:nvSpPr>
+        <p:spPr>
+          <a:xfrm>
+            <a:off x="7352669" y="3000601"/>
+            <a:ext cx="4775200" cy="820825"/>
+          </a:xfrm>
+          <a:prstGeom prst="rect">
+            <a:avLst/>
+          </a:prstGeom>
+          <a:noFill/>
+          <a:ln>
+            <a:noFill/>
+          </a:ln>
+        </p:spPr>
+        <p:txBody>
+          <a:bodyPr spcFirstLastPara="1" wrap="square" lIns="121900" tIns="121900" rIns="121900" bIns="121900" anchor="t" anchorCtr="0">
+            <a:spAutoFit/>
+          </a:bodyPr>
+          <a:lstStyle/>
+          <a:p>
+            <a:pPr defTabSz="1219170">
+              <a:buClr>
+                <a:srgbClr val="000000"/>
+              </a:buClr>
+            </a:pPr>
+            <a:r>
+              <a:rPr lang="en" sz="1867" kern="0">
+                <a:solidFill>
+                  <a:srgbClr val="FF0000"/>
+                </a:solidFill>
+                <a:latin typeface="Arial"/>
+                <a:cs typeface="Arial"/>
+                <a:sym typeface="Arial"/>
+              </a:rPr>
+              <a:t>Many differently affiliated individuals at major differences in scale - random.</a:t>
+            </a:r>
+            <a:endParaRPr sz="1867" kern="0">
+              <a:solidFill>
+                <a:srgbClr val="FF0000"/>
+              </a:solidFill>
+              <a:latin typeface="Arial"/>
+              <a:cs typeface="Arial"/>
+              <a:sym typeface="Arial"/>
+            </a:endParaRPr>
+          </a:p>
+        </p:txBody>
+      </p:sp>
+      <p:sp>
+        <p:nvSpPr>
+          <p:cNvPr id="122" name="Google Shape;122;p22"/>
+          <p:cNvSpPr txBox="1"/>
+          <p:nvPr/>
+        </p:nvSpPr>
+        <p:spPr>
+          <a:xfrm>
+            <a:off x="8043200" y="164367"/>
+            <a:ext cx="3456000" cy="533504"/>
+          </a:xfrm>
+          <a:prstGeom prst="rect">
+            <a:avLst/>
+          </a:prstGeom>
+          <a:noFill/>
+          <a:ln>
+            <a:noFill/>
+          </a:ln>
+        </p:spPr>
+        <p:txBody>
+          <a:bodyPr spcFirstLastPara="1" wrap="square" lIns="121900" tIns="121900" rIns="121900" bIns="121900" anchor="t" anchorCtr="0">
+            <a:spAutoFit/>
+          </a:bodyPr>
+          <a:lstStyle/>
+          <a:p>
+            <a:pPr defTabSz="1219170">
+              <a:buClr>
+                <a:srgbClr val="000000"/>
+              </a:buClr>
+            </a:pPr>
+            <a:r>
+              <a:rPr lang="en" sz="1867" kern="0">
+                <a:solidFill>
+                  <a:srgbClr val="000000"/>
+                </a:solidFill>
+                <a:latin typeface="Arial"/>
+                <a:cs typeface="Arial"/>
+                <a:sym typeface="Arial"/>
+              </a:rPr>
+              <a:t>Messages to </a:t>
+            </a:r>
+            <a:r>
+              <a:rPr lang="en" sz="1867" kern="0">
+                <a:solidFill>
+                  <a:srgbClr val="000000"/>
+                </a:solidFill>
+                <a:latin typeface="Courier New"/>
+                <a:ea typeface="Courier New"/>
+                <a:cs typeface="Courier New"/>
+                <a:sym typeface="Courier New"/>
+              </a:rPr>
+              <a:t>httpbisa</a:t>
+            </a:r>
+            <a:endParaRPr sz="1867" kern="0">
+              <a:solidFill>
+                <a:srgbClr val="000000"/>
+              </a:solidFill>
+              <a:latin typeface="Courier New"/>
+              <a:ea typeface="Courier New"/>
+              <a:cs typeface="Courier New"/>
+              <a:sym typeface="Courier New"/>
+            </a:endParaRPr>
+          </a:p>
+        </p:txBody>
+      </p:sp>
+    </p:spTree>
+  </p:cSld>
+  <p:clrMapOvr>
+    <a:masterClrMapping/>
+  </p:clrMapOvr>
+</p:sld>
+</file>
+
+<file path=ppt/slides/slide22.xml><?xml version="1.0" encoding="utf-8"?>
+<p:sld xmlns:a="http://schemas.openxmlformats.org/drawingml/2006/main" xmlns:r="http://schemas.openxmlformats.org/officeDocument/2006/relationships" xmlns:p="http://schemas.openxmlformats.org/presentationml/2006/main">
+  <p:cSld>
+    <p:spTree>
+      <p:nvGrpSpPr>
         <p:cNvPr id="1" name=""/>
         <p:cNvGrpSpPr/>
         <p:nvPr/>
@@ -9882,7 +18429,7 @@
 </p:sld>
 </file>
 
-<file path=ppt/slides/slide13.xml><?xml version="1.0" encoding="utf-8"?>
+<file path=ppt/slides/slide23.xml><?xml version="1.0" encoding="utf-8"?>
 <p:sld xmlns:a="http://schemas.openxmlformats.org/drawingml/2006/main" xmlns:r="http://schemas.openxmlformats.org/officeDocument/2006/relationships" xmlns:p="http://schemas.openxmlformats.org/presentationml/2006/main">
   <p:cSld>
     <p:spTree>
@@ -9975,7 +18522,7 @@
                 <a:sym typeface="Helvetica"/>
               </a:rPr>
               <a:pPr algn="ctr" hangingPunct="0"/>
-              <a:t>13</a:t>
+              <a:t>23</a:t>
             </a:fld>
             <a:endParaRPr kern="0">
               <a:latin typeface="Helvetica"/>
@@ -10185,7 +18732,7 @@
 </p:sld>
 </file>
 
-<file path=ppt/slides/slide14.xml><?xml version="1.0" encoding="utf-8"?>
+<file path=ppt/slides/slide24.xml><?xml version="1.0" encoding="utf-8"?>
 <p:sld xmlns:a="http://schemas.openxmlformats.org/drawingml/2006/main" xmlns:r="http://schemas.openxmlformats.org/officeDocument/2006/relationships" xmlns:p="http://schemas.openxmlformats.org/presentationml/2006/main">
   <p:cSld>
     <p:spTree>
@@ -10278,7 +18825,7 @@
                 <a:sym typeface="Helvetica"/>
               </a:rPr>
               <a:pPr algn="ctr" hangingPunct="0"/>
-              <a:t>14</a:t>
+              <a:t>24</a:t>
             </a:fld>
             <a:endParaRPr kern="0">
               <a:latin typeface="Helvetica"/>
@@ -10653,7 +19200,7 @@
 </p:sld>
 </file>
 
-<file path=ppt/slides/slide15.xml><?xml version="1.0" encoding="utf-8"?>
+<file path=ppt/slides/slide25.xml><?xml version="1.0" encoding="utf-8"?>
 <p:sld xmlns:a="http://schemas.openxmlformats.org/drawingml/2006/main" xmlns:r="http://schemas.openxmlformats.org/officeDocument/2006/relationships" xmlns:p="http://schemas.openxmlformats.org/presentationml/2006/main">
   <p:cSld>
     <p:spTree>
@@ -10754,7 +19301,7 @@
                 <a:sym typeface="Helvetica"/>
               </a:rPr>
               <a:pPr algn="ctr" hangingPunct="0"/>
-              <a:t>15</a:t>
+              <a:t>25</a:t>
             </a:fld>
             <a:endParaRPr kern="0">
               <a:latin typeface="Helvetica"/>
@@ -11521,7 +20068,7 @@
 </p:sld>
 </file>
 
-<file path=ppt/slides/slide16.xml><?xml version="1.0" encoding="utf-8"?>
+<file path=ppt/slides/slide26.xml><?xml version="1.0" encoding="utf-8"?>
 <p:sld xmlns:a="http://schemas.openxmlformats.org/drawingml/2006/main" xmlns:r="http://schemas.openxmlformats.org/officeDocument/2006/relationships" xmlns:p="http://schemas.openxmlformats.org/presentationml/2006/main">
   <p:cSld>
     <p:spTree>
@@ -11614,7 +20161,7 @@
                 <a:sym typeface="Helvetica"/>
               </a:rPr>
               <a:pPr algn="ctr" hangingPunct="0"/>
-              <a:t>16</a:t>
+              <a:t>26</a:t>
             </a:fld>
             <a:endParaRPr kern="0">
               <a:latin typeface="Helvetica"/>
@@ -11895,7 +20442,7 @@
 </p:sld>
 </file>
 
-<file path=ppt/slides/slide17.xml><?xml version="1.0" encoding="utf-8"?>
+<file path=ppt/slides/slide27.xml><?xml version="1.0" encoding="utf-8"?>
 <p:sld xmlns:a="http://schemas.openxmlformats.org/drawingml/2006/main" xmlns:r="http://schemas.openxmlformats.org/officeDocument/2006/relationships" xmlns:p="http://schemas.openxmlformats.org/presentationml/2006/main">
   <p:cSld>
     <p:spTree>
@@ -11988,7 +20535,7 @@
                 <a:sym typeface="Helvetica"/>
               </a:rPr>
               <a:pPr algn="ctr" hangingPunct="0"/>
-              <a:t>17</a:t>
+              <a:t>27</a:t>
             </a:fld>
             <a:endParaRPr kern="0">
               <a:latin typeface="Helvetica"/>
@@ -12237,7 +20784,7 @@
 </p:sld>
 </file>
 
-<file path=ppt/slides/slide18.xml><?xml version="1.0" encoding="utf-8"?>
+<file path=ppt/slides/slide28.xml><?xml version="1.0" encoding="utf-8"?>
 <p:sld xmlns:a="http://schemas.openxmlformats.org/drawingml/2006/main" xmlns:r="http://schemas.openxmlformats.org/officeDocument/2006/relationships" xmlns:p="http://schemas.openxmlformats.org/presentationml/2006/main">
   <p:cSld>
     <p:spTree>
@@ -12330,7 +20877,7 @@
                 <a:sym typeface="Helvetica"/>
               </a:rPr>
               <a:pPr algn="ctr" hangingPunct="0"/>
-              <a:t>18</a:t>
+              <a:t>28</a:t>
             </a:fld>
             <a:endParaRPr kern="0">
               <a:latin typeface="Helvetica"/>
@@ -12742,7 +21289,7 @@
 </p:sld>
 </file>
 
-<file path=ppt/slides/slide19.xml><?xml version="1.0" encoding="utf-8"?>
+<file path=ppt/slides/slide29.xml><?xml version="1.0" encoding="utf-8"?>
 <p:sld xmlns:a="http://schemas.openxmlformats.org/drawingml/2006/main" xmlns:r="http://schemas.openxmlformats.org/officeDocument/2006/relationships" xmlns:p="http://schemas.openxmlformats.org/presentationml/2006/main">
   <p:cSld>
     <p:spTree>
@@ -12835,7 +21382,7 @@
                 <a:sym typeface="Helvetica"/>
               </a:rPr>
               <a:pPr algn="ctr" hangingPunct="0"/>
-              <a:t>19</a:t>
+              <a:t>29</a:t>
             </a:fld>
             <a:endParaRPr kern="0">
               <a:latin typeface="Helvetica"/>
@@ -12880,7 +21427,7 @@
 </p:sld>
 </file>
 
-<file path=ppt/slides/slide2.xml><?xml version="1.0" encoding="utf-8"?>
+<file path=ppt/slides/slide3.xml><?xml version="1.0" encoding="utf-8"?>
 <p:sld xmlns:a="http://schemas.openxmlformats.org/drawingml/2006/main" xmlns:r="http://schemas.openxmlformats.org/officeDocument/2006/relationships" xmlns:p="http://schemas.openxmlformats.org/presentationml/2006/main">
   <p:cSld>
     <p:spTree>
@@ -12902,7 +21449,7 @@
           <p:cNvPr id="2" name="Title 1">
             <a:extLst>
               <a:ext uri="{FF2B5EF4-FFF2-40B4-BE49-F238E27FC236}">
-                <a16:creationId xmlns:a16="http://schemas.microsoft.com/office/drawing/2014/main" id="{A3D7A334-7096-AB45-ACA4-A48885832BFE}"/>
+                <a16:creationId xmlns:a16="http://schemas.microsoft.com/office/drawing/2014/main" id="{B96E4C19-9479-BD47-948C-076197AC42F1}"/>
               </a:ext>
             </a:extLst>
           </p:cNvPr>
@@ -12910,7 +21457,7 @@
             <a:spLocks noGrp="1"/>
           </p:cNvSpPr>
           <p:nvPr>
-            <p:ph type="ctrTitle"/>
+            <p:ph type="title"/>
           </p:nvPr>
         </p:nvSpPr>
         <p:spPr/>
@@ -12920,25 +21467,17 @@
           <a:p>
             <a:r>
               <a:rPr lang="en-US" dirty="0"/>
-              <a:t>Accessing </a:t>
-            </a:r>
-            <a:r>
-              <a:rPr lang="en-US" dirty="0" err="1"/>
-              <a:t>Datatracker</a:t>
-            </a:r>
-            <a:r>
-              <a:rPr lang="en-US" dirty="0"/>
-              <a:t> Data</a:t>
-            </a:r>
-          </a:p>
-        </p:txBody>
-      </p:sp>
-      <p:sp>
-        <p:nvSpPr>
-          <p:cNvPr id="3" name="Subtitle 2">
+              <a:t>What’s available	?</a:t>
+            </a:r>
+          </a:p>
+        </p:txBody>
+      </p:sp>
+      <p:sp>
+        <p:nvSpPr>
+          <p:cNvPr id="3" name="Content Placeholder 2">
             <a:extLst>
               <a:ext uri="{FF2B5EF4-FFF2-40B4-BE49-F238E27FC236}">
-                <a16:creationId xmlns:a16="http://schemas.microsoft.com/office/drawing/2014/main" id="{3F6040DB-B161-8042-826A-3549B4E4D36A}"/>
+                <a16:creationId xmlns:a16="http://schemas.microsoft.com/office/drawing/2014/main" id="{A3A40F2C-22BC-9C43-8FC2-B971360B2129}"/>
               </a:ext>
             </a:extLst>
           </p:cNvPr>
@@ -12946,7 +21485,7 @@
             <a:spLocks noGrp="1"/>
           </p:cNvSpPr>
           <p:nvPr>
-            <p:ph type="subTitle" idx="1"/>
+            <p:ph idx="1"/>
           </p:nvPr>
         </p:nvSpPr>
         <p:spPr/>
@@ -12956,27 +21495,90 @@
           <a:p>
             <a:r>
               <a:rPr lang="en-US" dirty="0"/>
-              <a:t>Robert Sparks</a:t>
-            </a:r>
-          </a:p>
-          <a:p>
+              <a:t>Files (drafts, RFCs, agendas, minutes, photos)</a:t>
+            </a:r>
+          </a:p>
+          <a:p>
+            <a:pPr lvl="1"/>
             <a:r>
               <a:rPr lang="en-US" dirty="0"/>
-              <a:t>IAB AID Workshop</a:t>
-            </a:r>
+              <a:t>Available over HTTPS and through </a:t>
+            </a:r>
+            <a:r>
+              <a:rPr lang="en-US" dirty="0" err="1"/>
+              <a:t>rsync</a:t>
+            </a:r>
+            <a:endParaRPr lang="en-US" dirty="0"/>
           </a:p>
           <a:p>
             <a:r>
               <a:rPr lang="en-US" dirty="0"/>
-              <a:t>Session 1</a:t>
-            </a:r>
+              <a:t>Metadata about People, Documents, Groups, Meetings, and more</a:t>
+            </a:r>
+          </a:p>
+          <a:p>
+            <a:pPr lvl="1"/>
+            <a:r>
+              <a:rPr lang="en-US" dirty="0"/>
+              <a:t>Stored in SQL, structured as Django Models</a:t>
+            </a:r>
+          </a:p>
+          <a:p>
+            <a:r>
+              <a:rPr lang="en-US" dirty="0"/>
+              <a:t>Archives of mailing lists</a:t>
+            </a:r>
+          </a:p>
+          <a:p>
+            <a:pPr lvl="1"/>
+            <a:r>
+              <a:rPr lang="en-US" dirty="0"/>
+              <a:t>Managed by the </a:t>
+            </a:r>
+            <a:r>
+              <a:rPr lang="en-US" dirty="0" err="1"/>
+              <a:t>mailarchive</a:t>
+            </a:r>
+            <a:r>
+              <a:rPr lang="en-US" dirty="0"/>
+              <a:t> Django project rather than the </a:t>
+            </a:r>
+            <a:r>
+              <a:rPr lang="en-US" dirty="0" err="1"/>
+              <a:t>datatracker</a:t>
+            </a:r>
+            <a:endParaRPr lang="en-US" dirty="0"/>
+          </a:p>
+          <a:p>
+            <a:endParaRPr lang="en-US" dirty="0"/>
+          </a:p>
+          <a:p>
+            <a:pPr marL="0" indent="0" algn="ctr">
+              <a:buNone/>
+            </a:pPr>
+            <a:r>
+              <a:rPr lang="en-US" dirty="0">
+                <a:hlinkClick r:id="rId2"/>
+              </a:rPr>
+              <a:t>Details at https://notes.ietf.org/iab-aid-data-resources</a:t>
+            </a:r>
+            <a:r>
+              <a:rPr lang="en-US" dirty="0"/>
+              <a:t> </a:t>
+            </a:r>
+          </a:p>
+          <a:p>
+            <a:pPr marL="0" indent="0">
+              <a:buNone/>
+            </a:pPr>
+            <a:endParaRPr lang="en-US" dirty="0"/>
           </a:p>
         </p:txBody>
       </p:sp>
     </p:spTree>
     <p:extLst>
       <p:ext uri="{BB962C8B-B14F-4D97-AF65-F5344CB8AC3E}">
-        <p14:creationId xmlns:p14="http://schemas.microsoft.com/office/powerpoint/2010/main" val="1901690895"/>
+        <p14:creationId xmlns:p14="http://schemas.microsoft.com/office/powerpoint/2010/main" val="1973405880"/>
       </p:ext>
     </p:extLst>
   </p:cSld>
@@ -12986,7 +21588,7 @@
 </p:sld>
 </file>
 
-<file path=ppt/slides/slide20.xml><?xml version="1.0" encoding="utf-8"?>
+<file path=ppt/slides/slide30.xml><?xml version="1.0" encoding="utf-8"?>
 <p:sld xmlns:a="http://schemas.openxmlformats.org/drawingml/2006/main" xmlns:r="http://schemas.openxmlformats.org/officeDocument/2006/relationships" xmlns:p="http://schemas.openxmlformats.org/presentationml/2006/main">
   <p:cSld>
     <p:spTree>
@@ -13079,7 +21681,7 @@
                 <a:sym typeface="Helvetica"/>
               </a:rPr>
               <a:pPr algn="ctr" hangingPunct="0"/>
-              <a:t>20</a:t>
+              <a:t>30</a:t>
             </a:fld>
             <a:endParaRPr kern="0">
               <a:latin typeface="Helvetica"/>
@@ -13124,7 +21726,7 @@
 </p:sld>
 </file>
 
-<file path=ppt/slides/slide21.xml><?xml version="1.0" encoding="utf-8"?>
+<file path=ppt/slides/slide31.xml><?xml version="1.0" encoding="utf-8"?>
 <p:sld xmlns:a="http://schemas.openxmlformats.org/drawingml/2006/main" xmlns:r="http://schemas.openxmlformats.org/officeDocument/2006/relationships" xmlns:p="http://schemas.openxmlformats.org/presentationml/2006/main">
   <p:cSld>
     <p:spTree>
@@ -13217,7 +21819,7 @@
                 <a:sym typeface="Helvetica"/>
               </a:rPr>
               <a:pPr algn="ctr" hangingPunct="0"/>
-              <a:t>21</a:t>
+              <a:t>31</a:t>
             </a:fld>
             <a:endParaRPr kern="0">
               <a:latin typeface="Helvetica"/>
@@ -13438,7 +22040,7 @@
 </p:sld>
 </file>
 
-<file path=ppt/slides/slide22.xml><?xml version="1.0" encoding="utf-8"?>
+<file path=ppt/slides/slide32.xml><?xml version="1.0" encoding="utf-8"?>
 <p:sld xmlns:a="http://schemas.openxmlformats.org/drawingml/2006/main" xmlns:r="http://schemas.openxmlformats.org/officeDocument/2006/relationships" xmlns:p="http://schemas.openxmlformats.org/presentationml/2006/main">
   <p:cSld>
     <p:spTree>
@@ -13629,7 +22231,7 @@
                 <a:sym typeface="Helvetica"/>
               </a:rPr>
               <a:pPr algn="ctr" hangingPunct="0"/>
-              <a:t>22</a:t>
+              <a:t>32</a:t>
             </a:fld>
             <a:endParaRPr kern="0">
               <a:latin typeface="Helvetica"/>
@@ -13815,7 +22417,7 @@
 </p:sld>
 </file>
 
-<file path=ppt/slides/slide23.xml><?xml version="1.0" encoding="utf-8"?>
+<file path=ppt/slides/slide33.xml><?xml version="1.0" encoding="utf-8"?>
 <p:sld xmlns:a="http://schemas.openxmlformats.org/drawingml/2006/main" xmlns:r="http://schemas.openxmlformats.org/officeDocument/2006/relationships" xmlns:p="http://schemas.openxmlformats.org/presentationml/2006/main">
   <p:cSld>
     <p:bg>
@@ -13922,7 +22524,7 @@
 </p:sld>
 </file>
 
-<file path=ppt/slides/slide24.xml><?xml version="1.0" encoding="utf-8"?>
+<file path=ppt/slides/slide34.xml><?xml version="1.0" encoding="utf-8"?>
 <p:sld xmlns:a="http://schemas.openxmlformats.org/drawingml/2006/main" xmlns:r="http://schemas.openxmlformats.org/officeDocument/2006/relationships" xmlns:p="http://schemas.openxmlformats.org/presentationml/2006/main">
   <p:cSld>
     <p:spTree>
@@ -14020,7 +22622,7 @@
                 <a:sym typeface="Helvetica"/>
               </a:rPr>
               <a:pPr algn="ctr" hangingPunct="0"/>
-              <a:t>24</a:t>
+              <a:t>34</a:t>
             </a:fld>
             <a:endParaRPr kern="0">
               <a:latin typeface="Helvetica"/>
@@ -14065,7 +22667,7 @@
 </p:sld>
 </file>
 
-<file path=ppt/slides/slide25.xml><?xml version="1.0" encoding="utf-8"?>
+<file path=ppt/slides/slide35.xml><?xml version="1.0" encoding="utf-8"?>
 <p:sld xmlns:a="http://schemas.openxmlformats.org/drawingml/2006/main" xmlns:r="http://schemas.openxmlformats.org/officeDocument/2006/relationships" xmlns:p="http://schemas.openxmlformats.org/presentationml/2006/main">
   <p:cSld>
     <p:spTree>
@@ -14166,7 +22768,7 @@
                 <a:sym typeface="Helvetica"/>
               </a:rPr>
               <a:pPr algn="ctr" hangingPunct="0"/>
-              <a:t>25</a:t>
+              <a:t>35</a:t>
             </a:fld>
             <a:endParaRPr kern="0">
               <a:latin typeface="Helvetica"/>
@@ -14211,7 +22813,7 @@
 </p:sld>
 </file>
 
-<file path=ppt/slides/slide26.xml><?xml version="1.0" encoding="utf-8"?>
+<file path=ppt/slides/slide36.xml><?xml version="1.0" encoding="utf-8"?>
 <p:sld xmlns:a="http://schemas.openxmlformats.org/drawingml/2006/main" xmlns:r="http://schemas.openxmlformats.org/officeDocument/2006/relationships" xmlns:p="http://schemas.openxmlformats.org/presentationml/2006/main">
   <p:cSld>
     <p:spTree>
@@ -14304,7 +22906,7 @@
                 <a:sym typeface="Helvetica"/>
               </a:rPr>
               <a:pPr algn="ctr" hangingPunct="0"/>
-              <a:t>26</a:t>
+              <a:t>36</a:t>
             </a:fld>
             <a:endParaRPr kern="0">
               <a:latin typeface="Helvetica"/>
@@ -14346,167 +22948,6 @@
     <a:masterClrMapping/>
   </p:clrMapOvr>
   <p:transition spd="med"/>
-</p:sld>
-</file>
-
-<file path=ppt/slides/slide3.xml><?xml version="1.0" encoding="utf-8"?>
-<p:sld xmlns:a="http://schemas.openxmlformats.org/drawingml/2006/main" xmlns:r="http://schemas.openxmlformats.org/officeDocument/2006/relationships" xmlns:p="http://schemas.openxmlformats.org/presentationml/2006/main">
-  <p:cSld>
-    <p:spTree>
-      <p:nvGrpSpPr>
-        <p:cNvPr id="1" name=""/>
-        <p:cNvGrpSpPr/>
-        <p:nvPr/>
-      </p:nvGrpSpPr>
-      <p:grpSpPr>
-        <a:xfrm>
-          <a:off x="0" y="0"/>
-          <a:ext cx="0" cy="0"/>
-          <a:chOff x="0" y="0"/>
-          <a:chExt cx="0" cy="0"/>
-        </a:xfrm>
-      </p:grpSpPr>
-      <p:sp>
-        <p:nvSpPr>
-          <p:cNvPr id="2" name="Title 1">
-            <a:extLst>
-              <a:ext uri="{FF2B5EF4-FFF2-40B4-BE49-F238E27FC236}">
-                <a16:creationId xmlns:a16="http://schemas.microsoft.com/office/drawing/2014/main" id="{B96E4C19-9479-BD47-948C-076197AC42F1}"/>
-              </a:ext>
-            </a:extLst>
-          </p:cNvPr>
-          <p:cNvSpPr>
-            <a:spLocks noGrp="1"/>
-          </p:cNvSpPr>
-          <p:nvPr>
-            <p:ph type="title"/>
-          </p:nvPr>
-        </p:nvSpPr>
-        <p:spPr/>
-        <p:txBody>
-          <a:bodyPr/>
-          <a:lstStyle/>
-          <a:p>
-            <a:r>
-              <a:rPr lang="en-US" dirty="0"/>
-              <a:t>What’s available	?</a:t>
-            </a:r>
-          </a:p>
-        </p:txBody>
-      </p:sp>
-      <p:sp>
-        <p:nvSpPr>
-          <p:cNvPr id="3" name="Content Placeholder 2">
-            <a:extLst>
-              <a:ext uri="{FF2B5EF4-FFF2-40B4-BE49-F238E27FC236}">
-                <a16:creationId xmlns:a16="http://schemas.microsoft.com/office/drawing/2014/main" id="{A3A40F2C-22BC-9C43-8FC2-B971360B2129}"/>
-              </a:ext>
-            </a:extLst>
-          </p:cNvPr>
-          <p:cNvSpPr>
-            <a:spLocks noGrp="1"/>
-          </p:cNvSpPr>
-          <p:nvPr>
-            <p:ph idx="1"/>
-          </p:nvPr>
-        </p:nvSpPr>
-        <p:spPr/>
-        <p:txBody>
-          <a:bodyPr/>
-          <a:lstStyle/>
-          <a:p>
-            <a:r>
-              <a:rPr lang="en-US" dirty="0"/>
-              <a:t>Files (drafts, RFCs, agendas, minutes, photos)</a:t>
-            </a:r>
-          </a:p>
-          <a:p>
-            <a:pPr lvl="1"/>
-            <a:r>
-              <a:rPr lang="en-US" dirty="0"/>
-              <a:t>Available over HTTPS and through </a:t>
-            </a:r>
-            <a:r>
-              <a:rPr lang="en-US" dirty="0" err="1"/>
-              <a:t>rsync</a:t>
-            </a:r>
-            <a:endParaRPr lang="en-US" dirty="0"/>
-          </a:p>
-          <a:p>
-            <a:r>
-              <a:rPr lang="en-US" dirty="0"/>
-              <a:t>Metadata about People, Documents, Groups, Meetings, and more</a:t>
-            </a:r>
-          </a:p>
-          <a:p>
-            <a:pPr lvl="1"/>
-            <a:r>
-              <a:rPr lang="en-US" dirty="0"/>
-              <a:t>Stored in SQL, structured as Django Models</a:t>
-            </a:r>
-          </a:p>
-          <a:p>
-            <a:r>
-              <a:rPr lang="en-US" dirty="0"/>
-              <a:t>Archives of mailing lists</a:t>
-            </a:r>
-          </a:p>
-          <a:p>
-            <a:pPr lvl="1"/>
-            <a:r>
-              <a:rPr lang="en-US" dirty="0"/>
-              <a:t>Managed by the </a:t>
-            </a:r>
-            <a:r>
-              <a:rPr lang="en-US" dirty="0" err="1"/>
-              <a:t>mailarchive</a:t>
-            </a:r>
-            <a:r>
-              <a:rPr lang="en-US" dirty="0"/>
-              <a:t> Django project rather than the </a:t>
-            </a:r>
-            <a:r>
-              <a:rPr lang="en-US" dirty="0" err="1"/>
-              <a:t>datatracker</a:t>
-            </a:r>
-            <a:endParaRPr lang="en-US" dirty="0"/>
-          </a:p>
-          <a:p>
-            <a:endParaRPr lang="en-US" dirty="0"/>
-          </a:p>
-          <a:p>
-            <a:pPr marL="0" indent="0" algn="ctr">
-              <a:buNone/>
-            </a:pPr>
-            <a:r>
-              <a:rPr lang="en-US" dirty="0">
-                <a:hlinkClick r:id="rId2"/>
-              </a:rPr>
-              <a:t>Details at https://notes.ietf.org/iab-aid-data-resources</a:t>
-            </a:r>
-            <a:r>
-              <a:rPr lang="en-US" dirty="0"/>
-              <a:t> </a:t>
-            </a:r>
-          </a:p>
-          <a:p>
-            <a:pPr marL="0" indent="0">
-              <a:buNone/>
-            </a:pPr>
-            <a:endParaRPr lang="en-US" dirty="0"/>
-          </a:p>
-        </p:txBody>
-      </p:sp>
-    </p:spTree>
-    <p:extLst>
-      <p:ext uri="{BB962C8B-B14F-4D97-AF65-F5344CB8AC3E}">
-        <p14:creationId xmlns:p14="http://schemas.microsoft.com/office/powerpoint/2010/main" val="1973405880"/>
-      </p:ext>
-    </p:extLst>
-  </p:cSld>
-  <p:clrMapOvr>
-    <a:masterClrMapping/>
-  </p:clrMapOvr>
 </p:sld>
 </file>
 
@@ -16881,6 +25322,287 @@
 </file>
 
 <file path=ppt/theme/theme3.xml><?xml version="1.0" encoding="utf-8"?>
+<a:theme xmlns:a="http://schemas.openxmlformats.org/drawingml/2006/main" name="Simple Light">
+  <a:themeElements>
+    <a:clrScheme name="Simple Light">
+      <a:dk1>
+        <a:srgbClr val="000000"/>
+      </a:dk1>
+      <a:lt1>
+        <a:srgbClr val="FFFFFF"/>
+      </a:lt1>
+      <a:dk2>
+        <a:srgbClr val="595959"/>
+      </a:dk2>
+      <a:lt2>
+        <a:srgbClr val="EEEEEE"/>
+      </a:lt2>
+      <a:accent1>
+        <a:srgbClr val="4285F4"/>
+      </a:accent1>
+      <a:accent2>
+        <a:srgbClr val="212121"/>
+      </a:accent2>
+      <a:accent3>
+        <a:srgbClr val="78909C"/>
+      </a:accent3>
+      <a:accent4>
+        <a:srgbClr val="FFAB40"/>
+      </a:accent4>
+      <a:accent5>
+        <a:srgbClr val="0097A7"/>
+      </a:accent5>
+      <a:accent6>
+        <a:srgbClr val="EEFF41"/>
+      </a:accent6>
+      <a:hlink>
+        <a:srgbClr val="0097A7"/>
+      </a:hlink>
+      <a:folHlink>
+        <a:srgbClr val="0097A7"/>
+      </a:folHlink>
+    </a:clrScheme>
+    <a:fontScheme name="Office">
+      <a:majorFont>
+        <a:latin typeface="Arial"/>
+        <a:ea typeface=""/>
+        <a:cs typeface=""/>
+        <a:font script="Jpan" typeface="ＭＳ Ｐゴシック"/>
+        <a:font script="Hang" typeface="맑은 고딕"/>
+        <a:font script="Hans" typeface="宋体"/>
+        <a:font script="Hant" typeface="新細明體"/>
+        <a:font script="Arab" typeface="Times New Roman"/>
+        <a:font script="Hebr" typeface="Times New Roman"/>
+        <a:font script="Thai" typeface="Angsana New"/>
+        <a:font script="Ethi" typeface="Nyala"/>
+        <a:font script="Beng" typeface="Vrinda"/>
+        <a:font script="Gujr" typeface="Shruti"/>
+        <a:font script="Khmr" typeface="MoolBoran"/>
+        <a:font script="Knda" typeface="Tunga"/>
+        <a:font script="Guru" typeface="Raavi"/>
+        <a:font script="Cans" typeface="Euphemia"/>
+        <a:font script="Cher" typeface="Plantagenet Cherokee"/>
+        <a:font script="Yiii" typeface="Microsoft Yi Baiti"/>
+        <a:font script="Tibt" typeface="Microsoft Himalaya"/>
+        <a:font script="Thaa" typeface="MV Boli"/>
+        <a:font script="Deva" typeface="Mangal"/>
+        <a:font script="Telu" typeface="Gautami"/>
+        <a:font script="Taml" typeface="Latha"/>
+        <a:font script="Syrc" typeface="Estrangelo Edessa"/>
+        <a:font script="Orya" typeface="Kalinga"/>
+        <a:font script="Mlym" typeface="Kartika"/>
+        <a:font script="Laoo" typeface="DokChampa"/>
+        <a:font script="Sinh" typeface="Iskoola Pota"/>
+        <a:font script="Mong" typeface="Mongolian Baiti"/>
+        <a:font script="Viet" typeface="Times New Roman"/>
+        <a:font script="Uigh" typeface="Microsoft Uighur"/>
+        <a:font script="Geor" typeface="Sylfaen"/>
+      </a:majorFont>
+      <a:minorFont>
+        <a:latin typeface="Arial"/>
+        <a:ea typeface=""/>
+        <a:cs typeface=""/>
+        <a:font script="Jpan" typeface="ＭＳ Ｐゴシック"/>
+        <a:font script="Hang" typeface="맑은 고딕"/>
+        <a:font script="Hans" typeface="宋体"/>
+        <a:font script="Hant" typeface="新細明體"/>
+        <a:font script="Arab" typeface="Arial"/>
+        <a:font script="Hebr" typeface="Arial"/>
+        <a:font script="Thai" typeface="Cordia New"/>
+        <a:font script="Ethi" typeface="Nyala"/>
+        <a:font script="Beng" typeface="Vrinda"/>
+        <a:font script="Gujr" typeface="Shruti"/>
+        <a:font script="Khmr" typeface="DaunPenh"/>
+        <a:font script="Knda" typeface="Tunga"/>
+        <a:font script="Guru" typeface="Raavi"/>
+        <a:font script="Cans" typeface="Euphemia"/>
+        <a:font script="Cher" typeface="Plantagenet Cherokee"/>
+        <a:font script="Yiii" typeface="Microsoft Yi Baiti"/>
+        <a:font script="Tibt" typeface="Microsoft Himalaya"/>
+        <a:font script="Thaa" typeface="MV Boli"/>
+        <a:font script="Deva" typeface="Mangal"/>
+        <a:font script="Telu" typeface="Gautami"/>
+        <a:font script="Taml" typeface="Latha"/>
+        <a:font script="Syrc" typeface="Estrangelo Edessa"/>
+        <a:font script="Orya" typeface="Kalinga"/>
+        <a:font script="Mlym" typeface="Kartika"/>
+        <a:font script="Laoo" typeface="DokChampa"/>
+        <a:font script="Sinh" typeface="Iskoola Pota"/>
+        <a:font script="Mong" typeface="Mongolian Baiti"/>
+        <a:font script="Viet" typeface="Arial"/>
+        <a:font script="Uigh" typeface="Microsoft Uighur"/>
+        <a:font script="Geor" typeface="Sylfaen"/>
+      </a:minorFont>
+    </a:fontScheme>
+    <a:fmtScheme name="Office">
+      <a:fillStyleLst>
+        <a:solidFill>
+          <a:schemeClr val="phClr"/>
+        </a:solidFill>
+        <a:gradFill rotWithShape="1">
+          <a:gsLst>
+            <a:gs pos="0">
+              <a:schemeClr val="phClr">
+                <a:tint val="50000"/>
+                <a:satMod val="300000"/>
+              </a:schemeClr>
+            </a:gs>
+            <a:gs pos="35000">
+              <a:schemeClr val="phClr">
+                <a:tint val="37000"/>
+                <a:satMod val="300000"/>
+              </a:schemeClr>
+            </a:gs>
+            <a:gs pos="100000">
+              <a:schemeClr val="phClr">
+                <a:tint val="15000"/>
+                <a:satMod val="350000"/>
+              </a:schemeClr>
+            </a:gs>
+          </a:gsLst>
+          <a:lin ang="16200000" scaled="1"/>
+        </a:gradFill>
+        <a:gradFill rotWithShape="1">
+          <a:gsLst>
+            <a:gs pos="0">
+              <a:schemeClr val="phClr">
+                <a:tint val="100000"/>
+                <a:shade val="100000"/>
+                <a:satMod val="130000"/>
+              </a:schemeClr>
+            </a:gs>
+            <a:gs pos="100000">
+              <a:schemeClr val="phClr">
+                <a:tint val="50000"/>
+                <a:shade val="100000"/>
+                <a:satMod val="350000"/>
+              </a:schemeClr>
+            </a:gs>
+          </a:gsLst>
+          <a:lin ang="16200000" scaled="0"/>
+        </a:gradFill>
+      </a:fillStyleLst>
+      <a:lnStyleLst>
+        <a:ln w="9525" cap="flat" cmpd="sng" algn="ctr">
+          <a:solidFill>
+            <a:schemeClr val="phClr">
+              <a:shade val="95000"/>
+              <a:satMod val="105000"/>
+            </a:schemeClr>
+          </a:solidFill>
+          <a:prstDash val="solid"/>
+        </a:ln>
+        <a:ln w="25400" cap="flat" cmpd="sng" algn="ctr">
+          <a:solidFill>
+            <a:schemeClr val="phClr"/>
+          </a:solidFill>
+          <a:prstDash val="solid"/>
+        </a:ln>
+        <a:ln w="38100" cap="flat" cmpd="sng" algn="ctr">
+          <a:solidFill>
+            <a:schemeClr val="phClr"/>
+          </a:solidFill>
+          <a:prstDash val="solid"/>
+        </a:ln>
+      </a:lnStyleLst>
+      <a:effectStyleLst>
+        <a:effectStyle>
+          <a:effectLst>
+            <a:outerShdw blurRad="40000" dist="20000" dir="5400000" rotWithShape="0">
+              <a:srgbClr val="000000">
+                <a:alpha val="38000"/>
+              </a:srgbClr>
+            </a:outerShdw>
+          </a:effectLst>
+        </a:effectStyle>
+        <a:effectStyle>
+          <a:effectLst>
+            <a:outerShdw blurRad="40000" dist="23000" dir="5400000" rotWithShape="0">
+              <a:srgbClr val="000000">
+                <a:alpha val="35000"/>
+              </a:srgbClr>
+            </a:outerShdw>
+          </a:effectLst>
+        </a:effectStyle>
+        <a:effectStyle>
+          <a:effectLst>
+            <a:outerShdw blurRad="40000" dist="23000" dir="5400000" rotWithShape="0">
+              <a:srgbClr val="000000">
+                <a:alpha val="35000"/>
+              </a:srgbClr>
+            </a:outerShdw>
+          </a:effectLst>
+          <a:scene3d>
+            <a:camera prst="orthographicFront">
+              <a:rot lat="0" lon="0" rev="0"/>
+            </a:camera>
+            <a:lightRig rig="threePt" dir="t">
+              <a:rot lat="0" lon="0" rev="1200000"/>
+            </a:lightRig>
+          </a:scene3d>
+          <a:sp3d>
+            <a:bevelT w="63500" h="25400"/>
+          </a:sp3d>
+        </a:effectStyle>
+      </a:effectStyleLst>
+      <a:bgFillStyleLst>
+        <a:solidFill>
+          <a:schemeClr val="phClr"/>
+        </a:solidFill>
+        <a:gradFill rotWithShape="1">
+          <a:gsLst>
+            <a:gs pos="0">
+              <a:schemeClr val="phClr">
+                <a:tint val="40000"/>
+                <a:satMod val="350000"/>
+              </a:schemeClr>
+            </a:gs>
+            <a:gs pos="40000">
+              <a:schemeClr val="phClr">
+                <a:tint val="45000"/>
+                <a:shade val="99000"/>
+                <a:satMod val="350000"/>
+              </a:schemeClr>
+            </a:gs>
+            <a:gs pos="100000">
+              <a:schemeClr val="phClr">
+                <a:shade val="20000"/>
+                <a:satMod val="255000"/>
+              </a:schemeClr>
+            </a:gs>
+          </a:gsLst>
+          <a:path path="circle">
+            <a:fillToRect l="50000" t="-80000" r="50000" b="180000"/>
+          </a:path>
+        </a:gradFill>
+        <a:gradFill rotWithShape="1">
+          <a:gsLst>
+            <a:gs pos="0">
+              <a:schemeClr val="phClr">
+                <a:tint val="80000"/>
+                <a:satMod val="300000"/>
+              </a:schemeClr>
+            </a:gs>
+            <a:gs pos="100000">
+              <a:schemeClr val="phClr">
+                <a:shade val="30000"/>
+                <a:satMod val="200000"/>
+              </a:schemeClr>
+            </a:gs>
+          </a:gsLst>
+          <a:path path="circle">
+            <a:fillToRect l="50000" t="50000" r="50000" b="50000"/>
+          </a:path>
+        </a:gradFill>
+      </a:bgFillStyleLst>
+    </a:fmtScheme>
+  </a:themeElements>
+  <a:objectDefaults/>
+  <a:extraClrSchemeLst/>
+</a:theme>
+</file>
+
+<file path=ppt/theme/theme4.xml><?xml version="1.0" encoding="utf-8"?>
 <a:theme xmlns:a="http://schemas.openxmlformats.org/drawingml/2006/main" name="Office Theme">
   <a:themeElements>
     <a:clrScheme name="Office">
